--- a/AzureFunctions.pptx
+++ b/AzureFunctions.pptx
@@ -5,7 +5,7 @@
     <p:sldMasterId id="2147483648" r:id="rId1"/>
   </p:sldMasterIdLst>
   <p:notesMasterIdLst>
-    <p:notesMasterId r:id="rId17"/>
+    <p:notesMasterId r:id="rId18"/>
   </p:notesMasterIdLst>
   <p:sldIdLst>
     <p:sldId id="257" r:id="rId2"/>
@@ -14,15 +14,16 @@
     <p:sldId id="263" r:id="rId5"/>
     <p:sldId id="260" r:id="rId6"/>
     <p:sldId id="266" r:id="rId7"/>
-    <p:sldId id="267" r:id="rId8"/>
-    <p:sldId id="264" r:id="rId9"/>
-    <p:sldId id="268" r:id="rId10"/>
+    <p:sldId id="268" r:id="rId8"/>
+    <p:sldId id="267" r:id="rId9"/>
+    <p:sldId id="264" r:id="rId10"/>
     <p:sldId id="269" r:id="rId11"/>
     <p:sldId id="270" r:id="rId12"/>
     <p:sldId id="271" r:id="rId13"/>
     <p:sldId id="272" r:id="rId14"/>
     <p:sldId id="273" r:id="rId15"/>
-    <p:sldId id="259" r:id="rId16"/>
+    <p:sldId id="274" r:id="rId16"/>
+    <p:sldId id="259" r:id="rId17"/>
   </p:sldIdLst>
   <p:sldSz cx="12192000" cy="6858000"/>
   <p:notesSz cx="6858000" cy="9144000"/>
@@ -3291,6 +3292,227 @@
           <a:bodyPr/>
           <a:lstStyle/>
           <a:p>
+            <a:pPr marL="0" marR="0" lvl="0" indent="0" algn="l" defTabSz="914400" rtl="0" eaLnBrk="1" fontAlgn="auto" latinLnBrk="0" hangingPunct="1">
+              <a:lnSpc>
+                <a:spcPct val="100000"/>
+              </a:lnSpc>
+              <a:spcBef>
+                <a:spcPts val="0"/>
+              </a:spcBef>
+              <a:spcAft>
+                <a:spcPts val="0"/>
+              </a:spcAft>
+              <a:buClrTx/>
+              <a:buSzTx/>
+              <a:buFontTx/>
+              <a:buNone/>
+              <a:tabLst/>
+              <a:defRPr/>
+            </a:pPr>
+            <a:r>
+              <a:rPr lang="en-US" dirty="0" err="1">
+                <a:latin typeface="Calibri" panose="020F0502020204030204" pitchFamily="34" charset="0"/>
+              </a:rPr>
+              <a:t>npm</a:t>
+            </a:r>
+            <a:r>
+              <a:rPr lang="en-US" dirty="0">
+                <a:latin typeface="Calibri" panose="020F0502020204030204" pitchFamily="34" charset="0"/>
+              </a:rPr>
+              <a:t> cli + command line: </a:t>
+            </a:r>
+            <a:r>
+              <a:rPr lang="en-US" dirty="0">
+                <a:latin typeface="Calibri" panose="020F0502020204030204" pitchFamily="34" charset="0"/>
+                <a:hlinkClick r:id="rId3"/>
+              </a:rPr>
+              <a:t>https://shellmonger.com/2016/10/31/creating-and-debugging-azure-functions-locally/</a:t>
+            </a:r>
+            <a:endParaRPr lang="en-CA" dirty="0"/>
+          </a:p>
+        </p:txBody>
+      </p:sp>
+      <p:sp>
+        <p:nvSpPr>
+          <p:cNvPr id="4" name="Slide Number Placeholder 3"/>
+          <p:cNvSpPr>
+            <a:spLocks noGrp="1"/>
+          </p:cNvSpPr>
+          <p:nvPr>
+            <p:ph type="sldNum" sz="quarter" idx="10"/>
+          </p:nvPr>
+        </p:nvSpPr>
+        <p:spPr/>
+        <p:txBody>
+          <a:bodyPr/>
+          <a:lstStyle/>
+          <a:p>
+            <a:fld id="{C7A977E6-84F1-4ABE-8B90-0EE8AE00C74E}" type="slidenum">
+              <a:rPr lang="en-CA" smtClean="0"/>
+              <a:t>14</a:t>
+            </a:fld>
+            <a:endParaRPr lang="en-CA"/>
+          </a:p>
+        </p:txBody>
+      </p:sp>
+    </p:spTree>
+    <p:extLst>
+      <p:ext uri="{BB962C8B-B14F-4D97-AF65-F5344CB8AC3E}">
+        <p14:creationId xmlns:p14="http://schemas.microsoft.com/office/powerpoint/2010/main" val="2487479288"/>
+      </p:ext>
+    </p:extLst>
+  </p:cSld>
+  <p:clrMapOvr>
+    <a:masterClrMapping/>
+  </p:clrMapOvr>
+</p:notes>
+</file>
+
+<file path=ppt/notesSlides/notesSlide3.xml><?xml version="1.0" encoding="utf-8"?>
+<p:notes xmlns:a="http://schemas.openxmlformats.org/drawingml/2006/main" xmlns:r="http://schemas.openxmlformats.org/officeDocument/2006/relationships" xmlns:p="http://schemas.openxmlformats.org/presentationml/2006/main">
+  <p:cSld>
+    <p:spTree>
+      <p:nvGrpSpPr>
+        <p:cNvPr id="1" name=""/>
+        <p:cNvGrpSpPr/>
+        <p:nvPr/>
+      </p:nvGrpSpPr>
+      <p:grpSpPr>
+        <a:xfrm>
+          <a:off x="0" y="0"/>
+          <a:ext cx="0" cy="0"/>
+          <a:chOff x="0" y="0"/>
+          <a:chExt cx="0" cy="0"/>
+        </a:xfrm>
+      </p:grpSpPr>
+      <p:sp>
+        <p:nvSpPr>
+          <p:cNvPr id="2" name="Slide Image Placeholder 1"/>
+          <p:cNvSpPr>
+            <a:spLocks noGrp="1" noRot="1" noChangeAspect="1"/>
+          </p:cNvSpPr>
+          <p:nvPr>
+            <p:ph type="sldImg"/>
+          </p:nvPr>
+        </p:nvSpPr>
+        <p:spPr/>
+      </p:sp>
+      <p:sp>
+        <p:nvSpPr>
+          <p:cNvPr id="3" name="Notes Placeholder 2"/>
+          <p:cNvSpPr>
+            <a:spLocks noGrp="1"/>
+          </p:cNvSpPr>
+          <p:nvPr>
+            <p:ph type="body" idx="1"/>
+          </p:nvPr>
+        </p:nvSpPr>
+        <p:spPr/>
+        <p:txBody>
+          <a:bodyPr/>
+          <a:lstStyle/>
+          <a:p>
+            <a:pPr marL="0" marR="0" lvl="0" indent="0" algn="l" defTabSz="914400" rtl="0" eaLnBrk="1" fontAlgn="auto" latinLnBrk="0" hangingPunct="1">
+              <a:lnSpc>
+                <a:spcPct val="100000"/>
+              </a:lnSpc>
+              <a:spcBef>
+                <a:spcPts val="0"/>
+              </a:spcBef>
+              <a:spcAft>
+                <a:spcPts val="0"/>
+              </a:spcAft>
+              <a:buClrTx/>
+              <a:buSzTx/>
+              <a:buFontTx/>
+              <a:buNone/>
+              <a:tabLst/>
+              <a:defRPr/>
+            </a:pPr>
+            <a:endParaRPr lang="en-CA" dirty="0"/>
+          </a:p>
+        </p:txBody>
+      </p:sp>
+      <p:sp>
+        <p:nvSpPr>
+          <p:cNvPr id="4" name="Slide Number Placeholder 3"/>
+          <p:cNvSpPr>
+            <a:spLocks noGrp="1"/>
+          </p:cNvSpPr>
+          <p:nvPr>
+            <p:ph type="sldNum" sz="quarter" idx="10"/>
+          </p:nvPr>
+        </p:nvSpPr>
+        <p:spPr/>
+        <p:txBody>
+          <a:bodyPr/>
+          <a:lstStyle/>
+          <a:p>
+            <a:fld id="{C7A977E6-84F1-4ABE-8B90-0EE8AE00C74E}" type="slidenum">
+              <a:rPr lang="en-CA" smtClean="0"/>
+              <a:t>15</a:t>
+            </a:fld>
+            <a:endParaRPr lang="en-CA"/>
+          </a:p>
+        </p:txBody>
+      </p:sp>
+    </p:spTree>
+    <p:extLst>
+      <p:ext uri="{BB962C8B-B14F-4D97-AF65-F5344CB8AC3E}">
+        <p14:creationId xmlns:p14="http://schemas.microsoft.com/office/powerpoint/2010/main" val="1464803533"/>
+      </p:ext>
+    </p:extLst>
+  </p:cSld>
+  <p:clrMapOvr>
+    <a:masterClrMapping/>
+  </p:clrMapOvr>
+</p:notes>
+</file>
+
+<file path=ppt/notesSlides/notesSlide4.xml><?xml version="1.0" encoding="utf-8"?>
+<p:notes xmlns:a="http://schemas.openxmlformats.org/drawingml/2006/main" xmlns:r="http://schemas.openxmlformats.org/officeDocument/2006/relationships" xmlns:p="http://schemas.openxmlformats.org/presentationml/2006/main">
+  <p:cSld>
+    <p:spTree>
+      <p:nvGrpSpPr>
+        <p:cNvPr id="1" name=""/>
+        <p:cNvGrpSpPr/>
+        <p:nvPr/>
+      </p:nvGrpSpPr>
+      <p:grpSpPr>
+        <a:xfrm>
+          <a:off x="0" y="0"/>
+          <a:ext cx="0" cy="0"/>
+          <a:chOff x="0" y="0"/>
+          <a:chExt cx="0" cy="0"/>
+        </a:xfrm>
+      </p:grpSpPr>
+      <p:sp>
+        <p:nvSpPr>
+          <p:cNvPr id="2" name="Slide Image Placeholder 1"/>
+          <p:cNvSpPr>
+            <a:spLocks noGrp="1" noRot="1" noChangeAspect="1"/>
+          </p:cNvSpPr>
+          <p:nvPr>
+            <p:ph type="sldImg"/>
+          </p:nvPr>
+        </p:nvSpPr>
+        <p:spPr/>
+      </p:sp>
+      <p:sp>
+        <p:nvSpPr>
+          <p:cNvPr id="3" name="Notes Placeholder 2"/>
+          <p:cNvSpPr>
+            <a:spLocks noGrp="1"/>
+          </p:cNvSpPr>
+          <p:nvPr>
+            <p:ph type="body" idx="1"/>
+          </p:nvPr>
+        </p:nvSpPr>
+        <p:spPr/>
+        <p:txBody>
+          <a:bodyPr/>
+          <a:lstStyle/>
+          <a:p>
             <a:endParaRPr lang="en-CA"/>
           </a:p>
         </p:txBody>
@@ -3312,7 +3534,7 @@
           <a:p>
             <a:fld id="{8FBC0A21-6C70-4DBD-9993-01A1989983DD}" type="slidenum">
               <a:rPr lang="en-CA" smtClean="0"/>
-              <a:t>15</a:t>
+              <a:t>16</a:t>
             </a:fld>
             <a:endParaRPr lang="en-CA"/>
           </a:p>
@@ -6562,7 +6784,7 @@
                   <a:schemeClr val="bg1"/>
                 </a:solidFill>
               </a:rPr>
-              <a:t>Code time</a:t>
+              <a:t>Demo: Monitored Thumbnail Generator</a:t>
             </a:r>
             <a:endParaRPr lang="en-CA" b="1" dirty="0">
               <a:solidFill>
@@ -6599,15 +6821,7 @@
             </a:pPr>
             <a:r>
               <a:rPr lang="en-US" sz="2800" dirty="0"/>
-              <a:t>Canonical </a:t>
-            </a:r>
-            <a:r>
-              <a:rPr lang="en-US" sz="2800"/>
-              <a:t>image resizing </a:t>
-            </a:r>
-            <a:r>
-              <a:rPr lang="en-US" sz="2800" dirty="0"/>
-              <a:t>service – get an image and generate thumbnails</a:t>
+              <a:t>Canonical image resizing service – get an image and generate a thumbnail</a:t>
             </a:r>
           </a:p>
           <a:p>
@@ -6616,57 +6830,26 @@
             </a:pPr>
             <a:r>
               <a:rPr lang="en-US" sz="2800" dirty="0"/>
-              <a:t>Handle failures</a:t>
+              <a:t>Handle failures by</a:t>
             </a:r>
           </a:p>
           <a:p>
             <a:pPr marL="971550" lvl="1" indent="-514350">
-              <a:buAutoNum type="arabicPeriod"/>
+              <a:buFont typeface="+mj-lt"/>
+              <a:buAutoNum type="alphaLcPeriod"/>
+            </a:pPr>
+            <a:r>
+              <a:rPr lang="en-US" sz="2800" dirty="0"/>
+              <a:t>Send notification</a:t>
+            </a:r>
+          </a:p>
+          <a:p>
+            <a:pPr marL="971550" lvl="1" indent="-514350">
+              <a:buAutoNum type="alphaLcPeriod"/>
             </a:pPr>
             <a:r>
               <a:rPr lang="en-US" sz="2800" dirty="0"/>
               <a:t>Create failure audits</a:t>
-            </a:r>
-          </a:p>
-          <a:p>
-            <a:pPr marL="971550" lvl="1" indent="-514350">
-              <a:buAutoNum type="arabicPeriod"/>
-            </a:pPr>
-            <a:r>
-              <a:rPr lang="en-US" sz="2800" dirty="0"/>
-              <a:t>Send notification(s)</a:t>
-            </a:r>
-          </a:p>
-        </p:txBody>
-      </p:sp>
-      <p:sp>
-        <p:nvSpPr>
-          <p:cNvPr id="2" name="Rectangle 1"/>
-          <p:cNvSpPr/>
-          <p:nvPr/>
-        </p:nvSpPr>
-        <p:spPr>
-          <a:xfrm>
-            <a:off x="1586753" y="4552141"/>
-            <a:ext cx="9018494" cy="369332"/>
-          </a:xfrm>
-          <a:prstGeom prst="rect">
-            <a:avLst/>
-          </a:prstGeom>
-        </p:spPr>
-        <p:txBody>
-          <a:bodyPr wrap="square">
-            <a:spAutoFit/>
-          </a:bodyPr>
-          <a:lstStyle/>
-          <a:p>
-            <a:r>
-              <a:rPr lang="en-CA" dirty="0" err="1"/>
-              <a:t>Twillio</a:t>
-            </a:r>
-            <a:r>
-              <a:rPr lang="en-CA" dirty="0"/>
-              <a:t>: https://docs.microsoft.com/en-us/azure/azure-functions/functions-bindings-twilio</a:t>
             </a:r>
           </a:p>
         </p:txBody>
@@ -6811,7 +6994,7 @@
                   <a:schemeClr val="bg1"/>
                 </a:solidFill>
               </a:rPr>
-              <a:t>Use case: Message deduplication</a:t>
+              <a:t>Use case: Message Deduplication</a:t>
             </a:r>
             <a:endParaRPr lang="en-CA" b="1" dirty="0">
               <a:solidFill>
@@ -6956,7 +7139,7 @@
                   <a:schemeClr val="bg1"/>
                 </a:solidFill>
               </a:rPr>
-              <a:t>Use case: ETL (failure audits)</a:t>
+              <a:t>Use case: ETL (Failure Auditing)</a:t>
             </a:r>
             <a:endParaRPr lang="en-CA" b="1" dirty="0">
               <a:solidFill>
@@ -7109,7 +7292,7 @@
                   <a:schemeClr val="bg1"/>
                 </a:solidFill>
               </a:rPr>
-              <a:t>notifier</a:t>
+              <a:t>Notifier</a:t>
             </a:r>
             <a:endParaRPr lang="en-CA" b="1" dirty="0">
               <a:solidFill>
@@ -18866,53 +19049,9 @@
           <a:p>
             <a:r>
               <a:rPr lang="en-CA">
-                <a:hlinkClick r:id="rId2"/>
+                <a:hlinkClick r:id="rId3"/>
               </a:rPr>
               <a:t>https://portal.azure.com/#blade/WebsitesExtension/FunctionsIFrameBlade/id/%2Fsubscriptions%2F97d311d3-b788-4002-87c0-cd8688165f76%2FresourceGroups%2FAzureFunctions-WestUS%2Fproviders%2FMicrosoft.Web%2Fsites%2Fxkcd</a:t>
-            </a:r>
-            <a:endParaRPr lang="en-CA" dirty="0"/>
-          </a:p>
-        </p:txBody>
-      </p:sp>
-      <p:sp>
-        <p:nvSpPr>
-          <p:cNvPr id="3" name="Rectangle 2"/>
-          <p:cNvSpPr/>
-          <p:nvPr/>
-        </p:nvSpPr>
-        <p:spPr>
-          <a:xfrm>
-            <a:off x="149411" y="1604700"/>
-            <a:ext cx="11797554" cy="369332"/>
-          </a:xfrm>
-          <a:prstGeom prst="rect">
-            <a:avLst/>
-          </a:prstGeom>
-        </p:spPr>
-        <p:txBody>
-          <a:bodyPr wrap="square">
-            <a:spAutoFit/>
-          </a:bodyPr>
-          <a:lstStyle/>
-          <a:p>
-            <a:r>
-              <a:rPr lang="en-US" dirty="0" err="1">
-                <a:latin typeface="Calibri" panose="020F0502020204030204" pitchFamily="34" charset="0"/>
-              </a:rPr>
-              <a:t>npm</a:t>
-            </a:r>
-            <a:r>
-              <a:rPr lang="en-US" dirty="0">
-                <a:latin typeface="Calibri" panose="020F0502020204030204" pitchFamily="34" charset="0"/>
-              </a:rPr>
-              <a:t> cli + command line: </a:t>
-            </a:r>
-            <a:r>
-              <a:rPr lang="en-US" dirty="0">
-                <a:latin typeface="Calibri" panose="020F0502020204030204" pitchFamily="34" charset="0"/>
-                <a:hlinkClick r:id="rId3"/>
-              </a:rPr>
-              <a:t>https://shellmonger.com/2016/10/31/creating-and-debugging-azure-functions-locally/</a:t>
             </a:r>
             <a:endParaRPr lang="en-CA" dirty="0"/>
           </a:p>
@@ -18926,8 +19065,8 @@
         </p:nvSpPr>
         <p:spPr>
           <a:xfrm>
-            <a:off x="149411" y="2376954"/>
-            <a:ext cx="6096000" cy="1815882"/>
+            <a:off x="149411" y="1673263"/>
+            <a:ext cx="6096000" cy="2677656"/>
           </a:xfrm>
           <a:prstGeom prst="rect">
             <a:avLst/>
@@ -18938,6 +19077,24 @@
             <a:spAutoFit/>
           </a:bodyPr>
           <a:lstStyle/>
+          <a:p>
+            <a:pPr marL="342900" fontAlgn="ctr"/>
+            <a:r>
+              <a:rPr lang="en-US" sz="2800" dirty="0">
+                <a:latin typeface="Calibri" panose="020F0502020204030204" pitchFamily="34" charset="0"/>
+              </a:rPr>
+              <a:t>NPM cli</a:t>
+            </a:r>
+          </a:p>
+          <a:p>
+            <a:pPr marL="342900" fontAlgn="ctr">
+              <a:buFont typeface="+mj-lt"/>
+              <a:buAutoNum type="arabicPeriod"/>
+            </a:pPr>
+            <a:endParaRPr lang="en-US" sz="2800" dirty="0">
+              <a:latin typeface="Calibri" panose="020F0502020204030204" pitchFamily="34" charset="0"/>
+            </a:endParaRPr>
+          </a:p>
           <a:p>
             <a:pPr marL="342900" fontAlgn="ctr">
               <a:buFont typeface="+mj-lt"/>
@@ -19053,6 +19210,112 @@
       </p:grpSpPr>
       <p:sp>
         <p:nvSpPr>
+          <p:cNvPr id="14" name="Title 1"/>
+          <p:cNvSpPr>
+            <a:spLocks noGrp="1"/>
+          </p:cNvSpPr>
+          <p:nvPr>
+            <p:ph type="title"/>
+          </p:nvPr>
+        </p:nvSpPr>
+        <p:spPr>
+          <a:xfrm>
+            <a:off x="0" y="0"/>
+            <a:ext cx="12192000" cy="1325563"/>
+          </a:xfrm>
+          <a:solidFill>
+            <a:srgbClr val="0070C0"/>
+          </a:solidFill>
+        </p:spPr>
+        <p:txBody>
+          <a:bodyPr/>
+          <a:lstStyle/>
+          <a:p>
+            <a:r>
+              <a:rPr lang="en-US" b="1" dirty="0">
+                <a:solidFill>
+                  <a:schemeClr val="bg1"/>
+                </a:solidFill>
+              </a:rPr>
+              <a:t>Q&amp;A</a:t>
+            </a:r>
+            <a:endParaRPr lang="en-CA" b="1" dirty="0">
+              <a:solidFill>
+                <a:schemeClr val="bg1"/>
+              </a:solidFill>
+            </a:endParaRPr>
+          </a:p>
+        </p:txBody>
+      </p:sp>
+      <p:sp>
+        <p:nvSpPr>
+          <p:cNvPr id="4" name="Rectangle 3"/>
+          <p:cNvSpPr/>
+          <p:nvPr/>
+        </p:nvSpPr>
+        <p:spPr>
+          <a:xfrm>
+            <a:off x="149411" y="1673263"/>
+            <a:ext cx="6096000" cy="523220"/>
+          </a:xfrm>
+          <a:prstGeom prst="rect">
+            <a:avLst/>
+          </a:prstGeom>
+        </p:spPr>
+        <p:txBody>
+          <a:bodyPr>
+            <a:spAutoFit/>
+          </a:bodyPr>
+          <a:lstStyle/>
+          <a:p>
+            <a:pPr marL="342900" fontAlgn="ctr"/>
+            <a:r>
+              <a:rPr lang="en-US" sz="2800" dirty="0">
+                <a:latin typeface="Calibri" panose="020F0502020204030204" pitchFamily="34" charset="0"/>
+              </a:rPr>
+              <a:t>Ask away!</a:t>
+            </a:r>
+            <a:endParaRPr lang="en-US" sz="4000" dirty="0">
+              <a:latin typeface="Calibri" panose="020F0502020204030204" pitchFamily="34" charset="0"/>
+            </a:endParaRPr>
+          </a:p>
+        </p:txBody>
+      </p:sp>
+    </p:spTree>
+    <p:extLst>
+      <p:ext uri="{BB962C8B-B14F-4D97-AF65-F5344CB8AC3E}">
+        <p14:creationId xmlns:p14="http://schemas.microsoft.com/office/powerpoint/2010/main" val="3196144523"/>
+      </p:ext>
+    </p:extLst>
+  </p:cSld>
+  <p:clrMapOvr>
+    <a:masterClrMapping/>
+  </p:clrMapOvr>
+  <p:transition>
+    <p:fade/>
+  </p:transition>
+</p:sld>
+</file>
+
+<file path=ppt/slides/slide16.xml><?xml version="1.0" encoding="utf-8"?>
+<p:sld xmlns:a="http://schemas.openxmlformats.org/drawingml/2006/main" xmlns:r="http://schemas.openxmlformats.org/officeDocument/2006/relationships" xmlns:p="http://schemas.openxmlformats.org/presentationml/2006/main">
+  <p:cSld>
+    <p:spTree>
+      <p:nvGrpSpPr>
+        <p:cNvPr id="1" name=""/>
+        <p:cNvGrpSpPr/>
+        <p:nvPr/>
+      </p:nvGrpSpPr>
+      <p:grpSpPr>
+        <a:xfrm>
+          <a:off x="0" y="0"/>
+          <a:ext cx="0" cy="0"/>
+          <a:chOff x="0" y="0"/>
+          <a:chExt cx="0" cy="0"/>
+        </a:xfrm>
+      </p:grpSpPr>
+      <p:sp>
+        <p:nvSpPr>
           <p:cNvPr id="2" name="Title 1"/>
           <p:cNvSpPr>
             <a:spLocks noGrp="1"/>
@@ -19094,7 +19357,7 @@
         <p:spPr>
           <a:xfrm>
             <a:off x="256449" y="1708347"/>
-            <a:ext cx="11276293" cy="3046988"/>
+            <a:ext cx="11276293" cy="3416320"/>
           </a:xfrm>
           <a:prstGeom prst="rect">
             <a:avLst/>
@@ -19191,6 +19454,23 @@
               <a:buChar char="•"/>
             </a:pPr>
             <a:r>
+              <a:rPr lang="en-CA" sz="2400" b="1" dirty="0"/>
+              <a:t>Azure Storage Explorer </a:t>
+            </a:r>
+            <a:r>
+              <a:rPr lang="en-CA" sz="2400" b="1" dirty="0">
+                <a:hlinkClick r:id="rId7"/>
+              </a:rPr>
+              <a:t>http://storageexplorer.com</a:t>
+            </a:r>
+            <a:endParaRPr lang="en-CA" sz="2400" b="1" dirty="0"/>
+          </a:p>
+          <a:p>
+            <a:pPr marL="342900" indent="-342900">
+              <a:buFont typeface="Arial" panose="020B0604020202020204" pitchFamily="34" charset="0"/>
+              <a:buChar char="•"/>
+            </a:pPr>
+            <a:r>
               <a:rPr lang="en-US" sz="2400" b="1" dirty="0" err="1"/>
               <a:t>npm</a:t>
             </a:r>
@@ -19200,7 +19480,7 @@
             </a:r>
             <a:r>
               <a:rPr lang="en-US" sz="2400" b="1" dirty="0">
-                <a:hlinkClick r:id="rId7"/>
+                <a:hlinkClick r:id="rId8"/>
               </a:rPr>
               <a:t>https://www.npmjs.com/package/azure-functions-cli</a:t>
             </a:r>
@@ -19217,7 +19497,7 @@
           <p:nvPr/>
         </p:nvPicPr>
         <p:blipFill>
-          <a:blip r:embed="rId8">
+          <a:blip r:embed="rId9">
             <a:extLst>
               <a:ext uri="{28A0092B-C50C-407E-A947-70E740481C1C}">
                 <a14:useLocalDpi xmlns:a14="http://schemas.microsoft.com/office/drawing/2010/main" val="0"/>
@@ -20081,7 +20361,7 @@
         </p:nvSpPr>
         <p:spPr>
           <a:xfrm>
-            <a:off x="0" y="0"/>
+            <a:off x="0" y="8753"/>
             <a:ext cx="12192000" cy="1325563"/>
           </a:xfrm>
           <a:solidFill>
@@ -22154,8 +22434,21 @@
                   <a:schemeClr val="bg1"/>
                 </a:solidFill>
               </a:rPr>
-              <a:t>Azure Functions architecture</a:t>
+              <a:t>Azure </a:t>
             </a:r>
+            <a:r>
+              <a:rPr lang="en-CA" b="1">
+                <a:solidFill>
+                  <a:schemeClr val="bg1"/>
+                </a:solidFill>
+              </a:rPr>
+              <a:t>Functions architecture</a:t>
+            </a:r>
+            <a:endParaRPr lang="en-CA" b="1" dirty="0">
+              <a:solidFill>
+                <a:schemeClr val="bg1"/>
+              </a:solidFill>
+            </a:endParaRPr>
           </a:p>
         </p:txBody>
       </p:sp>
@@ -22539,7 +22832,7 @@
                   <a:schemeClr val="bg1"/>
                 </a:solidFill>
               </a:rPr>
-              <a:t>Function Basics</a:t>
+              <a:t>Functions Basics</a:t>
             </a:r>
           </a:p>
         </p:txBody>
@@ -22598,125 +22891,30 @@
           </a:p>
         </p:txBody>
       </p:sp>
-      <p:grpSp>
-        <p:nvGrpSpPr>
-          <p:cNvPr id="5" name="Group 4"/>
-          <p:cNvGrpSpPr/>
+      <p:pic>
+        <p:nvPicPr>
+          <p:cNvPr id="4" name="Picture 3"/>
+          <p:cNvPicPr>
+            <a:picLocks noChangeAspect="1"/>
+          </p:cNvPicPr>
           <p:nvPr/>
-        </p:nvGrpSpPr>
-        <p:grpSpPr>
+        </p:nvPicPr>
+        <p:blipFill>
+          <a:blip r:embed="rId2"/>
+          <a:stretch>
+            <a:fillRect/>
+          </a:stretch>
+        </p:blipFill>
+        <p:spPr>
           <a:xfrm>
-            <a:off x="2130296" y="3765658"/>
-            <a:ext cx="7931408" cy="2450987"/>
-            <a:chOff x="1619075" y="3932120"/>
-            <a:chExt cx="7776596" cy="2403147"/>
+            <a:off x="2140209" y="3724250"/>
+            <a:ext cx="7911583" cy="2439484"/>
           </a:xfrm>
-        </p:grpSpPr>
-        <p:pic>
-          <p:nvPicPr>
-            <p:cNvPr id="6" name="Picture 5"/>
-            <p:cNvPicPr>
-              <a:picLocks noChangeAspect="1"/>
-            </p:cNvPicPr>
-            <p:nvPr/>
-          </p:nvPicPr>
-          <p:blipFill rotWithShape="1">
-            <a:blip r:embed="rId2"/>
-            <a:srcRect l="570" r="639"/>
-            <a:stretch/>
-          </p:blipFill>
-          <p:spPr>
-            <a:xfrm>
-              <a:off x="1619075" y="3932120"/>
-              <a:ext cx="7776596" cy="2403147"/>
-            </a:xfrm>
-            <a:prstGeom prst="rect">
-              <a:avLst/>
-            </a:prstGeom>
-            <a:ln>
-              <a:noFill/>
-            </a:ln>
-            <a:effectLst>
-              <a:outerShdw blurRad="292100" dist="139700" dir="2700000" algn="tl" rotWithShape="0">
-                <a:srgbClr val="333333">
-                  <a:alpha val="65000"/>
-                </a:srgbClr>
-              </a:outerShdw>
-            </a:effectLst>
-          </p:spPr>
-        </p:pic>
-        <p:sp>
-          <p:nvSpPr>
-            <p:cNvPr id="7" name="Rectangle 6"/>
-            <p:cNvSpPr/>
-            <p:nvPr/>
-          </p:nvSpPr>
-          <p:spPr bwMode="auto">
-            <a:xfrm>
-              <a:off x="8338657" y="3932120"/>
-              <a:ext cx="939567" cy="472100"/>
-            </a:xfrm>
-            <a:prstGeom prst="rect">
-              <a:avLst/>
-            </a:prstGeom>
-            <a:solidFill>
-              <a:srgbClr val="EEEEEE"/>
-            </a:solidFill>
-            <a:ln>
-              <a:noFill/>
-              <a:headEnd type="none" w="med" len="med"/>
-              <a:tailEnd type="none" w="med" len="med"/>
-            </a:ln>
-          </p:spPr>
-          <p:style>
-            <a:lnRef idx="2">
-              <a:schemeClr val="accent1">
-                <a:shade val="50000"/>
-              </a:schemeClr>
-            </a:lnRef>
-            <a:fillRef idx="1">
-              <a:schemeClr val="accent1"/>
-            </a:fillRef>
-            <a:effectRef idx="0">
-              <a:schemeClr val="accent1"/>
-            </a:effectRef>
-            <a:fontRef idx="minor">
-              <a:schemeClr val="lt1"/>
-            </a:fontRef>
-          </p:style>
-          <p:txBody>
-            <a:bodyPr vert="horz" wrap="square" lIns="0" tIns="47565" rIns="0" bIns="47565" numCol="1" rtlCol="0" anchor="ctr" anchorCtr="0" compatLnSpc="1">
-              <a:prstTxWarp prst="textNoShape">
-                <a:avLst/>
-              </a:prstTxWarp>
-            </a:bodyPr>
-            <a:lstStyle/>
-            <a:p>
-              <a:pPr algn="ctr" defTabSz="951028" fontAlgn="base">
-                <a:spcBef>
-                  <a:spcPct val="0"/>
-                </a:spcBef>
-                <a:spcAft>
-                  <a:spcPct val="0"/>
-                </a:spcAft>
-              </a:pPr>
-              <a:endParaRPr lang="en-US" sz="2040" dirty="0">
-                <a:gradFill>
-                  <a:gsLst>
-                    <a:gs pos="5439">
-                      <a:srgbClr val="F8F8F8"/>
-                    </a:gs>
-                    <a:gs pos="10000">
-                      <a:srgbClr val="F8F8F8"/>
-                    </a:gs>
-                  </a:gsLst>
-                  <a:lin ang="5400000" scaled="0"/>
-                </a:gradFill>
-              </a:endParaRPr>
-            </a:p>
-          </p:txBody>
-        </p:sp>
-      </p:grpSp>
+          <a:prstGeom prst="rect">
+            <a:avLst/>
+          </a:prstGeom>
+        </p:spPr>
+      </p:pic>
     </p:spTree>
     <p:extLst>
       <p:ext uri="{BB962C8B-B14F-4D97-AF65-F5344CB8AC3E}">
@@ -22911,6 +23109,3414 @@
 </file>
 
 <file path=ppt/slides/slide7.xml><?xml version="1.0" encoding="utf-8"?>
+<p:sld xmlns:a="http://schemas.openxmlformats.org/drawingml/2006/main" xmlns:r="http://schemas.openxmlformats.org/officeDocument/2006/relationships" xmlns:p="http://schemas.openxmlformats.org/presentationml/2006/main">
+  <p:cSld>
+    <p:spTree>
+      <p:nvGrpSpPr>
+        <p:cNvPr id="1" name=""/>
+        <p:cNvGrpSpPr/>
+        <p:nvPr/>
+      </p:nvGrpSpPr>
+      <p:grpSpPr>
+        <a:xfrm>
+          <a:off x="0" y="0"/>
+          <a:ext cx="0" cy="0"/>
+          <a:chOff x="0" y="0"/>
+          <a:chExt cx="0" cy="0"/>
+        </a:xfrm>
+      </p:grpSpPr>
+      <p:sp>
+        <p:nvSpPr>
+          <p:cNvPr id="14" name="Title 1"/>
+          <p:cNvSpPr>
+            <a:spLocks noGrp="1"/>
+          </p:cNvSpPr>
+          <p:nvPr>
+            <p:ph type="title"/>
+          </p:nvPr>
+        </p:nvSpPr>
+        <p:spPr>
+          <a:xfrm>
+            <a:off x="0" y="0"/>
+            <a:ext cx="12192000" cy="1325563"/>
+          </a:xfrm>
+          <a:solidFill>
+            <a:srgbClr val="0070C0"/>
+          </a:solidFill>
+        </p:spPr>
+        <p:txBody>
+          <a:bodyPr/>
+          <a:lstStyle/>
+          <a:p>
+            <a:r>
+              <a:rPr lang="en-US" b="1" dirty="0">
+                <a:solidFill>
+                  <a:schemeClr val="bg1"/>
+                </a:solidFill>
+              </a:rPr>
+              <a:t>Triggers</a:t>
+            </a:r>
+            <a:endParaRPr lang="en-CA" b="1" dirty="0">
+              <a:solidFill>
+                <a:schemeClr val="bg1"/>
+              </a:solidFill>
+            </a:endParaRPr>
+          </a:p>
+        </p:txBody>
+      </p:sp>
+      <p:graphicFrame>
+        <p:nvGraphicFramePr>
+          <p:cNvPr id="2" name="Table 1"/>
+          <p:cNvGraphicFramePr>
+            <a:graphicFrameLocks noGrp="1"/>
+          </p:cNvGraphicFramePr>
+          <p:nvPr>
+            <p:extLst>
+              <p:ext uri="{D42A27DB-BD31-4B8C-83A1-F6EECF244321}">
+                <p14:modId xmlns:p14="http://schemas.microsoft.com/office/powerpoint/2010/main" val="291193077"/>
+              </p:ext>
+            </p:extLst>
+          </p:nvPr>
+        </p:nvGraphicFramePr>
+        <p:xfrm>
+          <a:off x="748747" y="1630131"/>
+          <a:ext cx="10694504" cy="4059903"/>
+        </p:xfrm>
+        <a:graphic>
+          <a:graphicData uri="http://schemas.openxmlformats.org/drawingml/2006/table">
+            <a:tbl>
+              <a:tblPr/>
+              <a:tblGrid>
+                <a:gridCol w="2715370">
+                  <a:extLst>
+                    <a:ext uri="{9D8B030D-6E8A-4147-A177-3AD203B41FA5}">
+                      <a16:colId xmlns:a16="http://schemas.microsoft.com/office/drawing/2014/main" val="2801653786"/>
+                    </a:ext>
+                  </a:extLst>
+                </a:gridCol>
+                <a:gridCol w="2456953">
+                  <a:extLst>
+                    <a:ext uri="{9D8B030D-6E8A-4147-A177-3AD203B41FA5}">
+                      <a16:colId xmlns:a16="http://schemas.microsoft.com/office/drawing/2014/main" val="2366232457"/>
+                    </a:ext>
+                  </a:extLst>
+                </a:gridCol>
+                <a:gridCol w="1840727">
+                  <a:extLst>
+                    <a:ext uri="{9D8B030D-6E8A-4147-A177-3AD203B41FA5}">
+                      <a16:colId xmlns:a16="http://schemas.microsoft.com/office/drawing/2014/main" val="2473155121"/>
+                    </a:ext>
+                  </a:extLst>
+                </a:gridCol>
+                <a:gridCol w="1840727">
+                  <a:extLst>
+                    <a:ext uri="{9D8B030D-6E8A-4147-A177-3AD203B41FA5}">
+                      <a16:colId xmlns:a16="http://schemas.microsoft.com/office/drawing/2014/main" val="3111196963"/>
+                    </a:ext>
+                  </a:extLst>
+                </a:gridCol>
+                <a:gridCol w="1840727">
+                  <a:extLst>
+                    <a:ext uri="{9D8B030D-6E8A-4147-A177-3AD203B41FA5}">
+                      <a16:colId xmlns:a16="http://schemas.microsoft.com/office/drawing/2014/main" val="3637077037"/>
+                    </a:ext>
+                  </a:extLst>
+                </a:gridCol>
+              </a:tblGrid>
+              <a:tr h="265661">
+                <a:tc>
+                  <a:txBody>
+                    <a:bodyPr/>
+                    <a:lstStyle/>
+                    <a:p>
+                      <a:pPr algn="l" fontAlgn="b"/>
+                      <a:r>
+                        <a:rPr lang="en-CA" sz="1800" b="1" dirty="0">
+                          <a:effectLst/>
+                          <a:latin typeface="+mn-lt"/>
+                        </a:rPr>
+                        <a:t>Type</a:t>
+                      </a:r>
+                    </a:p>
+                  </a:txBody>
+                  <a:tcPr marL="30536" marR="30536" marT="22902" marB="22902" anchor="b">
+                    <a:lnL w="12700" cap="flat" cmpd="sng" algn="ctr">
+                      <a:solidFill>
+                        <a:srgbClr val="E3E3E3"/>
+                      </a:solidFill>
+                      <a:prstDash val="solid"/>
+                      <a:round/>
+                      <a:headEnd type="none" w="med" len="med"/>
+                      <a:tailEnd type="none" w="med" len="med"/>
+                    </a:lnL>
+                    <a:lnR w="12700" cap="flat" cmpd="sng" algn="ctr">
+                      <a:solidFill>
+                        <a:srgbClr val="E3E3E3"/>
+                      </a:solidFill>
+                      <a:prstDash val="solid"/>
+                      <a:round/>
+                      <a:headEnd type="none" w="med" len="med"/>
+                      <a:tailEnd type="none" w="med" len="med"/>
+                    </a:lnR>
+                    <a:lnT w="12700" cap="flat" cmpd="sng" algn="ctr">
+                      <a:solidFill>
+                        <a:srgbClr val="E3E3E3"/>
+                      </a:solidFill>
+                      <a:prstDash val="solid"/>
+                      <a:round/>
+                      <a:headEnd type="none" w="med" len="med"/>
+                      <a:tailEnd type="none" w="med" len="med"/>
+                    </a:lnT>
+                    <a:lnB w="4763" cap="flat" cmpd="sng" algn="ctr">
+                      <a:solidFill>
+                        <a:srgbClr val="E3E3E3"/>
+                      </a:solidFill>
+                      <a:prstDash val="solid"/>
+                      <a:round/>
+                      <a:headEnd type="none" w="med" len="med"/>
+                      <a:tailEnd type="none" w="med" len="med"/>
+                    </a:lnB>
+                    <a:solidFill>
+                      <a:schemeClr val="bg1">
+                        <a:lumMod val="85000"/>
+                      </a:schemeClr>
+                    </a:solidFill>
+                  </a:tcPr>
+                </a:tc>
+                <a:tc>
+                  <a:txBody>
+                    <a:bodyPr/>
+                    <a:lstStyle/>
+                    <a:p>
+                      <a:pPr algn="l" fontAlgn="b"/>
+                      <a:r>
+                        <a:rPr lang="en-CA" sz="1800" b="1" dirty="0">
+                          <a:effectLst/>
+                          <a:latin typeface="+mn-lt"/>
+                        </a:rPr>
+                        <a:t>Service</a:t>
+                      </a:r>
+                    </a:p>
+                  </a:txBody>
+                  <a:tcPr marL="30536" marR="30536" marT="22902" marB="22902" anchor="b">
+                    <a:lnL w="12700" cap="flat" cmpd="sng" algn="ctr">
+                      <a:solidFill>
+                        <a:srgbClr val="E3E3E3"/>
+                      </a:solidFill>
+                      <a:prstDash val="solid"/>
+                      <a:round/>
+                      <a:headEnd type="none" w="med" len="med"/>
+                      <a:tailEnd type="none" w="med" len="med"/>
+                    </a:lnL>
+                    <a:lnR w="12700" cap="flat" cmpd="sng" algn="ctr">
+                      <a:solidFill>
+                        <a:srgbClr val="E3E3E3"/>
+                      </a:solidFill>
+                      <a:prstDash val="solid"/>
+                      <a:round/>
+                      <a:headEnd type="none" w="med" len="med"/>
+                      <a:tailEnd type="none" w="med" len="med"/>
+                    </a:lnR>
+                    <a:lnT w="12700" cap="flat" cmpd="sng" algn="ctr">
+                      <a:solidFill>
+                        <a:srgbClr val="E3E3E3"/>
+                      </a:solidFill>
+                      <a:prstDash val="solid"/>
+                      <a:round/>
+                      <a:headEnd type="none" w="med" len="med"/>
+                      <a:tailEnd type="none" w="med" len="med"/>
+                    </a:lnT>
+                    <a:lnB w="4763" cap="flat" cmpd="sng" algn="ctr">
+                      <a:solidFill>
+                        <a:srgbClr val="E3E3E3"/>
+                      </a:solidFill>
+                      <a:prstDash val="solid"/>
+                      <a:round/>
+                      <a:headEnd type="none" w="med" len="med"/>
+                      <a:tailEnd type="none" w="med" len="med"/>
+                    </a:lnB>
+                    <a:solidFill>
+                      <a:schemeClr val="bg1">
+                        <a:lumMod val="85000"/>
+                      </a:schemeClr>
+                    </a:solidFill>
+                  </a:tcPr>
+                </a:tc>
+                <a:tc>
+                  <a:txBody>
+                    <a:bodyPr/>
+                    <a:lstStyle/>
+                    <a:p>
+                      <a:pPr algn="l" fontAlgn="b"/>
+                      <a:r>
+                        <a:rPr lang="en-CA" sz="1800" b="1" dirty="0">
+                          <a:effectLst/>
+                          <a:latin typeface="+mn-lt"/>
+                        </a:rPr>
+                        <a:t>Trigger</a:t>
+                      </a:r>
+                    </a:p>
+                  </a:txBody>
+                  <a:tcPr marL="30536" marR="30536" marT="22902" marB="22902" anchor="b">
+                    <a:lnL w="12700" cap="flat" cmpd="sng" algn="ctr">
+                      <a:solidFill>
+                        <a:srgbClr val="E3E3E3"/>
+                      </a:solidFill>
+                      <a:prstDash val="solid"/>
+                      <a:round/>
+                      <a:headEnd type="none" w="med" len="med"/>
+                      <a:tailEnd type="none" w="med" len="med"/>
+                    </a:lnL>
+                    <a:lnR w="12700" cap="flat" cmpd="sng" algn="ctr">
+                      <a:solidFill>
+                        <a:srgbClr val="E3E3E3"/>
+                      </a:solidFill>
+                      <a:prstDash val="solid"/>
+                      <a:round/>
+                      <a:headEnd type="none" w="med" len="med"/>
+                      <a:tailEnd type="none" w="med" len="med"/>
+                    </a:lnR>
+                    <a:lnT w="12700" cap="flat" cmpd="sng" algn="ctr">
+                      <a:solidFill>
+                        <a:srgbClr val="E3E3E3"/>
+                      </a:solidFill>
+                      <a:prstDash val="solid"/>
+                      <a:round/>
+                      <a:headEnd type="none" w="med" len="med"/>
+                      <a:tailEnd type="none" w="med" len="med"/>
+                    </a:lnT>
+                    <a:lnB w="4763" cap="flat" cmpd="sng" algn="ctr">
+                      <a:solidFill>
+                        <a:srgbClr val="E3E3E3"/>
+                      </a:solidFill>
+                      <a:prstDash val="solid"/>
+                      <a:round/>
+                      <a:headEnd type="none" w="med" len="med"/>
+                      <a:tailEnd type="none" w="med" len="med"/>
+                    </a:lnB>
+                    <a:solidFill>
+                      <a:schemeClr val="bg1">
+                        <a:lumMod val="85000"/>
+                      </a:schemeClr>
+                    </a:solidFill>
+                  </a:tcPr>
+                </a:tc>
+                <a:tc>
+                  <a:txBody>
+                    <a:bodyPr/>
+                    <a:lstStyle/>
+                    <a:p>
+                      <a:pPr algn="l" fontAlgn="b"/>
+                      <a:r>
+                        <a:rPr lang="en-CA" sz="1800" b="1" dirty="0">
+                          <a:effectLst/>
+                          <a:latin typeface="+mn-lt"/>
+                        </a:rPr>
+                        <a:t>Input</a:t>
+                      </a:r>
+                    </a:p>
+                  </a:txBody>
+                  <a:tcPr marL="30536" marR="30536" marT="22902" marB="22902" anchor="b">
+                    <a:lnL w="12700" cap="flat" cmpd="sng" algn="ctr">
+                      <a:solidFill>
+                        <a:srgbClr val="E3E3E3"/>
+                      </a:solidFill>
+                      <a:prstDash val="solid"/>
+                      <a:round/>
+                      <a:headEnd type="none" w="med" len="med"/>
+                      <a:tailEnd type="none" w="med" len="med"/>
+                    </a:lnL>
+                    <a:lnR w="12700" cap="flat" cmpd="sng" algn="ctr">
+                      <a:solidFill>
+                        <a:srgbClr val="E3E3E3"/>
+                      </a:solidFill>
+                      <a:prstDash val="solid"/>
+                      <a:round/>
+                      <a:headEnd type="none" w="med" len="med"/>
+                      <a:tailEnd type="none" w="med" len="med"/>
+                    </a:lnR>
+                    <a:lnT w="12700" cap="flat" cmpd="sng" algn="ctr">
+                      <a:solidFill>
+                        <a:srgbClr val="E3E3E3"/>
+                      </a:solidFill>
+                      <a:prstDash val="solid"/>
+                      <a:round/>
+                      <a:headEnd type="none" w="med" len="med"/>
+                      <a:tailEnd type="none" w="med" len="med"/>
+                    </a:lnT>
+                    <a:lnB w="4763" cap="flat" cmpd="sng" algn="ctr">
+                      <a:solidFill>
+                        <a:srgbClr val="E3E3E3"/>
+                      </a:solidFill>
+                      <a:prstDash val="solid"/>
+                      <a:round/>
+                      <a:headEnd type="none" w="med" len="med"/>
+                      <a:tailEnd type="none" w="med" len="med"/>
+                    </a:lnB>
+                    <a:solidFill>
+                      <a:schemeClr val="bg1">
+                        <a:lumMod val="85000"/>
+                      </a:schemeClr>
+                    </a:solidFill>
+                  </a:tcPr>
+                </a:tc>
+                <a:tc>
+                  <a:txBody>
+                    <a:bodyPr/>
+                    <a:lstStyle/>
+                    <a:p>
+                      <a:pPr algn="l" fontAlgn="b"/>
+                      <a:r>
+                        <a:rPr lang="en-CA" sz="1800" b="1" dirty="0">
+                          <a:effectLst/>
+                          <a:latin typeface="+mn-lt"/>
+                        </a:rPr>
+                        <a:t>Output</a:t>
+                      </a:r>
+                    </a:p>
+                  </a:txBody>
+                  <a:tcPr marL="30536" marR="30536" marT="22902" marB="22902" anchor="b">
+                    <a:lnL w="12700" cap="flat" cmpd="sng" algn="ctr">
+                      <a:solidFill>
+                        <a:srgbClr val="E3E3E3"/>
+                      </a:solidFill>
+                      <a:prstDash val="solid"/>
+                      <a:round/>
+                      <a:headEnd type="none" w="med" len="med"/>
+                      <a:tailEnd type="none" w="med" len="med"/>
+                    </a:lnL>
+                    <a:lnR w="12700" cap="flat" cmpd="sng" algn="ctr">
+                      <a:solidFill>
+                        <a:srgbClr val="E3E3E3"/>
+                      </a:solidFill>
+                      <a:prstDash val="solid"/>
+                      <a:round/>
+                      <a:headEnd type="none" w="med" len="med"/>
+                      <a:tailEnd type="none" w="med" len="med"/>
+                    </a:lnR>
+                    <a:lnT w="12700" cap="flat" cmpd="sng" algn="ctr">
+                      <a:solidFill>
+                        <a:srgbClr val="E3E3E3"/>
+                      </a:solidFill>
+                      <a:prstDash val="solid"/>
+                      <a:round/>
+                      <a:headEnd type="none" w="med" len="med"/>
+                      <a:tailEnd type="none" w="med" len="med"/>
+                    </a:lnT>
+                    <a:lnB w="4763" cap="flat" cmpd="sng" algn="ctr">
+                      <a:solidFill>
+                        <a:srgbClr val="E3E3E3"/>
+                      </a:solidFill>
+                      <a:prstDash val="solid"/>
+                      <a:round/>
+                      <a:headEnd type="none" w="med" len="med"/>
+                      <a:tailEnd type="none" w="med" len="med"/>
+                    </a:lnB>
+                    <a:solidFill>
+                      <a:schemeClr val="bg1">
+                        <a:lumMod val="85000"/>
+                      </a:schemeClr>
+                    </a:solidFill>
+                  </a:tcPr>
+                </a:tc>
+                <a:extLst>
+                  <a:ext uri="{0D108BD9-81ED-4DB2-BD59-A6C34878D82A}">
+                    <a16:rowId xmlns:a16="http://schemas.microsoft.com/office/drawing/2014/main" val="923405512"/>
+                  </a:ext>
+                </a:extLst>
+              </a:tr>
+              <a:tr h="375589">
+                <a:tc>
+                  <a:txBody>
+                    <a:bodyPr/>
+                    <a:lstStyle/>
+                    <a:p>
+                      <a:pPr fontAlgn="t"/>
+                      <a:r>
+                        <a:rPr lang="en-CA" sz="1800">
+                          <a:effectLst/>
+                          <a:latin typeface="+mn-lt"/>
+                        </a:rPr>
+                        <a:t>Schedule</a:t>
+                      </a:r>
+                    </a:p>
+                  </a:txBody>
+                  <a:tcPr marL="30536" marR="30536" marT="22902" marB="22902">
+                    <a:lnL w="12700" cap="flat" cmpd="sng" algn="ctr">
+                      <a:solidFill>
+                        <a:srgbClr val="E3E3E3"/>
+                      </a:solidFill>
+                      <a:prstDash val="solid"/>
+                      <a:round/>
+                      <a:headEnd type="none" w="med" len="med"/>
+                      <a:tailEnd type="none" w="med" len="med"/>
+                    </a:lnL>
+                    <a:lnR w="12700" cap="flat" cmpd="sng" algn="ctr">
+                      <a:solidFill>
+                        <a:srgbClr val="E3E3E3"/>
+                      </a:solidFill>
+                      <a:prstDash val="solid"/>
+                      <a:round/>
+                      <a:headEnd type="none" w="med" len="med"/>
+                      <a:tailEnd type="none" w="med" len="med"/>
+                    </a:lnR>
+                    <a:lnT w="4763" cap="flat" cmpd="sng" algn="ctr">
+                      <a:solidFill>
+                        <a:srgbClr val="E3E3E3"/>
+                      </a:solidFill>
+                      <a:prstDash val="solid"/>
+                      <a:round/>
+                      <a:headEnd type="none" w="med" len="med"/>
+                      <a:tailEnd type="none" w="med" len="med"/>
+                    </a:lnT>
+                    <a:lnB w="4763" cap="flat" cmpd="sng" algn="ctr">
+                      <a:solidFill>
+                        <a:srgbClr val="E3E3E3"/>
+                      </a:solidFill>
+                      <a:prstDash val="solid"/>
+                      <a:round/>
+                      <a:headEnd type="none" w="med" len="med"/>
+                      <a:tailEnd type="none" w="med" len="med"/>
+                    </a:lnB>
+                    <a:solidFill>
+                      <a:srgbClr val="FFFFFF"/>
+                    </a:solidFill>
+                  </a:tcPr>
+                </a:tc>
+                <a:tc>
+                  <a:txBody>
+                    <a:bodyPr/>
+                    <a:lstStyle/>
+                    <a:p>
+                      <a:pPr fontAlgn="t"/>
+                      <a:r>
+                        <a:rPr lang="en-CA" sz="1800">
+                          <a:effectLst/>
+                          <a:latin typeface="+mn-lt"/>
+                        </a:rPr>
+                        <a:t>Azure Functions</a:t>
+                      </a:r>
+                    </a:p>
+                  </a:txBody>
+                  <a:tcPr marL="30536" marR="30536" marT="22902" marB="22902">
+                    <a:lnL w="12700" cap="flat" cmpd="sng" algn="ctr">
+                      <a:solidFill>
+                        <a:srgbClr val="E3E3E3"/>
+                      </a:solidFill>
+                      <a:prstDash val="solid"/>
+                      <a:round/>
+                      <a:headEnd type="none" w="med" len="med"/>
+                      <a:tailEnd type="none" w="med" len="med"/>
+                    </a:lnL>
+                    <a:lnR w="12700" cap="flat" cmpd="sng" algn="ctr">
+                      <a:solidFill>
+                        <a:srgbClr val="E3E3E3"/>
+                      </a:solidFill>
+                      <a:prstDash val="solid"/>
+                      <a:round/>
+                      <a:headEnd type="none" w="med" len="med"/>
+                      <a:tailEnd type="none" w="med" len="med"/>
+                    </a:lnR>
+                    <a:lnT w="4763" cap="flat" cmpd="sng" algn="ctr">
+                      <a:solidFill>
+                        <a:srgbClr val="E3E3E3"/>
+                      </a:solidFill>
+                      <a:prstDash val="solid"/>
+                      <a:round/>
+                      <a:headEnd type="none" w="med" len="med"/>
+                      <a:tailEnd type="none" w="med" len="med"/>
+                    </a:lnT>
+                    <a:lnB w="4763" cap="flat" cmpd="sng" algn="ctr">
+                      <a:solidFill>
+                        <a:srgbClr val="E3E3E3"/>
+                      </a:solidFill>
+                      <a:prstDash val="solid"/>
+                      <a:round/>
+                      <a:headEnd type="none" w="med" len="med"/>
+                      <a:tailEnd type="none" w="med" len="med"/>
+                    </a:lnB>
+                    <a:solidFill>
+                      <a:srgbClr val="FFFFFF"/>
+                    </a:solidFill>
+                  </a:tcPr>
+                </a:tc>
+                <a:tc>
+                  <a:txBody>
+                    <a:bodyPr/>
+                    <a:lstStyle/>
+                    <a:p>
+                      <a:pPr algn="ctr" fontAlgn="t"/>
+                      <a:r>
+                        <a:rPr lang="en-CA" sz="1800" dirty="0">
+                          <a:effectLst/>
+                          <a:latin typeface="+mn-lt"/>
+                        </a:rPr>
+                        <a:t>✔</a:t>
+                      </a:r>
+                    </a:p>
+                  </a:txBody>
+                  <a:tcPr marL="30536" marR="30536" marT="22902" marB="22902">
+                    <a:lnL w="12700" cap="flat" cmpd="sng" algn="ctr">
+                      <a:solidFill>
+                        <a:srgbClr val="E3E3E3"/>
+                      </a:solidFill>
+                      <a:prstDash val="solid"/>
+                      <a:round/>
+                      <a:headEnd type="none" w="med" len="med"/>
+                      <a:tailEnd type="none" w="med" len="med"/>
+                    </a:lnL>
+                    <a:lnR w="12700" cap="flat" cmpd="sng" algn="ctr">
+                      <a:solidFill>
+                        <a:srgbClr val="E3E3E3"/>
+                      </a:solidFill>
+                      <a:prstDash val="solid"/>
+                      <a:round/>
+                      <a:headEnd type="none" w="med" len="med"/>
+                      <a:tailEnd type="none" w="med" len="med"/>
+                    </a:lnR>
+                    <a:lnT w="4763" cap="flat" cmpd="sng" algn="ctr">
+                      <a:solidFill>
+                        <a:srgbClr val="E3E3E3"/>
+                      </a:solidFill>
+                      <a:prstDash val="solid"/>
+                      <a:round/>
+                      <a:headEnd type="none" w="med" len="med"/>
+                      <a:tailEnd type="none" w="med" len="med"/>
+                    </a:lnT>
+                    <a:lnB w="4763" cap="flat" cmpd="sng" algn="ctr">
+                      <a:solidFill>
+                        <a:srgbClr val="E3E3E3"/>
+                      </a:solidFill>
+                      <a:prstDash val="solid"/>
+                      <a:round/>
+                      <a:headEnd type="none" w="med" len="med"/>
+                      <a:tailEnd type="none" w="med" len="med"/>
+                    </a:lnB>
+                    <a:solidFill>
+                      <a:srgbClr val="FFFFFF"/>
+                    </a:solidFill>
+                  </a:tcPr>
+                </a:tc>
+                <a:tc>
+                  <a:txBody>
+                    <a:bodyPr/>
+                    <a:lstStyle/>
+                    <a:p>
+                      <a:pPr algn="ctr" fontAlgn="t"/>
+                      <a:endParaRPr lang="en-CA" sz="1800" dirty="0">
+                        <a:effectLst/>
+                        <a:latin typeface="+mn-lt"/>
+                      </a:endParaRPr>
+                    </a:p>
+                  </a:txBody>
+                  <a:tcPr marL="30536" marR="30536" marT="22902" marB="22902">
+                    <a:lnL w="12700" cap="flat" cmpd="sng" algn="ctr">
+                      <a:solidFill>
+                        <a:srgbClr val="E3E3E3"/>
+                      </a:solidFill>
+                      <a:prstDash val="solid"/>
+                      <a:round/>
+                      <a:headEnd type="none" w="med" len="med"/>
+                      <a:tailEnd type="none" w="med" len="med"/>
+                    </a:lnL>
+                    <a:lnR w="12700" cap="flat" cmpd="sng" algn="ctr">
+                      <a:solidFill>
+                        <a:srgbClr val="E3E3E3"/>
+                      </a:solidFill>
+                      <a:prstDash val="solid"/>
+                      <a:round/>
+                      <a:headEnd type="none" w="med" len="med"/>
+                      <a:tailEnd type="none" w="med" len="med"/>
+                    </a:lnR>
+                    <a:lnT w="4763" cap="flat" cmpd="sng" algn="ctr">
+                      <a:solidFill>
+                        <a:srgbClr val="E3E3E3"/>
+                      </a:solidFill>
+                      <a:prstDash val="solid"/>
+                      <a:round/>
+                      <a:headEnd type="none" w="med" len="med"/>
+                      <a:tailEnd type="none" w="med" len="med"/>
+                    </a:lnT>
+                    <a:lnB w="4763" cap="flat" cmpd="sng" algn="ctr">
+                      <a:solidFill>
+                        <a:srgbClr val="E3E3E3"/>
+                      </a:solidFill>
+                      <a:prstDash val="solid"/>
+                      <a:round/>
+                      <a:headEnd type="none" w="med" len="med"/>
+                      <a:tailEnd type="none" w="med" len="med"/>
+                    </a:lnB>
+                    <a:solidFill>
+                      <a:srgbClr val="FFFFFF"/>
+                    </a:solidFill>
+                  </a:tcPr>
+                </a:tc>
+                <a:tc>
+                  <a:txBody>
+                    <a:bodyPr/>
+                    <a:lstStyle/>
+                    <a:p>
+                      <a:pPr algn="ctr" fontAlgn="t"/>
+                      <a:endParaRPr lang="en-CA" sz="1800">
+                        <a:effectLst/>
+                        <a:latin typeface="+mn-lt"/>
+                      </a:endParaRPr>
+                    </a:p>
+                  </a:txBody>
+                  <a:tcPr marL="30536" marR="30536" marT="22902" marB="22902">
+                    <a:lnL w="12700" cap="flat" cmpd="sng" algn="ctr">
+                      <a:solidFill>
+                        <a:srgbClr val="E3E3E3"/>
+                      </a:solidFill>
+                      <a:prstDash val="solid"/>
+                      <a:round/>
+                      <a:headEnd type="none" w="med" len="med"/>
+                      <a:tailEnd type="none" w="med" len="med"/>
+                    </a:lnL>
+                    <a:lnR w="12700" cap="flat" cmpd="sng" algn="ctr">
+                      <a:solidFill>
+                        <a:srgbClr val="E3E3E3"/>
+                      </a:solidFill>
+                      <a:prstDash val="solid"/>
+                      <a:round/>
+                      <a:headEnd type="none" w="med" len="med"/>
+                      <a:tailEnd type="none" w="med" len="med"/>
+                    </a:lnR>
+                    <a:lnT w="4763" cap="flat" cmpd="sng" algn="ctr">
+                      <a:solidFill>
+                        <a:srgbClr val="E3E3E3"/>
+                      </a:solidFill>
+                      <a:prstDash val="solid"/>
+                      <a:round/>
+                      <a:headEnd type="none" w="med" len="med"/>
+                      <a:tailEnd type="none" w="med" len="med"/>
+                    </a:lnT>
+                    <a:lnB w="4763" cap="flat" cmpd="sng" algn="ctr">
+                      <a:solidFill>
+                        <a:srgbClr val="E3E3E3"/>
+                      </a:solidFill>
+                      <a:prstDash val="solid"/>
+                      <a:round/>
+                      <a:headEnd type="none" w="med" len="med"/>
+                      <a:tailEnd type="none" w="med" len="med"/>
+                    </a:lnB>
+                    <a:solidFill>
+                      <a:srgbClr val="FFFFFF"/>
+                    </a:solidFill>
+                  </a:tcPr>
+                </a:tc>
+                <a:extLst>
+                  <a:ext uri="{0D108BD9-81ED-4DB2-BD59-A6C34878D82A}">
+                    <a16:rowId xmlns:a16="http://schemas.microsoft.com/office/drawing/2014/main" val="326631681"/>
+                  </a:ext>
+                </a:extLst>
+              </a:tr>
+              <a:tr h="298086">
+                <a:tc>
+                  <a:txBody>
+                    <a:bodyPr/>
+                    <a:lstStyle/>
+                    <a:p>
+                      <a:pPr fontAlgn="t"/>
+                      <a:r>
+                        <a:rPr lang="en-CA" sz="1800">
+                          <a:effectLst/>
+                          <a:latin typeface="+mn-lt"/>
+                        </a:rPr>
+                        <a:t>HTTP (REST or webhook)</a:t>
+                      </a:r>
+                    </a:p>
+                  </a:txBody>
+                  <a:tcPr marL="30536" marR="30536" marT="22902" marB="22902">
+                    <a:lnL w="12700" cap="flat" cmpd="sng" algn="ctr">
+                      <a:solidFill>
+                        <a:srgbClr val="E3E3E3"/>
+                      </a:solidFill>
+                      <a:prstDash val="solid"/>
+                      <a:round/>
+                      <a:headEnd type="none" w="med" len="med"/>
+                      <a:tailEnd type="none" w="med" len="med"/>
+                    </a:lnL>
+                    <a:lnR w="12700" cap="flat" cmpd="sng" algn="ctr">
+                      <a:solidFill>
+                        <a:srgbClr val="E3E3E3"/>
+                      </a:solidFill>
+                      <a:prstDash val="solid"/>
+                      <a:round/>
+                      <a:headEnd type="none" w="med" len="med"/>
+                      <a:tailEnd type="none" w="med" len="med"/>
+                    </a:lnR>
+                    <a:lnT w="4763" cap="flat" cmpd="sng" algn="ctr">
+                      <a:solidFill>
+                        <a:srgbClr val="E3E3E3"/>
+                      </a:solidFill>
+                      <a:prstDash val="solid"/>
+                      <a:round/>
+                      <a:headEnd type="none" w="med" len="med"/>
+                      <a:tailEnd type="none" w="med" len="med"/>
+                    </a:lnT>
+                    <a:lnB w="4763" cap="flat" cmpd="sng" algn="ctr">
+                      <a:solidFill>
+                        <a:srgbClr val="E3E3E3"/>
+                      </a:solidFill>
+                      <a:prstDash val="solid"/>
+                      <a:round/>
+                      <a:headEnd type="none" w="med" len="med"/>
+                      <a:tailEnd type="none" w="med" len="med"/>
+                    </a:lnB>
+                    <a:solidFill>
+                      <a:srgbClr val="FFFFFF"/>
+                    </a:solidFill>
+                  </a:tcPr>
+                </a:tc>
+                <a:tc>
+                  <a:txBody>
+                    <a:bodyPr/>
+                    <a:lstStyle/>
+                    <a:p>
+                      <a:pPr fontAlgn="t"/>
+                      <a:r>
+                        <a:rPr lang="en-CA" sz="1800" dirty="0">
+                          <a:effectLst/>
+                          <a:latin typeface="+mn-lt"/>
+                        </a:rPr>
+                        <a:t>Azure Functions</a:t>
+                      </a:r>
+                    </a:p>
+                  </a:txBody>
+                  <a:tcPr marL="30536" marR="30536" marT="22902" marB="22902">
+                    <a:lnL w="12700" cap="flat" cmpd="sng" algn="ctr">
+                      <a:solidFill>
+                        <a:srgbClr val="E3E3E3"/>
+                      </a:solidFill>
+                      <a:prstDash val="solid"/>
+                      <a:round/>
+                      <a:headEnd type="none" w="med" len="med"/>
+                      <a:tailEnd type="none" w="med" len="med"/>
+                    </a:lnL>
+                    <a:lnR w="12700" cap="flat" cmpd="sng" algn="ctr">
+                      <a:solidFill>
+                        <a:srgbClr val="E3E3E3"/>
+                      </a:solidFill>
+                      <a:prstDash val="solid"/>
+                      <a:round/>
+                      <a:headEnd type="none" w="med" len="med"/>
+                      <a:tailEnd type="none" w="med" len="med"/>
+                    </a:lnR>
+                    <a:lnT w="4763" cap="flat" cmpd="sng" algn="ctr">
+                      <a:solidFill>
+                        <a:srgbClr val="E3E3E3"/>
+                      </a:solidFill>
+                      <a:prstDash val="solid"/>
+                      <a:round/>
+                      <a:headEnd type="none" w="med" len="med"/>
+                      <a:tailEnd type="none" w="med" len="med"/>
+                    </a:lnT>
+                    <a:lnB w="4763" cap="flat" cmpd="sng" algn="ctr">
+                      <a:solidFill>
+                        <a:srgbClr val="E3E3E3"/>
+                      </a:solidFill>
+                      <a:prstDash val="solid"/>
+                      <a:round/>
+                      <a:headEnd type="none" w="med" len="med"/>
+                      <a:tailEnd type="none" w="med" len="med"/>
+                    </a:lnB>
+                    <a:solidFill>
+                      <a:srgbClr val="FFFFFF"/>
+                    </a:solidFill>
+                  </a:tcPr>
+                </a:tc>
+                <a:tc>
+                  <a:txBody>
+                    <a:bodyPr/>
+                    <a:lstStyle/>
+                    <a:p>
+                      <a:pPr algn="ctr" fontAlgn="t"/>
+                      <a:r>
+                        <a:rPr lang="en-CA" sz="1800" dirty="0">
+                          <a:effectLst/>
+                          <a:latin typeface="+mn-lt"/>
+                        </a:rPr>
+                        <a:t>✔</a:t>
+                      </a:r>
+                    </a:p>
+                  </a:txBody>
+                  <a:tcPr marL="30536" marR="30536" marT="22902" marB="22902">
+                    <a:lnL w="12700" cap="flat" cmpd="sng" algn="ctr">
+                      <a:solidFill>
+                        <a:srgbClr val="E3E3E3"/>
+                      </a:solidFill>
+                      <a:prstDash val="solid"/>
+                      <a:round/>
+                      <a:headEnd type="none" w="med" len="med"/>
+                      <a:tailEnd type="none" w="med" len="med"/>
+                    </a:lnL>
+                    <a:lnR w="12700" cap="flat" cmpd="sng" algn="ctr">
+                      <a:solidFill>
+                        <a:srgbClr val="E3E3E3"/>
+                      </a:solidFill>
+                      <a:prstDash val="solid"/>
+                      <a:round/>
+                      <a:headEnd type="none" w="med" len="med"/>
+                      <a:tailEnd type="none" w="med" len="med"/>
+                    </a:lnR>
+                    <a:lnT w="4763" cap="flat" cmpd="sng" algn="ctr">
+                      <a:solidFill>
+                        <a:srgbClr val="E3E3E3"/>
+                      </a:solidFill>
+                      <a:prstDash val="solid"/>
+                      <a:round/>
+                      <a:headEnd type="none" w="med" len="med"/>
+                      <a:tailEnd type="none" w="med" len="med"/>
+                    </a:lnT>
+                    <a:lnB w="4763" cap="flat" cmpd="sng" algn="ctr">
+                      <a:solidFill>
+                        <a:srgbClr val="E3E3E3"/>
+                      </a:solidFill>
+                      <a:prstDash val="solid"/>
+                      <a:round/>
+                      <a:headEnd type="none" w="med" len="med"/>
+                      <a:tailEnd type="none" w="med" len="med"/>
+                    </a:lnB>
+                    <a:solidFill>
+                      <a:srgbClr val="FFFFFF"/>
+                    </a:solidFill>
+                  </a:tcPr>
+                </a:tc>
+                <a:tc>
+                  <a:txBody>
+                    <a:bodyPr/>
+                    <a:lstStyle/>
+                    <a:p>
+                      <a:pPr algn="ctr" fontAlgn="t"/>
+                      <a:endParaRPr lang="en-CA" sz="1800">
+                        <a:effectLst/>
+                        <a:latin typeface="+mn-lt"/>
+                      </a:endParaRPr>
+                    </a:p>
+                  </a:txBody>
+                  <a:tcPr marL="30536" marR="30536" marT="22902" marB="22902">
+                    <a:lnL w="12700" cap="flat" cmpd="sng" algn="ctr">
+                      <a:solidFill>
+                        <a:srgbClr val="E3E3E3"/>
+                      </a:solidFill>
+                      <a:prstDash val="solid"/>
+                      <a:round/>
+                      <a:headEnd type="none" w="med" len="med"/>
+                      <a:tailEnd type="none" w="med" len="med"/>
+                    </a:lnL>
+                    <a:lnR w="12700" cap="flat" cmpd="sng" algn="ctr">
+                      <a:solidFill>
+                        <a:srgbClr val="E3E3E3"/>
+                      </a:solidFill>
+                      <a:prstDash val="solid"/>
+                      <a:round/>
+                      <a:headEnd type="none" w="med" len="med"/>
+                      <a:tailEnd type="none" w="med" len="med"/>
+                    </a:lnR>
+                    <a:lnT w="4763" cap="flat" cmpd="sng" algn="ctr">
+                      <a:solidFill>
+                        <a:srgbClr val="E3E3E3"/>
+                      </a:solidFill>
+                      <a:prstDash val="solid"/>
+                      <a:round/>
+                      <a:headEnd type="none" w="med" len="med"/>
+                      <a:tailEnd type="none" w="med" len="med"/>
+                    </a:lnT>
+                    <a:lnB w="4763" cap="flat" cmpd="sng" algn="ctr">
+                      <a:solidFill>
+                        <a:srgbClr val="E3E3E3"/>
+                      </a:solidFill>
+                      <a:prstDash val="solid"/>
+                      <a:round/>
+                      <a:headEnd type="none" w="med" len="med"/>
+                      <a:tailEnd type="none" w="med" len="med"/>
+                    </a:lnB>
+                    <a:solidFill>
+                      <a:srgbClr val="FFFFFF"/>
+                    </a:solidFill>
+                  </a:tcPr>
+                </a:tc>
+                <a:tc>
+                  <a:txBody>
+                    <a:bodyPr/>
+                    <a:lstStyle/>
+                    <a:p>
+                      <a:pPr algn="ctr" fontAlgn="t"/>
+                      <a:r>
+                        <a:rPr lang="en-CA" sz="1800">
+                          <a:effectLst/>
+                          <a:latin typeface="+mn-lt"/>
+                        </a:rPr>
+                        <a:t>✔*</a:t>
+                      </a:r>
+                    </a:p>
+                  </a:txBody>
+                  <a:tcPr marL="30536" marR="30536" marT="22902" marB="22902">
+                    <a:lnL w="12700" cap="flat" cmpd="sng" algn="ctr">
+                      <a:solidFill>
+                        <a:srgbClr val="E3E3E3"/>
+                      </a:solidFill>
+                      <a:prstDash val="solid"/>
+                      <a:round/>
+                      <a:headEnd type="none" w="med" len="med"/>
+                      <a:tailEnd type="none" w="med" len="med"/>
+                    </a:lnL>
+                    <a:lnR w="12700" cap="flat" cmpd="sng" algn="ctr">
+                      <a:solidFill>
+                        <a:srgbClr val="E3E3E3"/>
+                      </a:solidFill>
+                      <a:prstDash val="solid"/>
+                      <a:round/>
+                      <a:headEnd type="none" w="med" len="med"/>
+                      <a:tailEnd type="none" w="med" len="med"/>
+                    </a:lnR>
+                    <a:lnT w="4763" cap="flat" cmpd="sng" algn="ctr">
+                      <a:solidFill>
+                        <a:srgbClr val="E3E3E3"/>
+                      </a:solidFill>
+                      <a:prstDash val="solid"/>
+                      <a:round/>
+                      <a:headEnd type="none" w="med" len="med"/>
+                      <a:tailEnd type="none" w="med" len="med"/>
+                    </a:lnT>
+                    <a:lnB w="4763" cap="flat" cmpd="sng" algn="ctr">
+                      <a:solidFill>
+                        <a:srgbClr val="E3E3E3"/>
+                      </a:solidFill>
+                      <a:prstDash val="solid"/>
+                      <a:round/>
+                      <a:headEnd type="none" w="med" len="med"/>
+                      <a:tailEnd type="none" w="med" len="med"/>
+                    </a:lnB>
+                    <a:solidFill>
+                      <a:srgbClr val="FFFFFF"/>
+                    </a:solidFill>
+                  </a:tcPr>
+                </a:tc>
+                <a:extLst>
+                  <a:ext uri="{0D108BD9-81ED-4DB2-BD59-A6C34878D82A}">
+                    <a16:rowId xmlns:a16="http://schemas.microsoft.com/office/drawing/2014/main" val="790830816"/>
+                  </a:ext>
+                </a:extLst>
+              </a:tr>
+              <a:tr h="375589">
+                <a:tc>
+                  <a:txBody>
+                    <a:bodyPr/>
+                    <a:lstStyle/>
+                    <a:p>
+                      <a:pPr fontAlgn="t"/>
+                      <a:r>
+                        <a:rPr lang="en-CA" sz="1800">
+                          <a:effectLst/>
+                          <a:latin typeface="+mn-lt"/>
+                        </a:rPr>
+                        <a:t>Blob Storage</a:t>
+                      </a:r>
+                    </a:p>
+                  </a:txBody>
+                  <a:tcPr marL="30536" marR="30536" marT="22902" marB="22902">
+                    <a:lnL w="12700" cap="flat" cmpd="sng" algn="ctr">
+                      <a:solidFill>
+                        <a:srgbClr val="E3E3E3"/>
+                      </a:solidFill>
+                      <a:prstDash val="solid"/>
+                      <a:round/>
+                      <a:headEnd type="none" w="med" len="med"/>
+                      <a:tailEnd type="none" w="med" len="med"/>
+                    </a:lnL>
+                    <a:lnR w="12700" cap="flat" cmpd="sng" algn="ctr">
+                      <a:solidFill>
+                        <a:srgbClr val="E3E3E3"/>
+                      </a:solidFill>
+                      <a:prstDash val="solid"/>
+                      <a:round/>
+                      <a:headEnd type="none" w="med" len="med"/>
+                      <a:tailEnd type="none" w="med" len="med"/>
+                    </a:lnR>
+                    <a:lnT w="4763" cap="flat" cmpd="sng" algn="ctr">
+                      <a:solidFill>
+                        <a:srgbClr val="E3E3E3"/>
+                      </a:solidFill>
+                      <a:prstDash val="solid"/>
+                      <a:round/>
+                      <a:headEnd type="none" w="med" len="med"/>
+                      <a:tailEnd type="none" w="med" len="med"/>
+                    </a:lnT>
+                    <a:lnB w="4763" cap="flat" cmpd="sng" algn="ctr">
+                      <a:solidFill>
+                        <a:srgbClr val="E3E3E3"/>
+                      </a:solidFill>
+                      <a:prstDash val="solid"/>
+                      <a:round/>
+                      <a:headEnd type="none" w="med" len="med"/>
+                      <a:tailEnd type="none" w="med" len="med"/>
+                    </a:lnB>
+                    <a:solidFill>
+                      <a:srgbClr val="FFFFFF"/>
+                    </a:solidFill>
+                  </a:tcPr>
+                </a:tc>
+                <a:tc>
+                  <a:txBody>
+                    <a:bodyPr/>
+                    <a:lstStyle/>
+                    <a:p>
+                      <a:pPr fontAlgn="t"/>
+                      <a:r>
+                        <a:rPr lang="en-CA" sz="1800">
+                          <a:effectLst/>
+                          <a:latin typeface="+mn-lt"/>
+                        </a:rPr>
+                        <a:t>Azure Storage</a:t>
+                      </a:r>
+                    </a:p>
+                  </a:txBody>
+                  <a:tcPr marL="30536" marR="30536" marT="22902" marB="22902">
+                    <a:lnL w="12700" cap="flat" cmpd="sng" algn="ctr">
+                      <a:solidFill>
+                        <a:srgbClr val="E3E3E3"/>
+                      </a:solidFill>
+                      <a:prstDash val="solid"/>
+                      <a:round/>
+                      <a:headEnd type="none" w="med" len="med"/>
+                      <a:tailEnd type="none" w="med" len="med"/>
+                    </a:lnL>
+                    <a:lnR w="12700" cap="flat" cmpd="sng" algn="ctr">
+                      <a:solidFill>
+                        <a:srgbClr val="E3E3E3"/>
+                      </a:solidFill>
+                      <a:prstDash val="solid"/>
+                      <a:round/>
+                      <a:headEnd type="none" w="med" len="med"/>
+                      <a:tailEnd type="none" w="med" len="med"/>
+                    </a:lnR>
+                    <a:lnT w="4763" cap="flat" cmpd="sng" algn="ctr">
+                      <a:solidFill>
+                        <a:srgbClr val="E3E3E3"/>
+                      </a:solidFill>
+                      <a:prstDash val="solid"/>
+                      <a:round/>
+                      <a:headEnd type="none" w="med" len="med"/>
+                      <a:tailEnd type="none" w="med" len="med"/>
+                    </a:lnT>
+                    <a:lnB w="4763" cap="flat" cmpd="sng" algn="ctr">
+                      <a:solidFill>
+                        <a:srgbClr val="E3E3E3"/>
+                      </a:solidFill>
+                      <a:prstDash val="solid"/>
+                      <a:round/>
+                      <a:headEnd type="none" w="med" len="med"/>
+                      <a:tailEnd type="none" w="med" len="med"/>
+                    </a:lnB>
+                    <a:solidFill>
+                      <a:srgbClr val="FFFFFF"/>
+                    </a:solidFill>
+                  </a:tcPr>
+                </a:tc>
+                <a:tc>
+                  <a:txBody>
+                    <a:bodyPr/>
+                    <a:lstStyle/>
+                    <a:p>
+                      <a:pPr algn="ctr" fontAlgn="t"/>
+                      <a:r>
+                        <a:rPr lang="en-CA" sz="1800">
+                          <a:effectLst/>
+                          <a:latin typeface="+mn-lt"/>
+                        </a:rPr>
+                        <a:t>✔</a:t>
+                      </a:r>
+                    </a:p>
+                  </a:txBody>
+                  <a:tcPr marL="30536" marR="30536" marT="22902" marB="22902">
+                    <a:lnL w="12700" cap="flat" cmpd="sng" algn="ctr">
+                      <a:solidFill>
+                        <a:srgbClr val="E3E3E3"/>
+                      </a:solidFill>
+                      <a:prstDash val="solid"/>
+                      <a:round/>
+                      <a:headEnd type="none" w="med" len="med"/>
+                      <a:tailEnd type="none" w="med" len="med"/>
+                    </a:lnL>
+                    <a:lnR w="12700" cap="flat" cmpd="sng" algn="ctr">
+                      <a:solidFill>
+                        <a:srgbClr val="E3E3E3"/>
+                      </a:solidFill>
+                      <a:prstDash val="solid"/>
+                      <a:round/>
+                      <a:headEnd type="none" w="med" len="med"/>
+                      <a:tailEnd type="none" w="med" len="med"/>
+                    </a:lnR>
+                    <a:lnT w="4763" cap="flat" cmpd="sng" algn="ctr">
+                      <a:solidFill>
+                        <a:srgbClr val="E3E3E3"/>
+                      </a:solidFill>
+                      <a:prstDash val="solid"/>
+                      <a:round/>
+                      <a:headEnd type="none" w="med" len="med"/>
+                      <a:tailEnd type="none" w="med" len="med"/>
+                    </a:lnT>
+                    <a:lnB w="4763" cap="flat" cmpd="sng" algn="ctr">
+                      <a:solidFill>
+                        <a:srgbClr val="E3E3E3"/>
+                      </a:solidFill>
+                      <a:prstDash val="solid"/>
+                      <a:round/>
+                      <a:headEnd type="none" w="med" len="med"/>
+                      <a:tailEnd type="none" w="med" len="med"/>
+                    </a:lnB>
+                    <a:solidFill>
+                      <a:srgbClr val="FFFFFF"/>
+                    </a:solidFill>
+                  </a:tcPr>
+                </a:tc>
+                <a:tc>
+                  <a:txBody>
+                    <a:bodyPr/>
+                    <a:lstStyle/>
+                    <a:p>
+                      <a:pPr algn="ctr" fontAlgn="t"/>
+                      <a:r>
+                        <a:rPr lang="en-CA" sz="1800">
+                          <a:effectLst/>
+                          <a:latin typeface="+mn-lt"/>
+                        </a:rPr>
+                        <a:t>✔</a:t>
+                      </a:r>
+                    </a:p>
+                  </a:txBody>
+                  <a:tcPr marL="30536" marR="30536" marT="22902" marB="22902">
+                    <a:lnL w="12700" cap="flat" cmpd="sng" algn="ctr">
+                      <a:solidFill>
+                        <a:srgbClr val="E3E3E3"/>
+                      </a:solidFill>
+                      <a:prstDash val="solid"/>
+                      <a:round/>
+                      <a:headEnd type="none" w="med" len="med"/>
+                      <a:tailEnd type="none" w="med" len="med"/>
+                    </a:lnL>
+                    <a:lnR w="12700" cap="flat" cmpd="sng" algn="ctr">
+                      <a:solidFill>
+                        <a:srgbClr val="E3E3E3"/>
+                      </a:solidFill>
+                      <a:prstDash val="solid"/>
+                      <a:round/>
+                      <a:headEnd type="none" w="med" len="med"/>
+                      <a:tailEnd type="none" w="med" len="med"/>
+                    </a:lnR>
+                    <a:lnT w="4763" cap="flat" cmpd="sng" algn="ctr">
+                      <a:solidFill>
+                        <a:srgbClr val="E3E3E3"/>
+                      </a:solidFill>
+                      <a:prstDash val="solid"/>
+                      <a:round/>
+                      <a:headEnd type="none" w="med" len="med"/>
+                      <a:tailEnd type="none" w="med" len="med"/>
+                    </a:lnT>
+                    <a:lnB w="4763" cap="flat" cmpd="sng" algn="ctr">
+                      <a:solidFill>
+                        <a:srgbClr val="E3E3E3"/>
+                      </a:solidFill>
+                      <a:prstDash val="solid"/>
+                      <a:round/>
+                      <a:headEnd type="none" w="med" len="med"/>
+                      <a:tailEnd type="none" w="med" len="med"/>
+                    </a:lnB>
+                    <a:solidFill>
+                      <a:srgbClr val="FFFFFF"/>
+                    </a:solidFill>
+                  </a:tcPr>
+                </a:tc>
+                <a:tc>
+                  <a:txBody>
+                    <a:bodyPr/>
+                    <a:lstStyle/>
+                    <a:p>
+                      <a:pPr algn="ctr" fontAlgn="t"/>
+                      <a:r>
+                        <a:rPr lang="en-CA" sz="1800">
+                          <a:effectLst/>
+                          <a:latin typeface="+mn-lt"/>
+                        </a:rPr>
+                        <a:t>✔</a:t>
+                      </a:r>
+                    </a:p>
+                  </a:txBody>
+                  <a:tcPr marL="30536" marR="30536" marT="22902" marB="22902">
+                    <a:lnL w="12700" cap="flat" cmpd="sng" algn="ctr">
+                      <a:solidFill>
+                        <a:srgbClr val="E3E3E3"/>
+                      </a:solidFill>
+                      <a:prstDash val="solid"/>
+                      <a:round/>
+                      <a:headEnd type="none" w="med" len="med"/>
+                      <a:tailEnd type="none" w="med" len="med"/>
+                    </a:lnL>
+                    <a:lnR w="12700" cap="flat" cmpd="sng" algn="ctr">
+                      <a:solidFill>
+                        <a:srgbClr val="E3E3E3"/>
+                      </a:solidFill>
+                      <a:prstDash val="solid"/>
+                      <a:round/>
+                      <a:headEnd type="none" w="med" len="med"/>
+                      <a:tailEnd type="none" w="med" len="med"/>
+                    </a:lnR>
+                    <a:lnT w="4763" cap="flat" cmpd="sng" algn="ctr">
+                      <a:solidFill>
+                        <a:srgbClr val="E3E3E3"/>
+                      </a:solidFill>
+                      <a:prstDash val="solid"/>
+                      <a:round/>
+                      <a:headEnd type="none" w="med" len="med"/>
+                      <a:tailEnd type="none" w="med" len="med"/>
+                    </a:lnT>
+                    <a:lnB w="4763" cap="flat" cmpd="sng" algn="ctr">
+                      <a:solidFill>
+                        <a:srgbClr val="E3E3E3"/>
+                      </a:solidFill>
+                      <a:prstDash val="solid"/>
+                      <a:round/>
+                      <a:headEnd type="none" w="med" len="med"/>
+                      <a:tailEnd type="none" w="med" len="med"/>
+                    </a:lnB>
+                    <a:solidFill>
+                      <a:srgbClr val="FFFFFF"/>
+                    </a:solidFill>
+                  </a:tcPr>
+                </a:tc>
+                <a:extLst>
+                  <a:ext uri="{0D108BD9-81ED-4DB2-BD59-A6C34878D82A}">
+                    <a16:rowId xmlns:a16="http://schemas.microsoft.com/office/drawing/2014/main" val="2735624255"/>
+                  </a:ext>
+                </a:extLst>
+              </a:tr>
+              <a:tr h="375589">
+                <a:tc>
+                  <a:txBody>
+                    <a:bodyPr/>
+                    <a:lstStyle/>
+                    <a:p>
+                      <a:pPr fontAlgn="t"/>
+                      <a:r>
+                        <a:rPr lang="en-CA" sz="1800">
+                          <a:effectLst/>
+                          <a:latin typeface="+mn-lt"/>
+                        </a:rPr>
+                        <a:t>Events</a:t>
+                      </a:r>
+                    </a:p>
+                  </a:txBody>
+                  <a:tcPr marL="30536" marR="30536" marT="22902" marB="22902">
+                    <a:lnL w="12700" cap="flat" cmpd="sng" algn="ctr">
+                      <a:solidFill>
+                        <a:srgbClr val="E3E3E3"/>
+                      </a:solidFill>
+                      <a:prstDash val="solid"/>
+                      <a:round/>
+                      <a:headEnd type="none" w="med" len="med"/>
+                      <a:tailEnd type="none" w="med" len="med"/>
+                    </a:lnL>
+                    <a:lnR w="12700" cap="flat" cmpd="sng" algn="ctr">
+                      <a:solidFill>
+                        <a:srgbClr val="E3E3E3"/>
+                      </a:solidFill>
+                      <a:prstDash val="solid"/>
+                      <a:round/>
+                      <a:headEnd type="none" w="med" len="med"/>
+                      <a:tailEnd type="none" w="med" len="med"/>
+                    </a:lnR>
+                    <a:lnT w="4763" cap="flat" cmpd="sng" algn="ctr">
+                      <a:solidFill>
+                        <a:srgbClr val="E3E3E3"/>
+                      </a:solidFill>
+                      <a:prstDash val="solid"/>
+                      <a:round/>
+                      <a:headEnd type="none" w="med" len="med"/>
+                      <a:tailEnd type="none" w="med" len="med"/>
+                    </a:lnT>
+                    <a:lnB w="4763" cap="flat" cmpd="sng" algn="ctr">
+                      <a:solidFill>
+                        <a:srgbClr val="E3E3E3"/>
+                      </a:solidFill>
+                      <a:prstDash val="solid"/>
+                      <a:round/>
+                      <a:headEnd type="none" w="med" len="med"/>
+                      <a:tailEnd type="none" w="med" len="med"/>
+                    </a:lnB>
+                    <a:solidFill>
+                      <a:srgbClr val="FFFFFF"/>
+                    </a:solidFill>
+                  </a:tcPr>
+                </a:tc>
+                <a:tc>
+                  <a:txBody>
+                    <a:bodyPr/>
+                    <a:lstStyle/>
+                    <a:p>
+                      <a:pPr fontAlgn="t"/>
+                      <a:r>
+                        <a:rPr lang="en-CA" sz="1800">
+                          <a:effectLst/>
+                          <a:latin typeface="+mn-lt"/>
+                        </a:rPr>
+                        <a:t>Azure Event Hubs</a:t>
+                      </a:r>
+                    </a:p>
+                  </a:txBody>
+                  <a:tcPr marL="30536" marR="30536" marT="22902" marB="22902">
+                    <a:lnL w="12700" cap="flat" cmpd="sng" algn="ctr">
+                      <a:solidFill>
+                        <a:srgbClr val="E3E3E3"/>
+                      </a:solidFill>
+                      <a:prstDash val="solid"/>
+                      <a:round/>
+                      <a:headEnd type="none" w="med" len="med"/>
+                      <a:tailEnd type="none" w="med" len="med"/>
+                    </a:lnL>
+                    <a:lnR w="12700" cap="flat" cmpd="sng" algn="ctr">
+                      <a:solidFill>
+                        <a:srgbClr val="E3E3E3"/>
+                      </a:solidFill>
+                      <a:prstDash val="solid"/>
+                      <a:round/>
+                      <a:headEnd type="none" w="med" len="med"/>
+                      <a:tailEnd type="none" w="med" len="med"/>
+                    </a:lnR>
+                    <a:lnT w="4763" cap="flat" cmpd="sng" algn="ctr">
+                      <a:solidFill>
+                        <a:srgbClr val="E3E3E3"/>
+                      </a:solidFill>
+                      <a:prstDash val="solid"/>
+                      <a:round/>
+                      <a:headEnd type="none" w="med" len="med"/>
+                      <a:tailEnd type="none" w="med" len="med"/>
+                    </a:lnT>
+                    <a:lnB w="4763" cap="flat" cmpd="sng" algn="ctr">
+                      <a:solidFill>
+                        <a:srgbClr val="E3E3E3"/>
+                      </a:solidFill>
+                      <a:prstDash val="solid"/>
+                      <a:round/>
+                      <a:headEnd type="none" w="med" len="med"/>
+                      <a:tailEnd type="none" w="med" len="med"/>
+                    </a:lnB>
+                    <a:solidFill>
+                      <a:srgbClr val="FFFFFF"/>
+                    </a:solidFill>
+                  </a:tcPr>
+                </a:tc>
+                <a:tc>
+                  <a:txBody>
+                    <a:bodyPr/>
+                    <a:lstStyle/>
+                    <a:p>
+                      <a:pPr algn="ctr" fontAlgn="t"/>
+                      <a:r>
+                        <a:rPr lang="en-CA" sz="1800" dirty="0">
+                          <a:effectLst/>
+                          <a:latin typeface="+mn-lt"/>
+                        </a:rPr>
+                        <a:t>✔</a:t>
+                      </a:r>
+                    </a:p>
+                  </a:txBody>
+                  <a:tcPr marL="30536" marR="30536" marT="22902" marB="22902">
+                    <a:lnL w="12700" cap="flat" cmpd="sng" algn="ctr">
+                      <a:solidFill>
+                        <a:srgbClr val="E3E3E3"/>
+                      </a:solidFill>
+                      <a:prstDash val="solid"/>
+                      <a:round/>
+                      <a:headEnd type="none" w="med" len="med"/>
+                      <a:tailEnd type="none" w="med" len="med"/>
+                    </a:lnL>
+                    <a:lnR w="12700" cap="flat" cmpd="sng" algn="ctr">
+                      <a:solidFill>
+                        <a:srgbClr val="E3E3E3"/>
+                      </a:solidFill>
+                      <a:prstDash val="solid"/>
+                      <a:round/>
+                      <a:headEnd type="none" w="med" len="med"/>
+                      <a:tailEnd type="none" w="med" len="med"/>
+                    </a:lnR>
+                    <a:lnT w="4763" cap="flat" cmpd="sng" algn="ctr">
+                      <a:solidFill>
+                        <a:srgbClr val="E3E3E3"/>
+                      </a:solidFill>
+                      <a:prstDash val="solid"/>
+                      <a:round/>
+                      <a:headEnd type="none" w="med" len="med"/>
+                      <a:tailEnd type="none" w="med" len="med"/>
+                    </a:lnT>
+                    <a:lnB w="4763" cap="flat" cmpd="sng" algn="ctr">
+                      <a:solidFill>
+                        <a:srgbClr val="E3E3E3"/>
+                      </a:solidFill>
+                      <a:prstDash val="solid"/>
+                      <a:round/>
+                      <a:headEnd type="none" w="med" len="med"/>
+                      <a:tailEnd type="none" w="med" len="med"/>
+                    </a:lnB>
+                    <a:solidFill>
+                      <a:srgbClr val="FFFFFF"/>
+                    </a:solidFill>
+                  </a:tcPr>
+                </a:tc>
+                <a:tc>
+                  <a:txBody>
+                    <a:bodyPr/>
+                    <a:lstStyle/>
+                    <a:p>
+                      <a:pPr algn="ctr" fontAlgn="t"/>
+                      <a:endParaRPr lang="en-CA" sz="1800">
+                        <a:effectLst/>
+                        <a:latin typeface="+mn-lt"/>
+                      </a:endParaRPr>
+                    </a:p>
+                  </a:txBody>
+                  <a:tcPr marL="30536" marR="30536" marT="22902" marB="22902">
+                    <a:lnL w="12700" cap="flat" cmpd="sng" algn="ctr">
+                      <a:solidFill>
+                        <a:srgbClr val="E3E3E3"/>
+                      </a:solidFill>
+                      <a:prstDash val="solid"/>
+                      <a:round/>
+                      <a:headEnd type="none" w="med" len="med"/>
+                      <a:tailEnd type="none" w="med" len="med"/>
+                    </a:lnL>
+                    <a:lnR w="12700" cap="flat" cmpd="sng" algn="ctr">
+                      <a:solidFill>
+                        <a:srgbClr val="E3E3E3"/>
+                      </a:solidFill>
+                      <a:prstDash val="solid"/>
+                      <a:round/>
+                      <a:headEnd type="none" w="med" len="med"/>
+                      <a:tailEnd type="none" w="med" len="med"/>
+                    </a:lnR>
+                    <a:lnT w="4763" cap="flat" cmpd="sng" algn="ctr">
+                      <a:solidFill>
+                        <a:srgbClr val="E3E3E3"/>
+                      </a:solidFill>
+                      <a:prstDash val="solid"/>
+                      <a:round/>
+                      <a:headEnd type="none" w="med" len="med"/>
+                      <a:tailEnd type="none" w="med" len="med"/>
+                    </a:lnT>
+                    <a:lnB w="4763" cap="flat" cmpd="sng" algn="ctr">
+                      <a:solidFill>
+                        <a:srgbClr val="E3E3E3"/>
+                      </a:solidFill>
+                      <a:prstDash val="solid"/>
+                      <a:round/>
+                      <a:headEnd type="none" w="med" len="med"/>
+                      <a:tailEnd type="none" w="med" len="med"/>
+                    </a:lnB>
+                    <a:solidFill>
+                      <a:srgbClr val="FFFFFF"/>
+                    </a:solidFill>
+                  </a:tcPr>
+                </a:tc>
+                <a:tc>
+                  <a:txBody>
+                    <a:bodyPr/>
+                    <a:lstStyle/>
+                    <a:p>
+                      <a:pPr algn="ctr" fontAlgn="t"/>
+                      <a:r>
+                        <a:rPr lang="en-CA" sz="1800">
+                          <a:effectLst/>
+                          <a:latin typeface="+mn-lt"/>
+                        </a:rPr>
+                        <a:t>✔</a:t>
+                      </a:r>
+                    </a:p>
+                  </a:txBody>
+                  <a:tcPr marL="30536" marR="30536" marT="22902" marB="22902">
+                    <a:lnL w="12700" cap="flat" cmpd="sng" algn="ctr">
+                      <a:solidFill>
+                        <a:srgbClr val="E3E3E3"/>
+                      </a:solidFill>
+                      <a:prstDash val="solid"/>
+                      <a:round/>
+                      <a:headEnd type="none" w="med" len="med"/>
+                      <a:tailEnd type="none" w="med" len="med"/>
+                    </a:lnL>
+                    <a:lnR w="12700" cap="flat" cmpd="sng" algn="ctr">
+                      <a:solidFill>
+                        <a:srgbClr val="E3E3E3"/>
+                      </a:solidFill>
+                      <a:prstDash val="solid"/>
+                      <a:round/>
+                      <a:headEnd type="none" w="med" len="med"/>
+                      <a:tailEnd type="none" w="med" len="med"/>
+                    </a:lnR>
+                    <a:lnT w="4763" cap="flat" cmpd="sng" algn="ctr">
+                      <a:solidFill>
+                        <a:srgbClr val="E3E3E3"/>
+                      </a:solidFill>
+                      <a:prstDash val="solid"/>
+                      <a:round/>
+                      <a:headEnd type="none" w="med" len="med"/>
+                      <a:tailEnd type="none" w="med" len="med"/>
+                    </a:lnT>
+                    <a:lnB w="4763" cap="flat" cmpd="sng" algn="ctr">
+                      <a:solidFill>
+                        <a:srgbClr val="E3E3E3"/>
+                      </a:solidFill>
+                      <a:prstDash val="solid"/>
+                      <a:round/>
+                      <a:headEnd type="none" w="med" len="med"/>
+                      <a:tailEnd type="none" w="med" len="med"/>
+                    </a:lnB>
+                    <a:solidFill>
+                      <a:srgbClr val="FFFFFF"/>
+                    </a:solidFill>
+                  </a:tcPr>
+                </a:tc>
+                <a:extLst>
+                  <a:ext uri="{0D108BD9-81ED-4DB2-BD59-A6C34878D82A}">
+                    <a16:rowId xmlns:a16="http://schemas.microsoft.com/office/drawing/2014/main" val="3697716495"/>
+                  </a:ext>
+                </a:extLst>
+              </a:tr>
+              <a:tr h="375589">
+                <a:tc>
+                  <a:txBody>
+                    <a:bodyPr/>
+                    <a:lstStyle/>
+                    <a:p>
+                      <a:pPr fontAlgn="t"/>
+                      <a:r>
+                        <a:rPr lang="en-CA" sz="1800">
+                          <a:effectLst/>
+                          <a:latin typeface="+mn-lt"/>
+                        </a:rPr>
+                        <a:t>Queues</a:t>
+                      </a:r>
+                    </a:p>
+                  </a:txBody>
+                  <a:tcPr marL="30536" marR="30536" marT="22902" marB="22902">
+                    <a:lnL w="12700" cap="flat" cmpd="sng" algn="ctr">
+                      <a:solidFill>
+                        <a:srgbClr val="E3E3E3"/>
+                      </a:solidFill>
+                      <a:prstDash val="solid"/>
+                      <a:round/>
+                      <a:headEnd type="none" w="med" len="med"/>
+                      <a:tailEnd type="none" w="med" len="med"/>
+                    </a:lnL>
+                    <a:lnR w="12700" cap="flat" cmpd="sng" algn="ctr">
+                      <a:solidFill>
+                        <a:srgbClr val="E3E3E3"/>
+                      </a:solidFill>
+                      <a:prstDash val="solid"/>
+                      <a:round/>
+                      <a:headEnd type="none" w="med" len="med"/>
+                      <a:tailEnd type="none" w="med" len="med"/>
+                    </a:lnR>
+                    <a:lnT w="4763" cap="flat" cmpd="sng" algn="ctr">
+                      <a:solidFill>
+                        <a:srgbClr val="E3E3E3"/>
+                      </a:solidFill>
+                      <a:prstDash val="solid"/>
+                      <a:round/>
+                      <a:headEnd type="none" w="med" len="med"/>
+                      <a:tailEnd type="none" w="med" len="med"/>
+                    </a:lnT>
+                    <a:lnB w="4763" cap="flat" cmpd="sng" algn="ctr">
+                      <a:solidFill>
+                        <a:srgbClr val="E3E3E3"/>
+                      </a:solidFill>
+                      <a:prstDash val="solid"/>
+                      <a:round/>
+                      <a:headEnd type="none" w="med" len="med"/>
+                      <a:tailEnd type="none" w="med" len="med"/>
+                    </a:lnB>
+                    <a:solidFill>
+                      <a:srgbClr val="FFFFFF"/>
+                    </a:solidFill>
+                  </a:tcPr>
+                </a:tc>
+                <a:tc>
+                  <a:txBody>
+                    <a:bodyPr/>
+                    <a:lstStyle/>
+                    <a:p>
+                      <a:pPr fontAlgn="t"/>
+                      <a:r>
+                        <a:rPr lang="en-CA" sz="1800">
+                          <a:effectLst/>
+                          <a:latin typeface="+mn-lt"/>
+                        </a:rPr>
+                        <a:t>Azure Storage</a:t>
+                      </a:r>
+                    </a:p>
+                  </a:txBody>
+                  <a:tcPr marL="30536" marR="30536" marT="22902" marB="22902">
+                    <a:lnL w="12700" cap="flat" cmpd="sng" algn="ctr">
+                      <a:solidFill>
+                        <a:srgbClr val="E3E3E3"/>
+                      </a:solidFill>
+                      <a:prstDash val="solid"/>
+                      <a:round/>
+                      <a:headEnd type="none" w="med" len="med"/>
+                      <a:tailEnd type="none" w="med" len="med"/>
+                    </a:lnL>
+                    <a:lnR w="12700" cap="flat" cmpd="sng" algn="ctr">
+                      <a:solidFill>
+                        <a:srgbClr val="E3E3E3"/>
+                      </a:solidFill>
+                      <a:prstDash val="solid"/>
+                      <a:round/>
+                      <a:headEnd type="none" w="med" len="med"/>
+                      <a:tailEnd type="none" w="med" len="med"/>
+                    </a:lnR>
+                    <a:lnT w="4763" cap="flat" cmpd="sng" algn="ctr">
+                      <a:solidFill>
+                        <a:srgbClr val="E3E3E3"/>
+                      </a:solidFill>
+                      <a:prstDash val="solid"/>
+                      <a:round/>
+                      <a:headEnd type="none" w="med" len="med"/>
+                      <a:tailEnd type="none" w="med" len="med"/>
+                    </a:lnT>
+                    <a:lnB w="4763" cap="flat" cmpd="sng" algn="ctr">
+                      <a:solidFill>
+                        <a:srgbClr val="E3E3E3"/>
+                      </a:solidFill>
+                      <a:prstDash val="solid"/>
+                      <a:round/>
+                      <a:headEnd type="none" w="med" len="med"/>
+                      <a:tailEnd type="none" w="med" len="med"/>
+                    </a:lnB>
+                    <a:solidFill>
+                      <a:srgbClr val="FFFFFF"/>
+                    </a:solidFill>
+                  </a:tcPr>
+                </a:tc>
+                <a:tc>
+                  <a:txBody>
+                    <a:bodyPr/>
+                    <a:lstStyle/>
+                    <a:p>
+                      <a:pPr algn="ctr" fontAlgn="t"/>
+                      <a:r>
+                        <a:rPr lang="en-CA" sz="1800" dirty="0">
+                          <a:effectLst/>
+                          <a:latin typeface="+mn-lt"/>
+                        </a:rPr>
+                        <a:t>✔</a:t>
+                      </a:r>
+                    </a:p>
+                  </a:txBody>
+                  <a:tcPr marL="30536" marR="30536" marT="22902" marB="22902">
+                    <a:lnL w="12700" cap="flat" cmpd="sng" algn="ctr">
+                      <a:solidFill>
+                        <a:srgbClr val="E3E3E3"/>
+                      </a:solidFill>
+                      <a:prstDash val="solid"/>
+                      <a:round/>
+                      <a:headEnd type="none" w="med" len="med"/>
+                      <a:tailEnd type="none" w="med" len="med"/>
+                    </a:lnL>
+                    <a:lnR w="12700" cap="flat" cmpd="sng" algn="ctr">
+                      <a:solidFill>
+                        <a:srgbClr val="E3E3E3"/>
+                      </a:solidFill>
+                      <a:prstDash val="solid"/>
+                      <a:round/>
+                      <a:headEnd type="none" w="med" len="med"/>
+                      <a:tailEnd type="none" w="med" len="med"/>
+                    </a:lnR>
+                    <a:lnT w="4763" cap="flat" cmpd="sng" algn="ctr">
+                      <a:solidFill>
+                        <a:srgbClr val="E3E3E3"/>
+                      </a:solidFill>
+                      <a:prstDash val="solid"/>
+                      <a:round/>
+                      <a:headEnd type="none" w="med" len="med"/>
+                      <a:tailEnd type="none" w="med" len="med"/>
+                    </a:lnT>
+                    <a:lnB w="4763" cap="flat" cmpd="sng" algn="ctr">
+                      <a:solidFill>
+                        <a:srgbClr val="E3E3E3"/>
+                      </a:solidFill>
+                      <a:prstDash val="solid"/>
+                      <a:round/>
+                      <a:headEnd type="none" w="med" len="med"/>
+                      <a:tailEnd type="none" w="med" len="med"/>
+                    </a:lnB>
+                    <a:solidFill>
+                      <a:srgbClr val="FFFFFF"/>
+                    </a:solidFill>
+                  </a:tcPr>
+                </a:tc>
+                <a:tc>
+                  <a:txBody>
+                    <a:bodyPr/>
+                    <a:lstStyle/>
+                    <a:p>
+                      <a:pPr algn="ctr" fontAlgn="t"/>
+                      <a:endParaRPr lang="en-CA" sz="1800" dirty="0">
+                        <a:effectLst/>
+                        <a:latin typeface="+mn-lt"/>
+                      </a:endParaRPr>
+                    </a:p>
+                  </a:txBody>
+                  <a:tcPr marL="30536" marR="30536" marT="22902" marB="22902">
+                    <a:lnL w="12700" cap="flat" cmpd="sng" algn="ctr">
+                      <a:solidFill>
+                        <a:srgbClr val="E3E3E3"/>
+                      </a:solidFill>
+                      <a:prstDash val="solid"/>
+                      <a:round/>
+                      <a:headEnd type="none" w="med" len="med"/>
+                      <a:tailEnd type="none" w="med" len="med"/>
+                    </a:lnL>
+                    <a:lnR w="12700" cap="flat" cmpd="sng" algn="ctr">
+                      <a:solidFill>
+                        <a:srgbClr val="E3E3E3"/>
+                      </a:solidFill>
+                      <a:prstDash val="solid"/>
+                      <a:round/>
+                      <a:headEnd type="none" w="med" len="med"/>
+                      <a:tailEnd type="none" w="med" len="med"/>
+                    </a:lnR>
+                    <a:lnT w="4763" cap="flat" cmpd="sng" algn="ctr">
+                      <a:solidFill>
+                        <a:srgbClr val="E3E3E3"/>
+                      </a:solidFill>
+                      <a:prstDash val="solid"/>
+                      <a:round/>
+                      <a:headEnd type="none" w="med" len="med"/>
+                      <a:tailEnd type="none" w="med" len="med"/>
+                    </a:lnT>
+                    <a:lnB w="4763" cap="flat" cmpd="sng" algn="ctr">
+                      <a:solidFill>
+                        <a:srgbClr val="E3E3E3"/>
+                      </a:solidFill>
+                      <a:prstDash val="solid"/>
+                      <a:round/>
+                      <a:headEnd type="none" w="med" len="med"/>
+                      <a:tailEnd type="none" w="med" len="med"/>
+                    </a:lnB>
+                    <a:solidFill>
+                      <a:srgbClr val="FFFFFF"/>
+                    </a:solidFill>
+                  </a:tcPr>
+                </a:tc>
+                <a:tc>
+                  <a:txBody>
+                    <a:bodyPr/>
+                    <a:lstStyle/>
+                    <a:p>
+                      <a:pPr algn="ctr" fontAlgn="t"/>
+                      <a:r>
+                        <a:rPr lang="en-CA" sz="1800">
+                          <a:effectLst/>
+                          <a:latin typeface="+mn-lt"/>
+                        </a:rPr>
+                        <a:t>✔</a:t>
+                      </a:r>
+                    </a:p>
+                  </a:txBody>
+                  <a:tcPr marL="30536" marR="30536" marT="22902" marB="22902">
+                    <a:lnL w="12700" cap="flat" cmpd="sng" algn="ctr">
+                      <a:solidFill>
+                        <a:srgbClr val="E3E3E3"/>
+                      </a:solidFill>
+                      <a:prstDash val="solid"/>
+                      <a:round/>
+                      <a:headEnd type="none" w="med" len="med"/>
+                      <a:tailEnd type="none" w="med" len="med"/>
+                    </a:lnL>
+                    <a:lnR w="12700" cap="flat" cmpd="sng" algn="ctr">
+                      <a:solidFill>
+                        <a:srgbClr val="E3E3E3"/>
+                      </a:solidFill>
+                      <a:prstDash val="solid"/>
+                      <a:round/>
+                      <a:headEnd type="none" w="med" len="med"/>
+                      <a:tailEnd type="none" w="med" len="med"/>
+                    </a:lnR>
+                    <a:lnT w="4763" cap="flat" cmpd="sng" algn="ctr">
+                      <a:solidFill>
+                        <a:srgbClr val="E3E3E3"/>
+                      </a:solidFill>
+                      <a:prstDash val="solid"/>
+                      <a:round/>
+                      <a:headEnd type="none" w="med" len="med"/>
+                      <a:tailEnd type="none" w="med" len="med"/>
+                    </a:lnT>
+                    <a:lnB w="4763" cap="flat" cmpd="sng" algn="ctr">
+                      <a:solidFill>
+                        <a:srgbClr val="E3E3E3"/>
+                      </a:solidFill>
+                      <a:prstDash val="solid"/>
+                      <a:round/>
+                      <a:headEnd type="none" w="med" len="med"/>
+                      <a:tailEnd type="none" w="med" len="med"/>
+                    </a:lnB>
+                    <a:solidFill>
+                      <a:srgbClr val="FFFFFF"/>
+                    </a:solidFill>
+                  </a:tcPr>
+                </a:tc>
+                <a:extLst>
+                  <a:ext uri="{0D108BD9-81ED-4DB2-BD59-A6C34878D82A}">
+                    <a16:rowId xmlns:a16="http://schemas.microsoft.com/office/drawing/2014/main" val="2492561867"/>
+                  </a:ext>
+                </a:extLst>
+              </a:tr>
+              <a:tr h="375589">
+                <a:tc>
+                  <a:txBody>
+                    <a:bodyPr/>
+                    <a:lstStyle/>
+                    <a:p>
+                      <a:pPr fontAlgn="t"/>
+                      <a:r>
+                        <a:rPr lang="en-CA" sz="1800">
+                          <a:effectLst/>
+                          <a:latin typeface="+mn-lt"/>
+                        </a:rPr>
+                        <a:t>Tables</a:t>
+                      </a:r>
+                    </a:p>
+                  </a:txBody>
+                  <a:tcPr marL="30536" marR="30536" marT="22902" marB="22902">
+                    <a:lnL w="12700" cap="flat" cmpd="sng" algn="ctr">
+                      <a:solidFill>
+                        <a:srgbClr val="E3E3E3"/>
+                      </a:solidFill>
+                      <a:prstDash val="solid"/>
+                      <a:round/>
+                      <a:headEnd type="none" w="med" len="med"/>
+                      <a:tailEnd type="none" w="med" len="med"/>
+                    </a:lnL>
+                    <a:lnR w="12700" cap="flat" cmpd="sng" algn="ctr">
+                      <a:solidFill>
+                        <a:srgbClr val="E3E3E3"/>
+                      </a:solidFill>
+                      <a:prstDash val="solid"/>
+                      <a:round/>
+                      <a:headEnd type="none" w="med" len="med"/>
+                      <a:tailEnd type="none" w="med" len="med"/>
+                    </a:lnR>
+                    <a:lnT w="4763" cap="flat" cmpd="sng" algn="ctr">
+                      <a:solidFill>
+                        <a:srgbClr val="E3E3E3"/>
+                      </a:solidFill>
+                      <a:prstDash val="solid"/>
+                      <a:round/>
+                      <a:headEnd type="none" w="med" len="med"/>
+                      <a:tailEnd type="none" w="med" len="med"/>
+                    </a:lnT>
+                    <a:lnB w="4763" cap="flat" cmpd="sng" algn="ctr">
+                      <a:solidFill>
+                        <a:srgbClr val="E3E3E3"/>
+                      </a:solidFill>
+                      <a:prstDash val="solid"/>
+                      <a:round/>
+                      <a:headEnd type="none" w="med" len="med"/>
+                      <a:tailEnd type="none" w="med" len="med"/>
+                    </a:lnB>
+                    <a:solidFill>
+                      <a:srgbClr val="FFFFFF"/>
+                    </a:solidFill>
+                  </a:tcPr>
+                </a:tc>
+                <a:tc>
+                  <a:txBody>
+                    <a:bodyPr/>
+                    <a:lstStyle/>
+                    <a:p>
+                      <a:pPr fontAlgn="t"/>
+                      <a:r>
+                        <a:rPr lang="en-CA" sz="1800">
+                          <a:effectLst/>
+                          <a:latin typeface="+mn-lt"/>
+                        </a:rPr>
+                        <a:t>Azure Storage</a:t>
+                      </a:r>
+                    </a:p>
+                  </a:txBody>
+                  <a:tcPr marL="30536" marR="30536" marT="22902" marB="22902">
+                    <a:lnL w="12700" cap="flat" cmpd="sng" algn="ctr">
+                      <a:solidFill>
+                        <a:srgbClr val="E3E3E3"/>
+                      </a:solidFill>
+                      <a:prstDash val="solid"/>
+                      <a:round/>
+                      <a:headEnd type="none" w="med" len="med"/>
+                      <a:tailEnd type="none" w="med" len="med"/>
+                    </a:lnL>
+                    <a:lnR w="12700" cap="flat" cmpd="sng" algn="ctr">
+                      <a:solidFill>
+                        <a:srgbClr val="E3E3E3"/>
+                      </a:solidFill>
+                      <a:prstDash val="solid"/>
+                      <a:round/>
+                      <a:headEnd type="none" w="med" len="med"/>
+                      <a:tailEnd type="none" w="med" len="med"/>
+                    </a:lnR>
+                    <a:lnT w="4763" cap="flat" cmpd="sng" algn="ctr">
+                      <a:solidFill>
+                        <a:srgbClr val="E3E3E3"/>
+                      </a:solidFill>
+                      <a:prstDash val="solid"/>
+                      <a:round/>
+                      <a:headEnd type="none" w="med" len="med"/>
+                      <a:tailEnd type="none" w="med" len="med"/>
+                    </a:lnT>
+                    <a:lnB w="4763" cap="flat" cmpd="sng" algn="ctr">
+                      <a:solidFill>
+                        <a:srgbClr val="E3E3E3"/>
+                      </a:solidFill>
+                      <a:prstDash val="solid"/>
+                      <a:round/>
+                      <a:headEnd type="none" w="med" len="med"/>
+                      <a:tailEnd type="none" w="med" len="med"/>
+                    </a:lnB>
+                    <a:solidFill>
+                      <a:srgbClr val="FFFFFF"/>
+                    </a:solidFill>
+                  </a:tcPr>
+                </a:tc>
+                <a:tc>
+                  <a:txBody>
+                    <a:bodyPr/>
+                    <a:lstStyle/>
+                    <a:p>
+                      <a:pPr algn="ctr" fontAlgn="t"/>
+                      <a:endParaRPr lang="en-CA" sz="1800">
+                        <a:effectLst/>
+                        <a:latin typeface="+mn-lt"/>
+                      </a:endParaRPr>
+                    </a:p>
+                  </a:txBody>
+                  <a:tcPr marL="30536" marR="30536" marT="22902" marB="22902">
+                    <a:lnL w="12700" cap="flat" cmpd="sng" algn="ctr">
+                      <a:solidFill>
+                        <a:srgbClr val="E3E3E3"/>
+                      </a:solidFill>
+                      <a:prstDash val="solid"/>
+                      <a:round/>
+                      <a:headEnd type="none" w="med" len="med"/>
+                      <a:tailEnd type="none" w="med" len="med"/>
+                    </a:lnL>
+                    <a:lnR w="12700" cap="flat" cmpd="sng" algn="ctr">
+                      <a:solidFill>
+                        <a:srgbClr val="E3E3E3"/>
+                      </a:solidFill>
+                      <a:prstDash val="solid"/>
+                      <a:round/>
+                      <a:headEnd type="none" w="med" len="med"/>
+                      <a:tailEnd type="none" w="med" len="med"/>
+                    </a:lnR>
+                    <a:lnT w="4763" cap="flat" cmpd="sng" algn="ctr">
+                      <a:solidFill>
+                        <a:srgbClr val="E3E3E3"/>
+                      </a:solidFill>
+                      <a:prstDash val="solid"/>
+                      <a:round/>
+                      <a:headEnd type="none" w="med" len="med"/>
+                      <a:tailEnd type="none" w="med" len="med"/>
+                    </a:lnT>
+                    <a:lnB w="4763" cap="flat" cmpd="sng" algn="ctr">
+                      <a:solidFill>
+                        <a:srgbClr val="E3E3E3"/>
+                      </a:solidFill>
+                      <a:prstDash val="solid"/>
+                      <a:round/>
+                      <a:headEnd type="none" w="med" len="med"/>
+                      <a:tailEnd type="none" w="med" len="med"/>
+                    </a:lnB>
+                    <a:solidFill>
+                      <a:srgbClr val="FFFFFF"/>
+                    </a:solidFill>
+                  </a:tcPr>
+                </a:tc>
+                <a:tc>
+                  <a:txBody>
+                    <a:bodyPr/>
+                    <a:lstStyle/>
+                    <a:p>
+                      <a:pPr algn="ctr" fontAlgn="t"/>
+                      <a:r>
+                        <a:rPr lang="en-CA" sz="1800" dirty="0">
+                          <a:effectLst/>
+                          <a:latin typeface="+mn-lt"/>
+                        </a:rPr>
+                        <a:t>✔</a:t>
+                      </a:r>
+                    </a:p>
+                  </a:txBody>
+                  <a:tcPr marL="30536" marR="30536" marT="22902" marB="22902">
+                    <a:lnL w="12700" cap="flat" cmpd="sng" algn="ctr">
+                      <a:solidFill>
+                        <a:srgbClr val="E3E3E3"/>
+                      </a:solidFill>
+                      <a:prstDash val="solid"/>
+                      <a:round/>
+                      <a:headEnd type="none" w="med" len="med"/>
+                      <a:tailEnd type="none" w="med" len="med"/>
+                    </a:lnL>
+                    <a:lnR w="12700" cap="flat" cmpd="sng" algn="ctr">
+                      <a:solidFill>
+                        <a:srgbClr val="E3E3E3"/>
+                      </a:solidFill>
+                      <a:prstDash val="solid"/>
+                      <a:round/>
+                      <a:headEnd type="none" w="med" len="med"/>
+                      <a:tailEnd type="none" w="med" len="med"/>
+                    </a:lnR>
+                    <a:lnT w="4763" cap="flat" cmpd="sng" algn="ctr">
+                      <a:solidFill>
+                        <a:srgbClr val="E3E3E3"/>
+                      </a:solidFill>
+                      <a:prstDash val="solid"/>
+                      <a:round/>
+                      <a:headEnd type="none" w="med" len="med"/>
+                      <a:tailEnd type="none" w="med" len="med"/>
+                    </a:lnT>
+                    <a:lnB w="4763" cap="flat" cmpd="sng" algn="ctr">
+                      <a:solidFill>
+                        <a:srgbClr val="E3E3E3"/>
+                      </a:solidFill>
+                      <a:prstDash val="solid"/>
+                      <a:round/>
+                      <a:headEnd type="none" w="med" len="med"/>
+                      <a:tailEnd type="none" w="med" len="med"/>
+                    </a:lnB>
+                    <a:solidFill>
+                      <a:srgbClr val="FFFFFF"/>
+                    </a:solidFill>
+                  </a:tcPr>
+                </a:tc>
+                <a:tc>
+                  <a:txBody>
+                    <a:bodyPr/>
+                    <a:lstStyle/>
+                    <a:p>
+                      <a:pPr algn="ctr" fontAlgn="t"/>
+                      <a:r>
+                        <a:rPr lang="en-CA" sz="1800">
+                          <a:effectLst/>
+                          <a:latin typeface="+mn-lt"/>
+                        </a:rPr>
+                        <a:t>✔</a:t>
+                      </a:r>
+                    </a:p>
+                  </a:txBody>
+                  <a:tcPr marL="30536" marR="30536" marT="22902" marB="22902">
+                    <a:lnL w="12700" cap="flat" cmpd="sng" algn="ctr">
+                      <a:solidFill>
+                        <a:srgbClr val="E3E3E3"/>
+                      </a:solidFill>
+                      <a:prstDash val="solid"/>
+                      <a:round/>
+                      <a:headEnd type="none" w="med" len="med"/>
+                      <a:tailEnd type="none" w="med" len="med"/>
+                    </a:lnL>
+                    <a:lnR w="12700" cap="flat" cmpd="sng" algn="ctr">
+                      <a:solidFill>
+                        <a:srgbClr val="E3E3E3"/>
+                      </a:solidFill>
+                      <a:prstDash val="solid"/>
+                      <a:round/>
+                      <a:headEnd type="none" w="med" len="med"/>
+                      <a:tailEnd type="none" w="med" len="med"/>
+                    </a:lnR>
+                    <a:lnT w="4763" cap="flat" cmpd="sng" algn="ctr">
+                      <a:solidFill>
+                        <a:srgbClr val="E3E3E3"/>
+                      </a:solidFill>
+                      <a:prstDash val="solid"/>
+                      <a:round/>
+                      <a:headEnd type="none" w="med" len="med"/>
+                      <a:tailEnd type="none" w="med" len="med"/>
+                    </a:lnT>
+                    <a:lnB w="4763" cap="flat" cmpd="sng" algn="ctr">
+                      <a:solidFill>
+                        <a:srgbClr val="E3E3E3"/>
+                      </a:solidFill>
+                      <a:prstDash val="solid"/>
+                      <a:round/>
+                      <a:headEnd type="none" w="med" len="med"/>
+                      <a:tailEnd type="none" w="med" len="med"/>
+                    </a:lnB>
+                    <a:solidFill>
+                      <a:srgbClr val="FFFFFF"/>
+                    </a:solidFill>
+                  </a:tcPr>
+                </a:tc>
+                <a:extLst>
+                  <a:ext uri="{0D108BD9-81ED-4DB2-BD59-A6C34878D82A}">
+                    <a16:rowId xmlns:a16="http://schemas.microsoft.com/office/drawing/2014/main" val="3686956199"/>
+                  </a:ext>
+                </a:extLst>
+              </a:tr>
+              <a:tr h="375589">
+                <a:tc>
+                  <a:txBody>
+                    <a:bodyPr/>
+                    <a:lstStyle/>
+                    <a:p>
+                      <a:pPr fontAlgn="t"/>
+                      <a:r>
+                        <a:rPr lang="en-CA" sz="1800">
+                          <a:effectLst/>
+                          <a:latin typeface="+mn-lt"/>
+                        </a:rPr>
+                        <a:t>Tables</a:t>
+                      </a:r>
+                    </a:p>
+                  </a:txBody>
+                  <a:tcPr marL="30536" marR="30536" marT="22902" marB="22902">
+                    <a:lnL w="12700" cap="flat" cmpd="sng" algn="ctr">
+                      <a:solidFill>
+                        <a:srgbClr val="E3E3E3"/>
+                      </a:solidFill>
+                      <a:prstDash val="solid"/>
+                      <a:round/>
+                      <a:headEnd type="none" w="med" len="med"/>
+                      <a:tailEnd type="none" w="med" len="med"/>
+                    </a:lnL>
+                    <a:lnR w="12700" cap="flat" cmpd="sng" algn="ctr">
+                      <a:solidFill>
+                        <a:srgbClr val="E3E3E3"/>
+                      </a:solidFill>
+                      <a:prstDash val="solid"/>
+                      <a:round/>
+                      <a:headEnd type="none" w="med" len="med"/>
+                      <a:tailEnd type="none" w="med" len="med"/>
+                    </a:lnR>
+                    <a:lnT w="4763" cap="flat" cmpd="sng" algn="ctr">
+                      <a:solidFill>
+                        <a:srgbClr val="E3E3E3"/>
+                      </a:solidFill>
+                      <a:prstDash val="solid"/>
+                      <a:round/>
+                      <a:headEnd type="none" w="med" len="med"/>
+                      <a:tailEnd type="none" w="med" len="med"/>
+                    </a:lnT>
+                    <a:lnB w="4763" cap="flat" cmpd="sng" algn="ctr">
+                      <a:solidFill>
+                        <a:srgbClr val="E3E3E3"/>
+                      </a:solidFill>
+                      <a:prstDash val="solid"/>
+                      <a:round/>
+                      <a:headEnd type="none" w="med" len="med"/>
+                      <a:tailEnd type="none" w="med" len="med"/>
+                    </a:lnB>
+                    <a:solidFill>
+                      <a:srgbClr val="FFFFFF"/>
+                    </a:solidFill>
+                  </a:tcPr>
+                </a:tc>
+                <a:tc>
+                  <a:txBody>
+                    <a:bodyPr/>
+                    <a:lstStyle/>
+                    <a:p>
+                      <a:pPr fontAlgn="t"/>
+                      <a:r>
+                        <a:rPr lang="en-CA" sz="1800">
+                          <a:effectLst/>
+                          <a:latin typeface="+mn-lt"/>
+                        </a:rPr>
+                        <a:t>Azure Mobile Apps</a:t>
+                      </a:r>
+                    </a:p>
+                  </a:txBody>
+                  <a:tcPr marL="30536" marR="30536" marT="22902" marB="22902">
+                    <a:lnL w="12700" cap="flat" cmpd="sng" algn="ctr">
+                      <a:solidFill>
+                        <a:srgbClr val="E3E3E3"/>
+                      </a:solidFill>
+                      <a:prstDash val="solid"/>
+                      <a:round/>
+                      <a:headEnd type="none" w="med" len="med"/>
+                      <a:tailEnd type="none" w="med" len="med"/>
+                    </a:lnL>
+                    <a:lnR w="12700" cap="flat" cmpd="sng" algn="ctr">
+                      <a:solidFill>
+                        <a:srgbClr val="E3E3E3"/>
+                      </a:solidFill>
+                      <a:prstDash val="solid"/>
+                      <a:round/>
+                      <a:headEnd type="none" w="med" len="med"/>
+                      <a:tailEnd type="none" w="med" len="med"/>
+                    </a:lnR>
+                    <a:lnT w="4763" cap="flat" cmpd="sng" algn="ctr">
+                      <a:solidFill>
+                        <a:srgbClr val="E3E3E3"/>
+                      </a:solidFill>
+                      <a:prstDash val="solid"/>
+                      <a:round/>
+                      <a:headEnd type="none" w="med" len="med"/>
+                      <a:tailEnd type="none" w="med" len="med"/>
+                    </a:lnT>
+                    <a:lnB w="4763" cap="flat" cmpd="sng" algn="ctr">
+                      <a:solidFill>
+                        <a:srgbClr val="E3E3E3"/>
+                      </a:solidFill>
+                      <a:prstDash val="solid"/>
+                      <a:round/>
+                      <a:headEnd type="none" w="med" len="med"/>
+                      <a:tailEnd type="none" w="med" len="med"/>
+                    </a:lnB>
+                    <a:solidFill>
+                      <a:srgbClr val="FFFFFF"/>
+                    </a:solidFill>
+                  </a:tcPr>
+                </a:tc>
+                <a:tc>
+                  <a:txBody>
+                    <a:bodyPr/>
+                    <a:lstStyle/>
+                    <a:p>
+                      <a:pPr algn="ctr" fontAlgn="t"/>
+                      <a:endParaRPr lang="en-CA" sz="1800">
+                        <a:effectLst/>
+                        <a:latin typeface="+mn-lt"/>
+                      </a:endParaRPr>
+                    </a:p>
+                  </a:txBody>
+                  <a:tcPr marL="30536" marR="30536" marT="22902" marB="22902">
+                    <a:lnL w="12700" cap="flat" cmpd="sng" algn="ctr">
+                      <a:solidFill>
+                        <a:srgbClr val="E3E3E3"/>
+                      </a:solidFill>
+                      <a:prstDash val="solid"/>
+                      <a:round/>
+                      <a:headEnd type="none" w="med" len="med"/>
+                      <a:tailEnd type="none" w="med" len="med"/>
+                    </a:lnL>
+                    <a:lnR w="12700" cap="flat" cmpd="sng" algn="ctr">
+                      <a:solidFill>
+                        <a:srgbClr val="E3E3E3"/>
+                      </a:solidFill>
+                      <a:prstDash val="solid"/>
+                      <a:round/>
+                      <a:headEnd type="none" w="med" len="med"/>
+                      <a:tailEnd type="none" w="med" len="med"/>
+                    </a:lnR>
+                    <a:lnT w="4763" cap="flat" cmpd="sng" algn="ctr">
+                      <a:solidFill>
+                        <a:srgbClr val="E3E3E3"/>
+                      </a:solidFill>
+                      <a:prstDash val="solid"/>
+                      <a:round/>
+                      <a:headEnd type="none" w="med" len="med"/>
+                      <a:tailEnd type="none" w="med" len="med"/>
+                    </a:lnT>
+                    <a:lnB w="4763" cap="flat" cmpd="sng" algn="ctr">
+                      <a:solidFill>
+                        <a:srgbClr val="E3E3E3"/>
+                      </a:solidFill>
+                      <a:prstDash val="solid"/>
+                      <a:round/>
+                      <a:headEnd type="none" w="med" len="med"/>
+                      <a:tailEnd type="none" w="med" len="med"/>
+                    </a:lnB>
+                    <a:solidFill>
+                      <a:srgbClr val="FFFFFF"/>
+                    </a:solidFill>
+                  </a:tcPr>
+                </a:tc>
+                <a:tc>
+                  <a:txBody>
+                    <a:bodyPr/>
+                    <a:lstStyle/>
+                    <a:p>
+                      <a:pPr algn="ctr" fontAlgn="t"/>
+                      <a:r>
+                        <a:rPr lang="en-CA" sz="1800" dirty="0">
+                          <a:effectLst/>
+                          <a:latin typeface="+mn-lt"/>
+                        </a:rPr>
+                        <a:t>✔</a:t>
+                      </a:r>
+                    </a:p>
+                  </a:txBody>
+                  <a:tcPr marL="30536" marR="30536" marT="22902" marB="22902">
+                    <a:lnL w="12700" cap="flat" cmpd="sng" algn="ctr">
+                      <a:solidFill>
+                        <a:srgbClr val="E3E3E3"/>
+                      </a:solidFill>
+                      <a:prstDash val="solid"/>
+                      <a:round/>
+                      <a:headEnd type="none" w="med" len="med"/>
+                      <a:tailEnd type="none" w="med" len="med"/>
+                    </a:lnL>
+                    <a:lnR w="12700" cap="flat" cmpd="sng" algn="ctr">
+                      <a:solidFill>
+                        <a:srgbClr val="E3E3E3"/>
+                      </a:solidFill>
+                      <a:prstDash val="solid"/>
+                      <a:round/>
+                      <a:headEnd type="none" w="med" len="med"/>
+                      <a:tailEnd type="none" w="med" len="med"/>
+                    </a:lnR>
+                    <a:lnT w="4763" cap="flat" cmpd="sng" algn="ctr">
+                      <a:solidFill>
+                        <a:srgbClr val="E3E3E3"/>
+                      </a:solidFill>
+                      <a:prstDash val="solid"/>
+                      <a:round/>
+                      <a:headEnd type="none" w="med" len="med"/>
+                      <a:tailEnd type="none" w="med" len="med"/>
+                    </a:lnT>
+                    <a:lnB w="4763" cap="flat" cmpd="sng" algn="ctr">
+                      <a:solidFill>
+                        <a:srgbClr val="E3E3E3"/>
+                      </a:solidFill>
+                      <a:prstDash val="solid"/>
+                      <a:round/>
+                      <a:headEnd type="none" w="med" len="med"/>
+                      <a:tailEnd type="none" w="med" len="med"/>
+                    </a:lnB>
+                    <a:solidFill>
+                      <a:srgbClr val="FFFFFF"/>
+                    </a:solidFill>
+                  </a:tcPr>
+                </a:tc>
+                <a:tc>
+                  <a:txBody>
+                    <a:bodyPr/>
+                    <a:lstStyle/>
+                    <a:p>
+                      <a:pPr algn="ctr" fontAlgn="t"/>
+                      <a:r>
+                        <a:rPr lang="en-CA" sz="1800">
+                          <a:effectLst/>
+                          <a:latin typeface="+mn-lt"/>
+                        </a:rPr>
+                        <a:t>✔</a:t>
+                      </a:r>
+                    </a:p>
+                  </a:txBody>
+                  <a:tcPr marL="30536" marR="30536" marT="22902" marB="22902">
+                    <a:lnL w="12700" cap="flat" cmpd="sng" algn="ctr">
+                      <a:solidFill>
+                        <a:srgbClr val="E3E3E3"/>
+                      </a:solidFill>
+                      <a:prstDash val="solid"/>
+                      <a:round/>
+                      <a:headEnd type="none" w="med" len="med"/>
+                      <a:tailEnd type="none" w="med" len="med"/>
+                    </a:lnL>
+                    <a:lnR w="12700" cap="flat" cmpd="sng" algn="ctr">
+                      <a:solidFill>
+                        <a:srgbClr val="E3E3E3"/>
+                      </a:solidFill>
+                      <a:prstDash val="solid"/>
+                      <a:round/>
+                      <a:headEnd type="none" w="med" len="med"/>
+                      <a:tailEnd type="none" w="med" len="med"/>
+                    </a:lnR>
+                    <a:lnT w="4763" cap="flat" cmpd="sng" algn="ctr">
+                      <a:solidFill>
+                        <a:srgbClr val="E3E3E3"/>
+                      </a:solidFill>
+                      <a:prstDash val="solid"/>
+                      <a:round/>
+                      <a:headEnd type="none" w="med" len="med"/>
+                      <a:tailEnd type="none" w="med" len="med"/>
+                    </a:lnT>
+                    <a:lnB w="4763" cap="flat" cmpd="sng" algn="ctr">
+                      <a:solidFill>
+                        <a:srgbClr val="E3E3E3"/>
+                      </a:solidFill>
+                      <a:prstDash val="solid"/>
+                      <a:round/>
+                      <a:headEnd type="none" w="med" len="med"/>
+                      <a:tailEnd type="none" w="med" len="med"/>
+                    </a:lnB>
+                    <a:solidFill>
+                      <a:srgbClr val="FFFFFF"/>
+                    </a:solidFill>
+                  </a:tcPr>
+                </a:tc>
+                <a:extLst>
+                  <a:ext uri="{0D108BD9-81ED-4DB2-BD59-A6C34878D82A}">
+                    <a16:rowId xmlns:a16="http://schemas.microsoft.com/office/drawing/2014/main" val="91242444"/>
+                  </a:ext>
+                </a:extLst>
+              </a:tr>
+              <a:tr h="375589">
+                <a:tc>
+                  <a:txBody>
+                    <a:bodyPr/>
+                    <a:lstStyle/>
+                    <a:p>
+                      <a:pPr fontAlgn="t"/>
+                      <a:r>
+                        <a:rPr lang="en-CA" sz="1800">
+                          <a:effectLst/>
+                          <a:latin typeface="+mn-lt"/>
+                        </a:rPr>
+                        <a:t>No-SQL DB</a:t>
+                      </a:r>
+                    </a:p>
+                  </a:txBody>
+                  <a:tcPr marL="30536" marR="30536" marT="22902" marB="22902">
+                    <a:lnL w="12700" cap="flat" cmpd="sng" algn="ctr">
+                      <a:solidFill>
+                        <a:srgbClr val="E3E3E3"/>
+                      </a:solidFill>
+                      <a:prstDash val="solid"/>
+                      <a:round/>
+                      <a:headEnd type="none" w="med" len="med"/>
+                      <a:tailEnd type="none" w="med" len="med"/>
+                    </a:lnL>
+                    <a:lnR w="12700" cap="flat" cmpd="sng" algn="ctr">
+                      <a:solidFill>
+                        <a:srgbClr val="E3E3E3"/>
+                      </a:solidFill>
+                      <a:prstDash val="solid"/>
+                      <a:round/>
+                      <a:headEnd type="none" w="med" len="med"/>
+                      <a:tailEnd type="none" w="med" len="med"/>
+                    </a:lnR>
+                    <a:lnT w="4763" cap="flat" cmpd="sng" algn="ctr">
+                      <a:solidFill>
+                        <a:srgbClr val="E3E3E3"/>
+                      </a:solidFill>
+                      <a:prstDash val="solid"/>
+                      <a:round/>
+                      <a:headEnd type="none" w="med" len="med"/>
+                      <a:tailEnd type="none" w="med" len="med"/>
+                    </a:lnT>
+                    <a:lnB w="4763" cap="flat" cmpd="sng" algn="ctr">
+                      <a:solidFill>
+                        <a:srgbClr val="E3E3E3"/>
+                      </a:solidFill>
+                      <a:prstDash val="solid"/>
+                      <a:round/>
+                      <a:headEnd type="none" w="med" len="med"/>
+                      <a:tailEnd type="none" w="med" len="med"/>
+                    </a:lnB>
+                    <a:solidFill>
+                      <a:srgbClr val="FFFFFF"/>
+                    </a:solidFill>
+                  </a:tcPr>
+                </a:tc>
+                <a:tc>
+                  <a:txBody>
+                    <a:bodyPr/>
+                    <a:lstStyle/>
+                    <a:p>
+                      <a:pPr fontAlgn="t"/>
+                      <a:r>
+                        <a:rPr lang="en-CA" sz="1800">
+                          <a:effectLst/>
+                          <a:latin typeface="+mn-lt"/>
+                        </a:rPr>
+                        <a:t>Azure DocumentDB</a:t>
+                      </a:r>
+                    </a:p>
+                  </a:txBody>
+                  <a:tcPr marL="30536" marR="30536" marT="22902" marB="22902">
+                    <a:lnL w="12700" cap="flat" cmpd="sng" algn="ctr">
+                      <a:solidFill>
+                        <a:srgbClr val="E3E3E3"/>
+                      </a:solidFill>
+                      <a:prstDash val="solid"/>
+                      <a:round/>
+                      <a:headEnd type="none" w="med" len="med"/>
+                      <a:tailEnd type="none" w="med" len="med"/>
+                    </a:lnL>
+                    <a:lnR w="12700" cap="flat" cmpd="sng" algn="ctr">
+                      <a:solidFill>
+                        <a:srgbClr val="E3E3E3"/>
+                      </a:solidFill>
+                      <a:prstDash val="solid"/>
+                      <a:round/>
+                      <a:headEnd type="none" w="med" len="med"/>
+                      <a:tailEnd type="none" w="med" len="med"/>
+                    </a:lnR>
+                    <a:lnT w="4763" cap="flat" cmpd="sng" algn="ctr">
+                      <a:solidFill>
+                        <a:srgbClr val="E3E3E3"/>
+                      </a:solidFill>
+                      <a:prstDash val="solid"/>
+                      <a:round/>
+                      <a:headEnd type="none" w="med" len="med"/>
+                      <a:tailEnd type="none" w="med" len="med"/>
+                    </a:lnT>
+                    <a:lnB w="4763" cap="flat" cmpd="sng" algn="ctr">
+                      <a:solidFill>
+                        <a:srgbClr val="E3E3E3"/>
+                      </a:solidFill>
+                      <a:prstDash val="solid"/>
+                      <a:round/>
+                      <a:headEnd type="none" w="med" len="med"/>
+                      <a:tailEnd type="none" w="med" len="med"/>
+                    </a:lnB>
+                    <a:solidFill>
+                      <a:srgbClr val="FFFFFF"/>
+                    </a:solidFill>
+                  </a:tcPr>
+                </a:tc>
+                <a:tc>
+                  <a:txBody>
+                    <a:bodyPr/>
+                    <a:lstStyle/>
+                    <a:p>
+                      <a:pPr algn="ctr" fontAlgn="t"/>
+                      <a:endParaRPr lang="en-CA" sz="1800">
+                        <a:effectLst/>
+                        <a:latin typeface="+mn-lt"/>
+                      </a:endParaRPr>
+                    </a:p>
+                  </a:txBody>
+                  <a:tcPr marL="30536" marR="30536" marT="22902" marB="22902">
+                    <a:lnL w="12700" cap="flat" cmpd="sng" algn="ctr">
+                      <a:solidFill>
+                        <a:srgbClr val="E3E3E3"/>
+                      </a:solidFill>
+                      <a:prstDash val="solid"/>
+                      <a:round/>
+                      <a:headEnd type="none" w="med" len="med"/>
+                      <a:tailEnd type="none" w="med" len="med"/>
+                    </a:lnL>
+                    <a:lnR w="12700" cap="flat" cmpd="sng" algn="ctr">
+                      <a:solidFill>
+                        <a:srgbClr val="E3E3E3"/>
+                      </a:solidFill>
+                      <a:prstDash val="solid"/>
+                      <a:round/>
+                      <a:headEnd type="none" w="med" len="med"/>
+                      <a:tailEnd type="none" w="med" len="med"/>
+                    </a:lnR>
+                    <a:lnT w="4763" cap="flat" cmpd="sng" algn="ctr">
+                      <a:solidFill>
+                        <a:srgbClr val="E3E3E3"/>
+                      </a:solidFill>
+                      <a:prstDash val="solid"/>
+                      <a:round/>
+                      <a:headEnd type="none" w="med" len="med"/>
+                      <a:tailEnd type="none" w="med" len="med"/>
+                    </a:lnT>
+                    <a:lnB w="4763" cap="flat" cmpd="sng" algn="ctr">
+                      <a:solidFill>
+                        <a:srgbClr val="E3E3E3"/>
+                      </a:solidFill>
+                      <a:prstDash val="solid"/>
+                      <a:round/>
+                      <a:headEnd type="none" w="med" len="med"/>
+                      <a:tailEnd type="none" w="med" len="med"/>
+                    </a:lnB>
+                    <a:solidFill>
+                      <a:srgbClr val="FFFFFF"/>
+                    </a:solidFill>
+                  </a:tcPr>
+                </a:tc>
+                <a:tc>
+                  <a:txBody>
+                    <a:bodyPr/>
+                    <a:lstStyle/>
+                    <a:p>
+                      <a:pPr algn="ctr" fontAlgn="t"/>
+                      <a:r>
+                        <a:rPr lang="en-CA" sz="1800" dirty="0">
+                          <a:effectLst/>
+                          <a:latin typeface="+mn-lt"/>
+                        </a:rPr>
+                        <a:t>✔</a:t>
+                      </a:r>
+                    </a:p>
+                  </a:txBody>
+                  <a:tcPr marL="30536" marR="30536" marT="22902" marB="22902">
+                    <a:lnL w="12700" cap="flat" cmpd="sng" algn="ctr">
+                      <a:solidFill>
+                        <a:srgbClr val="E3E3E3"/>
+                      </a:solidFill>
+                      <a:prstDash val="solid"/>
+                      <a:round/>
+                      <a:headEnd type="none" w="med" len="med"/>
+                      <a:tailEnd type="none" w="med" len="med"/>
+                    </a:lnL>
+                    <a:lnR w="12700" cap="flat" cmpd="sng" algn="ctr">
+                      <a:solidFill>
+                        <a:srgbClr val="E3E3E3"/>
+                      </a:solidFill>
+                      <a:prstDash val="solid"/>
+                      <a:round/>
+                      <a:headEnd type="none" w="med" len="med"/>
+                      <a:tailEnd type="none" w="med" len="med"/>
+                    </a:lnR>
+                    <a:lnT w="4763" cap="flat" cmpd="sng" algn="ctr">
+                      <a:solidFill>
+                        <a:srgbClr val="E3E3E3"/>
+                      </a:solidFill>
+                      <a:prstDash val="solid"/>
+                      <a:round/>
+                      <a:headEnd type="none" w="med" len="med"/>
+                      <a:tailEnd type="none" w="med" len="med"/>
+                    </a:lnT>
+                    <a:lnB w="4763" cap="flat" cmpd="sng" algn="ctr">
+                      <a:solidFill>
+                        <a:srgbClr val="E3E3E3"/>
+                      </a:solidFill>
+                      <a:prstDash val="solid"/>
+                      <a:round/>
+                      <a:headEnd type="none" w="med" len="med"/>
+                      <a:tailEnd type="none" w="med" len="med"/>
+                    </a:lnB>
+                    <a:solidFill>
+                      <a:srgbClr val="FFFFFF"/>
+                    </a:solidFill>
+                  </a:tcPr>
+                </a:tc>
+                <a:tc>
+                  <a:txBody>
+                    <a:bodyPr/>
+                    <a:lstStyle/>
+                    <a:p>
+                      <a:pPr algn="ctr" fontAlgn="t"/>
+                      <a:r>
+                        <a:rPr lang="en-CA" sz="1800">
+                          <a:effectLst/>
+                          <a:latin typeface="+mn-lt"/>
+                        </a:rPr>
+                        <a:t>✔</a:t>
+                      </a:r>
+                    </a:p>
+                  </a:txBody>
+                  <a:tcPr marL="30536" marR="30536" marT="22902" marB="22902">
+                    <a:lnL w="12700" cap="flat" cmpd="sng" algn="ctr">
+                      <a:solidFill>
+                        <a:srgbClr val="E3E3E3"/>
+                      </a:solidFill>
+                      <a:prstDash val="solid"/>
+                      <a:round/>
+                      <a:headEnd type="none" w="med" len="med"/>
+                      <a:tailEnd type="none" w="med" len="med"/>
+                    </a:lnL>
+                    <a:lnR w="12700" cap="flat" cmpd="sng" algn="ctr">
+                      <a:solidFill>
+                        <a:srgbClr val="E3E3E3"/>
+                      </a:solidFill>
+                      <a:prstDash val="solid"/>
+                      <a:round/>
+                      <a:headEnd type="none" w="med" len="med"/>
+                      <a:tailEnd type="none" w="med" len="med"/>
+                    </a:lnR>
+                    <a:lnT w="4763" cap="flat" cmpd="sng" algn="ctr">
+                      <a:solidFill>
+                        <a:srgbClr val="E3E3E3"/>
+                      </a:solidFill>
+                      <a:prstDash val="solid"/>
+                      <a:round/>
+                      <a:headEnd type="none" w="med" len="med"/>
+                      <a:tailEnd type="none" w="med" len="med"/>
+                    </a:lnT>
+                    <a:lnB w="4763" cap="flat" cmpd="sng" algn="ctr">
+                      <a:solidFill>
+                        <a:srgbClr val="E3E3E3"/>
+                      </a:solidFill>
+                      <a:prstDash val="solid"/>
+                      <a:round/>
+                      <a:headEnd type="none" w="med" len="med"/>
+                      <a:tailEnd type="none" w="med" len="med"/>
+                    </a:lnB>
+                    <a:solidFill>
+                      <a:srgbClr val="FFFFFF"/>
+                    </a:solidFill>
+                  </a:tcPr>
+                </a:tc>
+                <a:extLst>
+                  <a:ext uri="{0D108BD9-81ED-4DB2-BD59-A6C34878D82A}">
+                    <a16:rowId xmlns:a16="http://schemas.microsoft.com/office/drawing/2014/main" val="211821463"/>
+                  </a:ext>
+                </a:extLst>
+              </a:tr>
+              <a:tr h="414943">
+                <a:tc>
+                  <a:txBody>
+                    <a:bodyPr/>
+                    <a:lstStyle/>
+                    <a:p>
+                      <a:pPr fontAlgn="t"/>
+                      <a:r>
+                        <a:rPr lang="en-CA" sz="1800">
+                          <a:effectLst/>
+                          <a:latin typeface="+mn-lt"/>
+                        </a:rPr>
+                        <a:t>Push Notifications</a:t>
+                      </a:r>
+                    </a:p>
+                  </a:txBody>
+                  <a:tcPr marL="30536" marR="30536" marT="22902" marB="22902">
+                    <a:lnL w="12700" cap="flat" cmpd="sng" algn="ctr">
+                      <a:solidFill>
+                        <a:srgbClr val="E3E3E3"/>
+                      </a:solidFill>
+                      <a:prstDash val="solid"/>
+                      <a:round/>
+                      <a:headEnd type="none" w="med" len="med"/>
+                      <a:tailEnd type="none" w="med" len="med"/>
+                    </a:lnL>
+                    <a:lnR w="12700" cap="flat" cmpd="sng" algn="ctr">
+                      <a:solidFill>
+                        <a:srgbClr val="E3E3E3"/>
+                      </a:solidFill>
+                      <a:prstDash val="solid"/>
+                      <a:round/>
+                      <a:headEnd type="none" w="med" len="med"/>
+                      <a:tailEnd type="none" w="med" len="med"/>
+                    </a:lnR>
+                    <a:lnT w="4763" cap="flat" cmpd="sng" algn="ctr">
+                      <a:solidFill>
+                        <a:srgbClr val="E3E3E3"/>
+                      </a:solidFill>
+                      <a:prstDash val="solid"/>
+                      <a:round/>
+                      <a:headEnd type="none" w="med" len="med"/>
+                      <a:tailEnd type="none" w="med" len="med"/>
+                    </a:lnT>
+                    <a:lnB w="4763" cap="flat" cmpd="sng" algn="ctr">
+                      <a:solidFill>
+                        <a:srgbClr val="E3E3E3"/>
+                      </a:solidFill>
+                      <a:prstDash val="solid"/>
+                      <a:round/>
+                      <a:headEnd type="none" w="med" len="med"/>
+                      <a:tailEnd type="none" w="med" len="med"/>
+                    </a:lnB>
+                    <a:solidFill>
+                      <a:srgbClr val="FFFFFF"/>
+                    </a:solidFill>
+                  </a:tcPr>
+                </a:tc>
+                <a:tc>
+                  <a:txBody>
+                    <a:bodyPr/>
+                    <a:lstStyle/>
+                    <a:p>
+                      <a:pPr fontAlgn="t"/>
+                      <a:r>
+                        <a:rPr lang="en-CA" sz="1800">
+                          <a:effectLst/>
+                          <a:latin typeface="+mn-lt"/>
+                        </a:rPr>
+                        <a:t>Azure Notification Hubs</a:t>
+                      </a:r>
+                    </a:p>
+                  </a:txBody>
+                  <a:tcPr marL="30536" marR="30536" marT="22902" marB="22902">
+                    <a:lnL w="12700" cap="flat" cmpd="sng" algn="ctr">
+                      <a:solidFill>
+                        <a:srgbClr val="E3E3E3"/>
+                      </a:solidFill>
+                      <a:prstDash val="solid"/>
+                      <a:round/>
+                      <a:headEnd type="none" w="med" len="med"/>
+                      <a:tailEnd type="none" w="med" len="med"/>
+                    </a:lnL>
+                    <a:lnR w="12700" cap="flat" cmpd="sng" algn="ctr">
+                      <a:solidFill>
+                        <a:srgbClr val="E3E3E3"/>
+                      </a:solidFill>
+                      <a:prstDash val="solid"/>
+                      <a:round/>
+                      <a:headEnd type="none" w="med" len="med"/>
+                      <a:tailEnd type="none" w="med" len="med"/>
+                    </a:lnR>
+                    <a:lnT w="4763" cap="flat" cmpd="sng" algn="ctr">
+                      <a:solidFill>
+                        <a:srgbClr val="E3E3E3"/>
+                      </a:solidFill>
+                      <a:prstDash val="solid"/>
+                      <a:round/>
+                      <a:headEnd type="none" w="med" len="med"/>
+                      <a:tailEnd type="none" w="med" len="med"/>
+                    </a:lnT>
+                    <a:lnB w="4763" cap="flat" cmpd="sng" algn="ctr">
+                      <a:solidFill>
+                        <a:srgbClr val="E3E3E3"/>
+                      </a:solidFill>
+                      <a:prstDash val="solid"/>
+                      <a:round/>
+                      <a:headEnd type="none" w="med" len="med"/>
+                      <a:tailEnd type="none" w="med" len="med"/>
+                    </a:lnB>
+                    <a:solidFill>
+                      <a:srgbClr val="FFFFFF"/>
+                    </a:solidFill>
+                  </a:tcPr>
+                </a:tc>
+                <a:tc>
+                  <a:txBody>
+                    <a:bodyPr/>
+                    <a:lstStyle/>
+                    <a:p>
+                      <a:pPr algn="ctr" fontAlgn="t"/>
+                      <a:endParaRPr lang="en-CA" sz="1800">
+                        <a:effectLst/>
+                        <a:latin typeface="+mn-lt"/>
+                      </a:endParaRPr>
+                    </a:p>
+                  </a:txBody>
+                  <a:tcPr marL="30536" marR="30536" marT="22902" marB="22902">
+                    <a:lnL w="12700" cap="flat" cmpd="sng" algn="ctr">
+                      <a:solidFill>
+                        <a:srgbClr val="E3E3E3"/>
+                      </a:solidFill>
+                      <a:prstDash val="solid"/>
+                      <a:round/>
+                      <a:headEnd type="none" w="med" len="med"/>
+                      <a:tailEnd type="none" w="med" len="med"/>
+                    </a:lnL>
+                    <a:lnR w="12700" cap="flat" cmpd="sng" algn="ctr">
+                      <a:solidFill>
+                        <a:srgbClr val="E3E3E3"/>
+                      </a:solidFill>
+                      <a:prstDash val="solid"/>
+                      <a:round/>
+                      <a:headEnd type="none" w="med" len="med"/>
+                      <a:tailEnd type="none" w="med" len="med"/>
+                    </a:lnR>
+                    <a:lnT w="4763" cap="flat" cmpd="sng" algn="ctr">
+                      <a:solidFill>
+                        <a:srgbClr val="E3E3E3"/>
+                      </a:solidFill>
+                      <a:prstDash val="solid"/>
+                      <a:round/>
+                      <a:headEnd type="none" w="med" len="med"/>
+                      <a:tailEnd type="none" w="med" len="med"/>
+                    </a:lnT>
+                    <a:lnB w="4763" cap="flat" cmpd="sng" algn="ctr">
+                      <a:solidFill>
+                        <a:srgbClr val="E3E3E3"/>
+                      </a:solidFill>
+                      <a:prstDash val="solid"/>
+                      <a:round/>
+                      <a:headEnd type="none" w="med" len="med"/>
+                      <a:tailEnd type="none" w="med" len="med"/>
+                    </a:lnB>
+                    <a:solidFill>
+                      <a:srgbClr val="FFFFFF"/>
+                    </a:solidFill>
+                  </a:tcPr>
+                </a:tc>
+                <a:tc>
+                  <a:txBody>
+                    <a:bodyPr/>
+                    <a:lstStyle/>
+                    <a:p>
+                      <a:pPr algn="ctr" fontAlgn="t"/>
+                      <a:endParaRPr lang="en-CA" sz="1800" dirty="0">
+                        <a:effectLst/>
+                        <a:latin typeface="+mn-lt"/>
+                      </a:endParaRPr>
+                    </a:p>
+                  </a:txBody>
+                  <a:tcPr marL="30536" marR="30536" marT="22902" marB="22902">
+                    <a:lnL w="12700" cap="flat" cmpd="sng" algn="ctr">
+                      <a:solidFill>
+                        <a:srgbClr val="E3E3E3"/>
+                      </a:solidFill>
+                      <a:prstDash val="solid"/>
+                      <a:round/>
+                      <a:headEnd type="none" w="med" len="med"/>
+                      <a:tailEnd type="none" w="med" len="med"/>
+                    </a:lnL>
+                    <a:lnR w="12700" cap="flat" cmpd="sng" algn="ctr">
+                      <a:solidFill>
+                        <a:srgbClr val="E3E3E3"/>
+                      </a:solidFill>
+                      <a:prstDash val="solid"/>
+                      <a:round/>
+                      <a:headEnd type="none" w="med" len="med"/>
+                      <a:tailEnd type="none" w="med" len="med"/>
+                    </a:lnR>
+                    <a:lnT w="4763" cap="flat" cmpd="sng" algn="ctr">
+                      <a:solidFill>
+                        <a:srgbClr val="E3E3E3"/>
+                      </a:solidFill>
+                      <a:prstDash val="solid"/>
+                      <a:round/>
+                      <a:headEnd type="none" w="med" len="med"/>
+                      <a:tailEnd type="none" w="med" len="med"/>
+                    </a:lnT>
+                    <a:lnB w="4763" cap="flat" cmpd="sng" algn="ctr">
+                      <a:solidFill>
+                        <a:srgbClr val="E3E3E3"/>
+                      </a:solidFill>
+                      <a:prstDash val="solid"/>
+                      <a:round/>
+                      <a:headEnd type="none" w="med" len="med"/>
+                      <a:tailEnd type="none" w="med" len="med"/>
+                    </a:lnB>
+                    <a:solidFill>
+                      <a:srgbClr val="FFFFFF"/>
+                    </a:solidFill>
+                  </a:tcPr>
+                </a:tc>
+                <a:tc>
+                  <a:txBody>
+                    <a:bodyPr/>
+                    <a:lstStyle/>
+                    <a:p>
+                      <a:pPr algn="ctr" fontAlgn="t"/>
+                      <a:r>
+                        <a:rPr lang="en-CA" sz="1800" dirty="0">
+                          <a:effectLst/>
+                          <a:latin typeface="+mn-lt"/>
+                        </a:rPr>
+                        <a:t>✔</a:t>
+                      </a:r>
+                    </a:p>
+                  </a:txBody>
+                  <a:tcPr marL="30536" marR="30536" marT="22902" marB="22902">
+                    <a:lnL w="12700" cap="flat" cmpd="sng" algn="ctr">
+                      <a:solidFill>
+                        <a:srgbClr val="E3E3E3"/>
+                      </a:solidFill>
+                      <a:prstDash val="solid"/>
+                      <a:round/>
+                      <a:headEnd type="none" w="med" len="med"/>
+                      <a:tailEnd type="none" w="med" len="med"/>
+                    </a:lnL>
+                    <a:lnR w="12700" cap="flat" cmpd="sng" algn="ctr">
+                      <a:solidFill>
+                        <a:srgbClr val="E3E3E3"/>
+                      </a:solidFill>
+                      <a:prstDash val="solid"/>
+                      <a:round/>
+                      <a:headEnd type="none" w="med" len="med"/>
+                      <a:tailEnd type="none" w="med" len="med"/>
+                    </a:lnR>
+                    <a:lnT w="4763" cap="flat" cmpd="sng" algn="ctr">
+                      <a:solidFill>
+                        <a:srgbClr val="E3E3E3"/>
+                      </a:solidFill>
+                      <a:prstDash val="solid"/>
+                      <a:round/>
+                      <a:headEnd type="none" w="med" len="med"/>
+                      <a:tailEnd type="none" w="med" len="med"/>
+                    </a:lnT>
+                    <a:lnB w="4763" cap="flat" cmpd="sng" algn="ctr">
+                      <a:solidFill>
+                        <a:srgbClr val="E3E3E3"/>
+                      </a:solidFill>
+                      <a:prstDash val="solid"/>
+                      <a:round/>
+                      <a:headEnd type="none" w="med" len="med"/>
+                      <a:tailEnd type="none" w="med" len="med"/>
+                    </a:lnB>
+                    <a:solidFill>
+                      <a:srgbClr val="FFFFFF"/>
+                    </a:solidFill>
+                  </a:tcPr>
+                </a:tc>
+                <a:extLst>
+                  <a:ext uri="{0D108BD9-81ED-4DB2-BD59-A6C34878D82A}">
+                    <a16:rowId xmlns:a16="http://schemas.microsoft.com/office/drawing/2014/main" val="1731219982"/>
+                  </a:ext>
+                </a:extLst>
+              </a:tr>
+              <a:tr h="375589">
+                <a:tc>
+                  <a:txBody>
+                    <a:bodyPr/>
+                    <a:lstStyle/>
+                    <a:p>
+                      <a:pPr fontAlgn="t"/>
+                      <a:r>
+                        <a:rPr lang="en-CA" sz="1800" dirty="0" err="1">
+                          <a:effectLst/>
+                          <a:latin typeface="+mn-lt"/>
+                        </a:rPr>
+                        <a:t>Twilio</a:t>
+                      </a:r>
+                      <a:r>
+                        <a:rPr lang="en-CA" sz="1800" dirty="0">
+                          <a:effectLst/>
+                          <a:latin typeface="+mn-lt"/>
+                        </a:rPr>
+                        <a:t> SMS Text</a:t>
+                      </a:r>
+                    </a:p>
+                  </a:txBody>
+                  <a:tcPr marL="30536" marR="30536" marT="22902" marB="22902">
+                    <a:lnL w="12700" cap="flat" cmpd="sng" algn="ctr">
+                      <a:solidFill>
+                        <a:srgbClr val="E3E3E3"/>
+                      </a:solidFill>
+                      <a:prstDash val="solid"/>
+                      <a:round/>
+                      <a:headEnd type="none" w="med" len="med"/>
+                      <a:tailEnd type="none" w="med" len="med"/>
+                    </a:lnL>
+                    <a:lnR w="12700" cap="flat" cmpd="sng" algn="ctr">
+                      <a:solidFill>
+                        <a:srgbClr val="E3E3E3"/>
+                      </a:solidFill>
+                      <a:prstDash val="solid"/>
+                      <a:round/>
+                      <a:headEnd type="none" w="med" len="med"/>
+                      <a:tailEnd type="none" w="med" len="med"/>
+                    </a:lnR>
+                    <a:lnT w="4763" cap="flat" cmpd="sng" algn="ctr">
+                      <a:solidFill>
+                        <a:srgbClr val="E3E3E3"/>
+                      </a:solidFill>
+                      <a:prstDash val="solid"/>
+                      <a:round/>
+                      <a:headEnd type="none" w="med" len="med"/>
+                      <a:tailEnd type="none" w="med" len="med"/>
+                    </a:lnT>
+                    <a:lnB w="12700" cap="flat" cmpd="sng" algn="ctr">
+                      <a:solidFill>
+                        <a:srgbClr val="E3E3E3"/>
+                      </a:solidFill>
+                      <a:prstDash val="solid"/>
+                      <a:round/>
+                      <a:headEnd type="none" w="med" len="med"/>
+                      <a:tailEnd type="none" w="med" len="med"/>
+                    </a:lnB>
+                    <a:solidFill>
+                      <a:srgbClr val="FFFFFF"/>
+                    </a:solidFill>
+                  </a:tcPr>
+                </a:tc>
+                <a:tc>
+                  <a:txBody>
+                    <a:bodyPr/>
+                    <a:lstStyle/>
+                    <a:p>
+                      <a:pPr fontAlgn="t"/>
+                      <a:r>
+                        <a:rPr lang="en-CA" sz="1800">
+                          <a:effectLst/>
+                          <a:latin typeface="+mn-lt"/>
+                        </a:rPr>
+                        <a:t>Twilio</a:t>
+                      </a:r>
+                    </a:p>
+                  </a:txBody>
+                  <a:tcPr marL="30536" marR="30536" marT="22902" marB="22902">
+                    <a:lnL w="12700" cap="flat" cmpd="sng" algn="ctr">
+                      <a:solidFill>
+                        <a:srgbClr val="E3E3E3"/>
+                      </a:solidFill>
+                      <a:prstDash val="solid"/>
+                      <a:round/>
+                      <a:headEnd type="none" w="med" len="med"/>
+                      <a:tailEnd type="none" w="med" len="med"/>
+                    </a:lnL>
+                    <a:lnR w="12700" cap="flat" cmpd="sng" algn="ctr">
+                      <a:solidFill>
+                        <a:srgbClr val="E3E3E3"/>
+                      </a:solidFill>
+                      <a:prstDash val="solid"/>
+                      <a:round/>
+                      <a:headEnd type="none" w="med" len="med"/>
+                      <a:tailEnd type="none" w="med" len="med"/>
+                    </a:lnR>
+                    <a:lnT w="4763" cap="flat" cmpd="sng" algn="ctr">
+                      <a:solidFill>
+                        <a:srgbClr val="E3E3E3"/>
+                      </a:solidFill>
+                      <a:prstDash val="solid"/>
+                      <a:round/>
+                      <a:headEnd type="none" w="med" len="med"/>
+                      <a:tailEnd type="none" w="med" len="med"/>
+                    </a:lnT>
+                    <a:lnB w="12700" cap="flat" cmpd="sng" algn="ctr">
+                      <a:solidFill>
+                        <a:srgbClr val="E3E3E3"/>
+                      </a:solidFill>
+                      <a:prstDash val="solid"/>
+                      <a:round/>
+                      <a:headEnd type="none" w="med" len="med"/>
+                      <a:tailEnd type="none" w="med" len="med"/>
+                    </a:lnB>
+                    <a:solidFill>
+                      <a:srgbClr val="FFFFFF"/>
+                    </a:solidFill>
+                  </a:tcPr>
+                </a:tc>
+                <a:tc>
+                  <a:txBody>
+                    <a:bodyPr/>
+                    <a:lstStyle/>
+                    <a:p>
+                      <a:pPr algn="ctr" fontAlgn="t"/>
+                      <a:endParaRPr lang="en-CA" sz="1800">
+                        <a:effectLst/>
+                        <a:latin typeface="+mn-lt"/>
+                      </a:endParaRPr>
+                    </a:p>
+                  </a:txBody>
+                  <a:tcPr marL="30536" marR="30536" marT="22902" marB="22902">
+                    <a:lnL w="12700" cap="flat" cmpd="sng" algn="ctr">
+                      <a:solidFill>
+                        <a:srgbClr val="E3E3E3"/>
+                      </a:solidFill>
+                      <a:prstDash val="solid"/>
+                      <a:round/>
+                      <a:headEnd type="none" w="med" len="med"/>
+                      <a:tailEnd type="none" w="med" len="med"/>
+                    </a:lnL>
+                    <a:lnR w="12700" cap="flat" cmpd="sng" algn="ctr">
+                      <a:solidFill>
+                        <a:srgbClr val="E3E3E3"/>
+                      </a:solidFill>
+                      <a:prstDash val="solid"/>
+                      <a:round/>
+                      <a:headEnd type="none" w="med" len="med"/>
+                      <a:tailEnd type="none" w="med" len="med"/>
+                    </a:lnR>
+                    <a:lnT w="4763" cap="flat" cmpd="sng" algn="ctr">
+                      <a:solidFill>
+                        <a:srgbClr val="E3E3E3"/>
+                      </a:solidFill>
+                      <a:prstDash val="solid"/>
+                      <a:round/>
+                      <a:headEnd type="none" w="med" len="med"/>
+                      <a:tailEnd type="none" w="med" len="med"/>
+                    </a:lnT>
+                    <a:lnB w="12700" cap="flat" cmpd="sng" algn="ctr">
+                      <a:solidFill>
+                        <a:srgbClr val="E3E3E3"/>
+                      </a:solidFill>
+                      <a:prstDash val="solid"/>
+                      <a:round/>
+                      <a:headEnd type="none" w="med" len="med"/>
+                      <a:tailEnd type="none" w="med" len="med"/>
+                    </a:lnB>
+                    <a:solidFill>
+                      <a:srgbClr val="FFFFFF"/>
+                    </a:solidFill>
+                  </a:tcPr>
+                </a:tc>
+                <a:tc>
+                  <a:txBody>
+                    <a:bodyPr/>
+                    <a:lstStyle/>
+                    <a:p>
+                      <a:pPr algn="ctr" fontAlgn="t"/>
+                      <a:endParaRPr lang="en-CA" sz="1800" dirty="0">
+                        <a:effectLst/>
+                        <a:latin typeface="+mn-lt"/>
+                      </a:endParaRPr>
+                    </a:p>
+                  </a:txBody>
+                  <a:tcPr marL="30536" marR="30536" marT="22902" marB="22902">
+                    <a:lnL w="12700" cap="flat" cmpd="sng" algn="ctr">
+                      <a:solidFill>
+                        <a:srgbClr val="E3E3E3"/>
+                      </a:solidFill>
+                      <a:prstDash val="solid"/>
+                      <a:round/>
+                      <a:headEnd type="none" w="med" len="med"/>
+                      <a:tailEnd type="none" w="med" len="med"/>
+                    </a:lnL>
+                    <a:lnR w="12700" cap="flat" cmpd="sng" algn="ctr">
+                      <a:solidFill>
+                        <a:srgbClr val="E3E3E3"/>
+                      </a:solidFill>
+                      <a:prstDash val="solid"/>
+                      <a:round/>
+                      <a:headEnd type="none" w="med" len="med"/>
+                      <a:tailEnd type="none" w="med" len="med"/>
+                    </a:lnR>
+                    <a:lnT w="4763" cap="flat" cmpd="sng" algn="ctr">
+                      <a:solidFill>
+                        <a:srgbClr val="E3E3E3"/>
+                      </a:solidFill>
+                      <a:prstDash val="solid"/>
+                      <a:round/>
+                      <a:headEnd type="none" w="med" len="med"/>
+                      <a:tailEnd type="none" w="med" len="med"/>
+                    </a:lnT>
+                    <a:lnB w="12700" cap="flat" cmpd="sng" algn="ctr">
+                      <a:solidFill>
+                        <a:srgbClr val="E3E3E3"/>
+                      </a:solidFill>
+                      <a:prstDash val="solid"/>
+                      <a:round/>
+                      <a:headEnd type="none" w="med" len="med"/>
+                      <a:tailEnd type="none" w="med" len="med"/>
+                    </a:lnB>
+                    <a:solidFill>
+                      <a:srgbClr val="FFFFFF"/>
+                    </a:solidFill>
+                  </a:tcPr>
+                </a:tc>
+                <a:tc>
+                  <a:txBody>
+                    <a:bodyPr/>
+                    <a:lstStyle/>
+                    <a:p>
+                      <a:pPr algn="ctr" fontAlgn="t"/>
+                      <a:r>
+                        <a:rPr lang="en-CA" sz="1800" dirty="0">
+                          <a:effectLst/>
+                          <a:latin typeface="+mn-lt"/>
+                        </a:rPr>
+                        <a:t>✔</a:t>
+                      </a:r>
+                    </a:p>
+                  </a:txBody>
+                  <a:tcPr marL="30536" marR="30536" marT="22902" marB="22902">
+                    <a:lnL w="12700" cap="flat" cmpd="sng" algn="ctr">
+                      <a:solidFill>
+                        <a:srgbClr val="E3E3E3"/>
+                      </a:solidFill>
+                      <a:prstDash val="solid"/>
+                      <a:round/>
+                      <a:headEnd type="none" w="med" len="med"/>
+                      <a:tailEnd type="none" w="med" len="med"/>
+                    </a:lnL>
+                    <a:lnR w="12700" cap="flat" cmpd="sng" algn="ctr">
+                      <a:solidFill>
+                        <a:srgbClr val="E3E3E3"/>
+                      </a:solidFill>
+                      <a:prstDash val="solid"/>
+                      <a:round/>
+                      <a:headEnd type="none" w="med" len="med"/>
+                      <a:tailEnd type="none" w="med" len="med"/>
+                    </a:lnR>
+                    <a:lnT w="4763" cap="flat" cmpd="sng" algn="ctr">
+                      <a:solidFill>
+                        <a:srgbClr val="E3E3E3"/>
+                      </a:solidFill>
+                      <a:prstDash val="solid"/>
+                      <a:round/>
+                      <a:headEnd type="none" w="med" len="med"/>
+                      <a:tailEnd type="none" w="med" len="med"/>
+                    </a:lnT>
+                    <a:lnB w="12700" cap="flat" cmpd="sng" algn="ctr">
+                      <a:solidFill>
+                        <a:srgbClr val="E3E3E3"/>
+                      </a:solidFill>
+                      <a:prstDash val="solid"/>
+                      <a:round/>
+                      <a:headEnd type="none" w="med" len="med"/>
+                      <a:tailEnd type="none" w="med" len="med"/>
+                    </a:lnB>
+                    <a:solidFill>
+                      <a:srgbClr val="FFFFFF"/>
+                    </a:solidFill>
+                  </a:tcPr>
+                </a:tc>
+                <a:extLst>
+                  <a:ext uri="{0D108BD9-81ED-4DB2-BD59-A6C34878D82A}">
+                    <a16:rowId xmlns:a16="http://schemas.microsoft.com/office/drawing/2014/main" val="3944668402"/>
+                  </a:ext>
+                </a:extLst>
+              </a:tr>
+            </a:tbl>
+          </a:graphicData>
+        </a:graphic>
+      </p:graphicFrame>
+      <p:sp>
+        <p:nvSpPr>
+          <p:cNvPr id="5" name="TextBox 4"/>
+          <p:cNvSpPr txBox="1"/>
+          <p:nvPr/>
+        </p:nvSpPr>
+        <p:spPr>
+          <a:xfrm>
+            <a:off x="748747" y="5780782"/>
+            <a:ext cx="11624236" cy="1077218"/>
+          </a:xfrm>
+          <a:prstGeom prst="rect">
+            <a:avLst/>
+          </a:prstGeom>
+          <a:noFill/>
+        </p:spPr>
+        <p:txBody>
+          <a:bodyPr wrap="square" rtlCol="0">
+            <a:spAutoFit/>
+          </a:bodyPr>
+          <a:lstStyle/>
+          <a:p>
+            <a:r>
+              <a:rPr lang="en-US" sz="1400" dirty="0"/>
+              <a:t>* </a:t>
+            </a:r>
+            <a:r>
+              <a:rPr lang="en-CA" sz="1400" dirty="0"/>
+              <a:t>requires an HTTP trigger</a:t>
+            </a:r>
+          </a:p>
+          <a:p>
+            <a:endParaRPr lang="en-US" sz="1400" dirty="0"/>
+          </a:p>
+          <a:p>
+            <a:r>
+              <a:rPr lang="en-US" dirty="0"/>
+              <a:t>SaaS File (OneDrive, Google Drive, </a:t>
+            </a:r>
+            <a:r>
+              <a:rPr lang="en-US" dirty="0" err="1"/>
+              <a:t>DropBox</a:t>
+            </a:r>
+            <a:r>
+              <a:rPr lang="en-US" dirty="0"/>
+              <a:t>, </a:t>
+            </a:r>
+            <a:r>
+              <a:rPr lang="en-US" dirty="0" err="1"/>
+              <a:t>etc</a:t>
+            </a:r>
+            <a:r>
+              <a:rPr lang="en-US" dirty="0"/>
+              <a:t>)</a:t>
+            </a:r>
+          </a:p>
+          <a:p>
+            <a:r>
+              <a:rPr lang="en-US" dirty="0"/>
+              <a:t>SaaS Table (</a:t>
+            </a:r>
+            <a:r>
+              <a:rPr lang="en-US" dirty="0" err="1"/>
+              <a:t>SalesForce</a:t>
+            </a:r>
+            <a:r>
+              <a:rPr lang="en-US" dirty="0"/>
+              <a:t>, Dynamics, Google Sheets, </a:t>
+            </a:r>
+            <a:r>
+              <a:rPr lang="en-US" dirty="0" err="1"/>
+              <a:t>etc</a:t>
+            </a:r>
+            <a:r>
+              <a:rPr lang="en-US" dirty="0"/>
+              <a:t>)</a:t>
+            </a:r>
+          </a:p>
+        </p:txBody>
+      </p:sp>
+    </p:spTree>
+    <p:extLst>
+      <p:ext uri="{BB962C8B-B14F-4D97-AF65-F5344CB8AC3E}">
+        <p14:creationId xmlns:p14="http://schemas.microsoft.com/office/powerpoint/2010/main" val="407024493"/>
+      </p:ext>
+    </p:extLst>
+  </p:cSld>
+  <p:clrMapOvr>
+    <a:masterClrMapping/>
+  </p:clrMapOvr>
+  <p:transition>
+    <p:fade/>
+  </p:transition>
+</p:sld>
+</file>
+
+<file path=ppt/slides/slide8.xml><?xml version="1.0" encoding="utf-8"?>
 <p:sld xmlns:a="http://schemas.openxmlformats.org/drawingml/2006/main" xmlns:r="http://schemas.openxmlformats.org/officeDocument/2006/relationships" xmlns:p="http://schemas.openxmlformats.org/presentationml/2006/main">
   <p:cSld>
     <p:spTree>
@@ -23955,7 +27561,7 @@
 </p:sld>
 </file>
 
-<file path=ppt/slides/slide8.xml><?xml version="1.0" encoding="utf-8"?>
+<file path=ppt/slides/slide9.xml><?xml version="1.0" encoding="utf-8"?>
 <p:sld xmlns:a="http://schemas.openxmlformats.org/drawingml/2006/main" xmlns:r="http://schemas.openxmlformats.org/officeDocument/2006/relationships" xmlns:p="http://schemas.openxmlformats.org/presentationml/2006/main">
   <p:cSld>
     <p:spTree>
@@ -24192,273 +27798,6 @@
       <p:bldP spid="3" grpId="0"/>
     </p:bldLst>
   </p:timing>
-</p:sld>
-</file>
-
-<file path=ppt/slides/slide9.xml><?xml version="1.0" encoding="utf-8"?>
-<p:sld xmlns:a="http://schemas.openxmlformats.org/drawingml/2006/main" xmlns:r="http://schemas.openxmlformats.org/officeDocument/2006/relationships" xmlns:p="http://schemas.openxmlformats.org/presentationml/2006/main">
-  <p:cSld>
-    <p:spTree>
-      <p:nvGrpSpPr>
-        <p:cNvPr id="1" name=""/>
-        <p:cNvGrpSpPr/>
-        <p:nvPr/>
-      </p:nvGrpSpPr>
-      <p:grpSpPr>
-        <a:xfrm>
-          <a:off x="0" y="0"/>
-          <a:ext cx="0" cy="0"/>
-          <a:chOff x="0" y="0"/>
-          <a:chExt cx="0" cy="0"/>
-        </a:xfrm>
-      </p:grpSpPr>
-      <p:sp>
-        <p:nvSpPr>
-          <p:cNvPr id="14" name="Title 1"/>
-          <p:cNvSpPr>
-            <a:spLocks noGrp="1"/>
-          </p:cNvSpPr>
-          <p:nvPr>
-            <p:ph type="title"/>
-          </p:nvPr>
-        </p:nvSpPr>
-        <p:spPr>
-          <a:xfrm>
-            <a:off x="0" y="0"/>
-            <a:ext cx="12192000" cy="1325563"/>
-          </a:xfrm>
-          <a:solidFill>
-            <a:srgbClr val="0070C0"/>
-          </a:solidFill>
-        </p:spPr>
-        <p:txBody>
-          <a:bodyPr/>
-          <a:lstStyle/>
-          <a:p>
-            <a:r>
-              <a:rPr lang="en-US" b="1" dirty="0">
-                <a:solidFill>
-                  <a:schemeClr val="bg1"/>
-                </a:solidFill>
-              </a:rPr>
-              <a:t>Triggers</a:t>
-            </a:r>
-            <a:endParaRPr lang="en-CA" b="1" dirty="0">
-              <a:solidFill>
-                <a:schemeClr val="bg1"/>
-              </a:solidFill>
-            </a:endParaRPr>
-          </a:p>
-        </p:txBody>
-      </p:sp>
-      <p:sp>
-        <p:nvSpPr>
-          <p:cNvPr id="3" name="TextBox 2"/>
-          <p:cNvSpPr txBox="1"/>
-          <p:nvPr/>
-        </p:nvSpPr>
-        <p:spPr>
-          <a:xfrm>
-            <a:off x="262964" y="1618147"/>
-            <a:ext cx="11624236" cy="5262979"/>
-          </a:xfrm>
-          <a:prstGeom prst="rect">
-            <a:avLst/>
-          </a:prstGeom>
-          <a:noFill/>
-        </p:spPr>
-        <p:txBody>
-          <a:bodyPr wrap="square" rtlCol="0">
-            <a:spAutoFit/>
-          </a:bodyPr>
-          <a:lstStyle/>
-          <a:p>
-            <a:pPr marL="571500" indent="-571500">
-              <a:buFontTx/>
-              <a:buChar char="-"/>
-            </a:pPr>
-            <a:r>
-              <a:rPr lang="en-US" sz="2800" dirty="0"/>
-              <a:t>Manual trigger (portal)</a:t>
-            </a:r>
-          </a:p>
-          <a:p>
-            <a:pPr marL="571500" indent="-571500">
-              <a:buFontTx/>
-              <a:buChar char="-"/>
-            </a:pPr>
-            <a:r>
-              <a:rPr lang="en-US" sz="2800" dirty="0"/>
-              <a:t>Timer</a:t>
-            </a:r>
-          </a:p>
-          <a:p>
-            <a:pPr marL="571500" indent="-571500">
-              <a:buFontTx/>
-              <a:buChar char="-"/>
-            </a:pPr>
-            <a:r>
-              <a:rPr lang="en-US" sz="2800" dirty="0"/>
-              <a:t>HTTP</a:t>
-            </a:r>
-          </a:p>
-          <a:p>
-            <a:pPr marL="571500" indent="-571500">
-              <a:buFontTx/>
-              <a:buChar char="-"/>
-            </a:pPr>
-            <a:r>
-              <a:rPr lang="en-US" sz="2800" dirty="0"/>
-              <a:t>Generic </a:t>
-            </a:r>
-            <a:r>
-              <a:rPr lang="en-US" sz="2800" dirty="0" err="1"/>
-              <a:t>webhook</a:t>
-            </a:r>
-            <a:r>
-              <a:rPr lang="en-US" sz="2800" dirty="0"/>
-              <a:t> / GitHub </a:t>
-            </a:r>
-            <a:r>
-              <a:rPr lang="en-US" sz="2800" dirty="0" err="1"/>
-              <a:t>webhook</a:t>
-            </a:r>
-            <a:r>
-              <a:rPr lang="en-US" sz="2800" dirty="0"/>
-              <a:t> / Slack </a:t>
-            </a:r>
-            <a:r>
-              <a:rPr lang="en-US" sz="2800" dirty="0" err="1"/>
-              <a:t>webhook</a:t>
-            </a:r>
-            <a:endParaRPr lang="en-US" sz="2800" dirty="0"/>
-          </a:p>
-          <a:p>
-            <a:pPr marL="571500" indent="-571500">
-              <a:buFontTx/>
-              <a:buChar char="-"/>
-            </a:pPr>
-            <a:r>
-              <a:rPr lang="en-US" sz="2800" dirty="0"/>
-              <a:t>Storage Queue</a:t>
-            </a:r>
-          </a:p>
-          <a:p>
-            <a:pPr marL="571500" indent="-571500">
-              <a:buFontTx/>
-              <a:buChar char="-"/>
-            </a:pPr>
-            <a:r>
-              <a:rPr lang="en-US" sz="2800" dirty="0"/>
-              <a:t>Storage Blob</a:t>
-            </a:r>
-          </a:p>
-          <a:p>
-            <a:pPr marL="571500" indent="-571500">
-              <a:buFontTx/>
-              <a:buChar char="-"/>
-            </a:pPr>
-            <a:r>
-              <a:rPr lang="en-US" sz="2800" dirty="0"/>
-              <a:t>Storage Table</a:t>
-            </a:r>
-          </a:p>
-          <a:p>
-            <a:pPr marL="571500" indent="-571500">
-              <a:buFontTx/>
-              <a:buChar char="-"/>
-            </a:pPr>
-            <a:r>
-              <a:rPr lang="en-US" sz="2800" dirty="0" err="1"/>
-              <a:t>EventHub</a:t>
-            </a:r>
-            <a:endParaRPr lang="en-US" sz="2800" dirty="0"/>
-          </a:p>
-          <a:p>
-            <a:pPr marL="571500" indent="-571500">
-              <a:buFontTx/>
-              <a:buChar char="-"/>
-            </a:pPr>
-            <a:r>
-              <a:rPr lang="en-US" sz="2800" dirty="0"/>
-              <a:t>SaaS File (OneDrive, Google Drive, </a:t>
-            </a:r>
-            <a:r>
-              <a:rPr lang="en-US" sz="2800" dirty="0" err="1"/>
-              <a:t>DropBox</a:t>
-            </a:r>
-            <a:r>
-              <a:rPr lang="en-US" sz="2800" dirty="0"/>
-              <a:t>, </a:t>
-            </a:r>
-            <a:r>
-              <a:rPr lang="en-US" sz="2800" dirty="0" err="1"/>
-              <a:t>etc</a:t>
-            </a:r>
-            <a:r>
-              <a:rPr lang="en-US" sz="2800" dirty="0"/>
-              <a:t>)</a:t>
-            </a:r>
-          </a:p>
-          <a:p>
-            <a:pPr marL="571500" indent="-571500">
-              <a:buFontTx/>
-              <a:buChar char="-"/>
-            </a:pPr>
-            <a:r>
-              <a:rPr lang="en-US" sz="2800" dirty="0"/>
-              <a:t>SaaS Table (</a:t>
-            </a:r>
-            <a:r>
-              <a:rPr lang="en-US" sz="2800" dirty="0" err="1"/>
-              <a:t>SalesForce</a:t>
-            </a:r>
-            <a:r>
-              <a:rPr lang="en-US" sz="2800" dirty="0"/>
-              <a:t>, Dynamics, Google Sheets, </a:t>
-            </a:r>
-            <a:r>
-              <a:rPr lang="en-US" sz="2800" dirty="0" err="1"/>
-              <a:t>etc</a:t>
-            </a:r>
-            <a:r>
-              <a:rPr lang="en-US" sz="2800" dirty="0"/>
-              <a:t>)</a:t>
-            </a:r>
-          </a:p>
-          <a:p>
-            <a:pPr marL="571500" indent="-571500">
-              <a:buFontTx/>
-              <a:buChar char="-"/>
-            </a:pPr>
-            <a:r>
-              <a:rPr lang="en-US" sz="2800" dirty="0" err="1"/>
-              <a:t>DocumentDB</a:t>
-            </a:r>
-            <a:endParaRPr lang="en-US" sz="2800" dirty="0"/>
-          </a:p>
-          <a:p>
-            <a:pPr marL="571500" indent="-571500">
-              <a:buFontTx/>
-              <a:buChar char="-"/>
-            </a:pPr>
-            <a:endParaRPr lang="en-US" sz="2800" dirty="0"/>
-          </a:p>
-        </p:txBody>
-      </p:sp>
-    </p:spTree>
-    <p:extLst>
-      <p:ext uri="{BB962C8B-B14F-4D97-AF65-F5344CB8AC3E}">
-        <p14:creationId xmlns:p14="http://schemas.microsoft.com/office/powerpoint/2010/main" val="407024493"/>
-      </p:ext>
-    </p:extLst>
-  </p:cSld>
-  <p:clrMapOvr>
-    <a:masterClrMapping/>
-  </p:clrMapOvr>
-  <p:transition>
-    <p:fade/>
-  </p:transition>
 </p:sld>
 </file>
 

--- a/AzureFunctions.pptx
+++ b/AzureFunctions.pptx
@@ -2815,7 +2815,7 @@
           <a:p>
             <a:fld id="{3B673598-C1AF-41DD-9D6A-E21EA6AA4E6A}" type="datetimeFigureOut">
               <a:rPr lang="en-CA" smtClean="0"/>
-              <a:t>2016-11-21</a:t>
+              <a:t>2016-11-22</a:t>
             </a:fld>
             <a:endParaRPr lang="en-CA"/>
           </a:p>
@@ -3205,7 +3205,7 @@
           <a:p>
             <a:fld id="{7D10C09F-FCA1-48C8-B40D-42E1045D109E}" type="datetime8">
               <a:rPr lang="en-US" smtClean="0"/>
-              <a:t>11/21/2016 11:56 PM</a:t>
+              <a:t>11/22/2016 3:46 PM</a:t>
             </a:fld>
             <a:endParaRPr lang="en-US" dirty="0"/>
           </a:p>
@@ -3684,7 +3684,7 @@
           <a:p>
             <a:fld id="{9B1F1BED-FA34-4EDB-9E83-DA45C78E247E}" type="datetimeFigureOut">
               <a:rPr lang="en-CA" smtClean="0"/>
-              <a:t>2016-11-21</a:t>
+              <a:t>2016-11-22</a:t>
             </a:fld>
             <a:endParaRPr lang="en-CA"/>
           </a:p>
@@ -3854,7 +3854,7 @@
           <a:p>
             <a:fld id="{9B1F1BED-FA34-4EDB-9E83-DA45C78E247E}" type="datetimeFigureOut">
               <a:rPr lang="en-CA" smtClean="0"/>
-              <a:t>2016-11-21</a:t>
+              <a:t>2016-11-22</a:t>
             </a:fld>
             <a:endParaRPr lang="en-CA"/>
           </a:p>
@@ -4034,7 +4034,7 @@
           <a:p>
             <a:fld id="{9B1F1BED-FA34-4EDB-9E83-DA45C78E247E}" type="datetimeFigureOut">
               <a:rPr lang="en-CA" smtClean="0"/>
-              <a:t>2016-11-21</a:t>
+              <a:t>2016-11-22</a:t>
             </a:fld>
             <a:endParaRPr lang="en-CA"/>
           </a:p>
@@ -4446,7 +4446,7 @@
           <a:p>
             <a:fld id="{9B1F1BED-FA34-4EDB-9E83-DA45C78E247E}" type="datetimeFigureOut">
               <a:rPr lang="en-CA" smtClean="0"/>
-              <a:t>2016-11-21</a:t>
+              <a:t>2016-11-22</a:t>
             </a:fld>
             <a:endParaRPr lang="en-CA"/>
           </a:p>
@@ -4692,7 +4692,7 @@
           <a:p>
             <a:fld id="{9B1F1BED-FA34-4EDB-9E83-DA45C78E247E}" type="datetimeFigureOut">
               <a:rPr lang="en-CA" smtClean="0"/>
-              <a:t>2016-11-21</a:t>
+              <a:t>2016-11-22</a:t>
             </a:fld>
             <a:endParaRPr lang="en-CA"/>
           </a:p>
@@ -4924,7 +4924,7 @@
           <a:p>
             <a:fld id="{9B1F1BED-FA34-4EDB-9E83-DA45C78E247E}" type="datetimeFigureOut">
               <a:rPr lang="en-CA" smtClean="0"/>
-              <a:t>2016-11-21</a:t>
+              <a:t>2016-11-22</a:t>
             </a:fld>
             <a:endParaRPr lang="en-CA"/>
           </a:p>
@@ -5291,7 +5291,7 @@
           <a:p>
             <a:fld id="{9B1F1BED-FA34-4EDB-9E83-DA45C78E247E}" type="datetimeFigureOut">
               <a:rPr lang="en-CA" smtClean="0"/>
-              <a:t>2016-11-21</a:t>
+              <a:t>2016-11-22</a:t>
             </a:fld>
             <a:endParaRPr lang="en-CA"/>
           </a:p>
@@ -5409,7 +5409,7 @@
           <a:p>
             <a:fld id="{9B1F1BED-FA34-4EDB-9E83-DA45C78E247E}" type="datetimeFigureOut">
               <a:rPr lang="en-CA" smtClean="0"/>
-              <a:t>2016-11-21</a:t>
+              <a:t>2016-11-22</a:t>
             </a:fld>
             <a:endParaRPr lang="en-CA"/>
           </a:p>
@@ -5504,7 +5504,7 @@
           <a:p>
             <a:fld id="{9B1F1BED-FA34-4EDB-9E83-DA45C78E247E}" type="datetimeFigureOut">
               <a:rPr lang="en-CA" smtClean="0"/>
-              <a:t>2016-11-21</a:t>
+              <a:t>2016-11-22</a:t>
             </a:fld>
             <a:endParaRPr lang="en-CA"/>
           </a:p>
@@ -5781,7 +5781,7 @@
           <a:p>
             <a:fld id="{9B1F1BED-FA34-4EDB-9E83-DA45C78E247E}" type="datetimeFigureOut">
               <a:rPr lang="en-CA" smtClean="0"/>
-              <a:t>2016-11-21</a:t>
+              <a:t>2016-11-22</a:t>
             </a:fld>
             <a:endParaRPr lang="en-CA"/>
           </a:p>
@@ -6034,7 +6034,7 @@
           <a:p>
             <a:fld id="{9B1F1BED-FA34-4EDB-9E83-DA45C78E247E}" type="datetimeFigureOut">
               <a:rPr lang="en-CA" smtClean="0"/>
-              <a:t>2016-11-21</a:t>
+              <a:t>2016-11-22</a:t>
             </a:fld>
             <a:endParaRPr lang="en-CA"/>
           </a:p>
@@ -6247,7 +6247,7 @@
           <a:p>
             <a:fld id="{9B1F1BED-FA34-4EDB-9E83-DA45C78E247E}" type="datetimeFigureOut">
               <a:rPr lang="en-CA" smtClean="0"/>
-              <a:t>2016-11-21</a:t>
+              <a:t>2016-11-22</a:t>
             </a:fld>
             <a:endParaRPr lang="en-CA"/>
           </a:p>
@@ -6851,6 +6851,42 @@
               <a:rPr lang="en-US" sz="2800" dirty="0"/>
               <a:t>Create failure audits</a:t>
             </a:r>
+          </a:p>
+        </p:txBody>
+      </p:sp>
+      <p:sp>
+        <p:nvSpPr>
+          <p:cNvPr id="2" name="TextBox 1"/>
+          <p:cNvSpPr txBox="1"/>
+          <p:nvPr/>
+        </p:nvSpPr>
+        <p:spPr>
+          <a:xfrm>
+            <a:off x="111318" y="6492240"/>
+            <a:ext cx="11994543" cy="276999"/>
+          </a:xfrm>
+          <a:prstGeom prst="rect">
+            <a:avLst/>
+          </a:prstGeom>
+          <a:noFill/>
+        </p:spPr>
+        <p:txBody>
+          <a:bodyPr wrap="square" rtlCol="0">
+            <a:spAutoFit/>
+          </a:bodyPr>
+          <a:lstStyle/>
+          <a:p>
+            <a:r>
+              <a:rPr lang="en-US" sz="1200" dirty="0"/>
+              <a:t>GH issue #971: </a:t>
+            </a:r>
+            <a:r>
+              <a:rPr lang="en-US" sz="1200" dirty="0">
+                <a:hlinkClick r:id="rId2"/>
+              </a:rPr>
+              <a:t>Cannot perform runtime binding on a null reference</a:t>
+            </a:r>
+            <a:endParaRPr lang="en-CA" sz="1200" dirty="0"/>
           </a:p>
         </p:txBody>
       </p:sp>

--- a/AzureFunctions.pptx
+++ b/AzureFunctions.pptx
@@ -1161,13 +1161,6 @@
         </dgm:presLayoutVars>
       </dgm:prSet>
       <dgm:spPr/>
-      <dgm:t>
-        <a:bodyPr/>
-        <a:lstStyle/>
-        <a:p>
-          <a:endParaRPr lang="en-US"/>
-        </a:p>
-      </dgm:t>
     </dgm:pt>
     <dgm:pt modelId="{F4E532E6-66D6-C542-B8C3-136424B07555}" type="pres">
       <dgm:prSet presAssocID="{18D025D8-F1B4-E340-8017-A3F96EB49642}" presName="node" presStyleLbl="node1" presStyleIdx="0" presStyleCnt="2">
@@ -1176,35 +1169,14 @@
         </dgm:presLayoutVars>
       </dgm:prSet>
       <dgm:spPr/>
-      <dgm:t>
-        <a:bodyPr/>
-        <a:lstStyle/>
-        <a:p>
-          <a:endParaRPr lang="en-US"/>
-        </a:p>
-      </dgm:t>
     </dgm:pt>
     <dgm:pt modelId="{4CCCA322-8FF1-034E-BCA3-496EEEFA1B28}" type="pres">
       <dgm:prSet presAssocID="{FD11F52C-A2D5-734C-8456-3C254DFAA87F}" presName="sibTrans" presStyleLbl="sibTrans2D1" presStyleIdx="0" presStyleCnt="2"/>
       <dgm:spPr/>
-      <dgm:t>
-        <a:bodyPr/>
-        <a:lstStyle/>
-        <a:p>
-          <a:endParaRPr lang="en-US"/>
-        </a:p>
-      </dgm:t>
     </dgm:pt>
     <dgm:pt modelId="{7CBDF54A-8860-7740-AB04-556D1D7774A6}" type="pres">
       <dgm:prSet presAssocID="{FD11F52C-A2D5-734C-8456-3C254DFAA87F}" presName="connectorText" presStyleLbl="sibTrans2D1" presStyleIdx="0" presStyleCnt="2"/>
       <dgm:spPr/>
-      <dgm:t>
-        <a:bodyPr/>
-        <a:lstStyle/>
-        <a:p>
-          <a:endParaRPr lang="en-US"/>
-        </a:p>
-      </dgm:t>
     </dgm:pt>
     <dgm:pt modelId="{3F34A553-5877-D14B-B6C4-8484F152709B}" type="pres">
       <dgm:prSet presAssocID="{AB23B465-8C21-E846-8FCC-5DFBD178334D}" presName="node" presStyleLbl="node1" presStyleIdx="1" presStyleCnt="2">
@@ -1213,35 +1185,14 @@
         </dgm:presLayoutVars>
       </dgm:prSet>
       <dgm:spPr/>
-      <dgm:t>
-        <a:bodyPr/>
-        <a:lstStyle/>
-        <a:p>
-          <a:endParaRPr lang="en-US"/>
-        </a:p>
-      </dgm:t>
     </dgm:pt>
     <dgm:pt modelId="{E747E740-F8F7-6B41-8142-09025A60FA83}" type="pres">
       <dgm:prSet presAssocID="{E44BEFA8-C88F-7544-AD6C-857B185E495A}" presName="sibTrans" presStyleLbl="sibTrans2D1" presStyleIdx="1" presStyleCnt="2"/>
       <dgm:spPr/>
-      <dgm:t>
-        <a:bodyPr/>
-        <a:lstStyle/>
-        <a:p>
-          <a:endParaRPr lang="en-US"/>
-        </a:p>
-      </dgm:t>
     </dgm:pt>
     <dgm:pt modelId="{242A9705-8B08-184E-AE75-417ABD03C1B0}" type="pres">
       <dgm:prSet presAssocID="{E44BEFA8-C88F-7544-AD6C-857B185E495A}" presName="connectorText" presStyleLbl="sibTrans2D1" presStyleIdx="1" presStyleCnt="2"/>
       <dgm:spPr/>
-      <dgm:t>
-        <a:bodyPr/>
-        <a:lstStyle/>
-        <a:p>
-          <a:endParaRPr lang="en-US"/>
-        </a:p>
-      </dgm:t>
     </dgm:pt>
   </dgm:ptLst>
   <dgm:cxnLst>
@@ -1320,7 +1271,7 @@
         </a:bodyPr>
         <a:lstStyle/>
         <a:p>
-          <a:pPr lvl="0" algn="ctr" defTabSz="1644650">
+          <a:pPr marL="0" lvl="0" indent="0" algn="ctr" defTabSz="1644650">
             <a:lnSpc>
               <a:spcPct val="90000"/>
             </a:lnSpc>
@@ -1330,6 +1281,7 @@
             <a:spcAft>
               <a:spcPct val="35000"/>
             </a:spcAft>
+            <a:buNone/>
           </a:pPr>
           <a:r>
             <a:rPr lang="en-US" sz="3700" kern="1200" dirty="0"/>
@@ -1386,7 +1338,7 @@
         </a:bodyPr>
         <a:lstStyle/>
         <a:p>
-          <a:pPr lvl="0" algn="ctr" defTabSz="533400">
+          <a:pPr marL="0" lvl="0" indent="0" algn="ctr" defTabSz="533400">
             <a:lnSpc>
               <a:spcPct val="90000"/>
             </a:lnSpc>
@@ -1396,6 +1348,7 @@
             <a:spcAft>
               <a:spcPct val="35000"/>
             </a:spcAft>
+            <a:buNone/>
           </a:pPr>
           <a:endParaRPr lang="en-US" sz="1200" kern="1200"/>
         </a:p>
@@ -1446,7 +1399,7 @@
         </a:bodyPr>
         <a:lstStyle/>
         <a:p>
-          <a:pPr lvl="0" algn="ctr" defTabSz="1644650">
+          <a:pPr marL="0" lvl="0" indent="0" algn="ctr" defTabSz="1644650">
             <a:lnSpc>
               <a:spcPct val="90000"/>
             </a:lnSpc>
@@ -1456,6 +1409,7 @@
             <a:spcAft>
               <a:spcPct val="35000"/>
             </a:spcAft>
+            <a:buNone/>
           </a:pPr>
           <a:r>
             <a:rPr lang="en-US" sz="3700" kern="1200" dirty="0"/>
@@ -1512,7 +1466,7 @@
         </a:bodyPr>
         <a:lstStyle/>
         <a:p>
-          <a:pPr lvl="0" algn="ctr" defTabSz="533400">
+          <a:pPr marL="0" lvl="0" indent="0" algn="ctr" defTabSz="533400">
             <a:lnSpc>
               <a:spcPct val="90000"/>
             </a:lnSpc>
@@ -1522,6 +1476,7 @@
             <a:spcAft>
               <a:spcPct val="35000"/>
             </a:spcAft>
+            <a:buNone/>
           </a:pPr>
           <a:endParaRPr lang="en-US" sz="1200" kern="1200"/>
         </a:p>
@@ -2862,7 +2817,7 @@
           <a:p>
             <a:fld id="{3B673598-C1AF-41DD-9D6A-E21EA6AA4E6A}" type="datetimeFigureOut">
               <a:rPr lang="en-CA" smtClean="0"/>
-              <a:t>2016-11-22</a:t>
+              <a:t>2016-11-23</a:t>
             </a:fld>
             <a:endParaRPr lang="en-CA"/>
           </a:p>
@@ -3252,7 +3207,7 @@
           <a:p>
             <a:fld id="{7D10C09F-FCA1-48C8-B40D-42E1045D109E}" type="datetime8">
               <a:rPr lang="en-US" smtClean="0"/>
-              <a:t>11/22/2016 10:20 PM</a:t>
+              <a:t>11/23/2016 11:53 AM</a:t>
             </a:fld>
             <a:endParaRPr lang="en-US" dirty="0"/>
           </a:p>
@@ -3731,7 +3686,7 @@
           <a:p>
             <a:fld id="{9B1F1BED-FA34-4EDB-9E83-DA45C78E247E}" type="datetimeFigureOut">
               <a:rPr lang="en-CA" smtClean="0"/>
-              <a:t>2016-11-22</a:t>
+              <a:t>2016-11-23</a:t>
             </a:fld>
             <a:endParaRPr lang="en-CA"/>
           </a:p>
@@ -3901,7 +3856,7 @@
           <a:p>
             <a:fld id="{9B1F1BED-FA34-4EDB-9E83-DA45C78E247E}" type="datetimeFigureOut">
               <a:rPr lang="en-CA" smtClean="0"/>
-              <a:t>2016-11-22</a:t>
+              <a:t>2016-11-23</a:t>
             </a:fld>
             <a:endParaRPr lang="en-CA"/>
           </a:p>
@@ -4081,7 +4036,7 @@
           <a:p>
             <a:fld id="{9B1F1BED-FA34-4EDB-9E83-DA45C78E247E}" type="datetimeFigureOut">
               <a:rPr lang="en-CA" smtClean="0"/>
-              <a:t>2016-11-22</a:t>
+              <a:t>2016-11-23</a:t>
             </a:fld>
             <a:endParaRPr lang="en-CA"/>
           </a:p>
@@ -4493,7 +4448,7 @@
           <a:p>
             <a:fld id="{9B1F1BED-FA34-4EDB-9E83-DA45C78E247E}" type="datetimeFigureOut">
               <a:rPr lang="en-CA" smtClean="0"/>
-              <a:t>2016-11-22</a:t>
+              <a:t>2016-11-23</a:t>
             </a:fld>
             <a:endParaRPr lang="en-CA"/>
           </a:p>
@@ -4739,7 +4694,7 @@
           <a:p>
             <a:fld id="{9B1F1BED-FA34-4EDB-9E83-DA45C78E247E}" type="datetimeFigureOut">
               <a:rPr lang="en-CA" smtClean="0"/>
-              <a:t>2016-11-22</a:t>
+              <a:t>2016-11-23</a:t>
             </a:fld>
             <a:endParaRPr lang="en-CA"/>
           </a:p>
@@ -4971,7 +4926,7 @@
           <a:p>
             <a:fld id="{9B1F1BED-FA34-4EDB-9E83-DA45C78E247E}" type="datetimeFigureOut">
               <a:rPr lang="en-CA" smtClean="0"/>
-              <a:t>2016-11-22</a:t>
+              <a:t>2016-11-23</a:t>
             </a:fld>
             <a:endParaRPr lang="en-CA"/>
           </a:p>
@@ -5338,7 +5293,7 @@
           <a:p>
             <a:fld id="{9B1F1BED-FA34-4EDB-9E83-DA45C78E247E}" type="datetimeFigureOut">
               <a:rPr lang="en-CA" smtClean="0"/>
-              <a:t>2016-11-22</a:t>
+              <a:t>2016-11-23</a:t>
             </a:fld>
             <a:endParaRPr lang="en-CA"/>
           </a:p>
@@ -5456,7 +5411,7 @@
           <a:p>
             <a:fld id="{9B1F1BED-FA34-4EDB-9E83-DA45C78E247E}" type="datetimeFigureOut">
               <a:rPr lang="en-CA" smtClean="0"/>
-              <a:t>2016-11-22</a:t>
+              <a:t>2016-11-23</a:t>
             </a:fld>
             <a:endParaRPr lang="en-CA"/>
           </a:p>
@@ -5551,7 +5506,7 @@
           <a:p>
             <a:fld id="{9B1F1BED-FA34-4EDB-9E83-DA45C78E247E}" type="datetimeFigureOut">
               <a:rPr lang="en-CA" smtClean="0"/>
-              <a:t>2016-11-22</a:t>
+              <a:t>2016-11-23</a:t>
             </a:fld>
             <a:endParaRPr lang="en-CA"/>
           </a:p>
@@ -5828,7 +5783,7 @@
           <a:p>
             <a:fld id="{9B1F1BED-FA34-4EDB-9E83-DA45C78E247E}" type="datetimeFigureOut">
               <a:rPr lang="en-CA" smtClean="0"/>
-              <a:t>2016-11-22</a:t>
+              <a:t>2016-11-23</a:t>
             </a:fld>
             <a:endParaRPr lang="en-CA"/>
           </a:p>
@@ -6081,7 +6036,7 @@
           <a:p>
             <a:fld id="{9B1F1BED-FA34-4EDB-9E83-DA45C78E247E}" type="datetimeFigureOut">
               <a:rPr lang="en-CA" smtClean="0"/>
-              <a:t>2016-11-22</a:t>
+              <a:t>2016-11-23</a:t>
             </a:fld>
             <a:endParaRPr lang="en-CA"/>
           </a:p>
@@ -6294,7 +6249,7 @@
           <a:p>
             <a:fld id="{9B1F1BED-FA34-4EDB-9E83-DA45C78E247E}" type="datetimeFigureOut">
               <a:rPr lang="en-CA" smtClean="0"/>
-              <a:t>2016-11-22</a:t>
+              <a:t>2016-11-23</a:t>
             </a:fld>
             <a:endParaRPr lang="en-CA"/>
           </a:p>
@@ -6782,13 +6737,6 @@
   <p:transition>
     <p:fade/>
   </p:transition>
-  <p:timing>
-    <p:tnLst>
-      <p:par>
-        <p:cTn id="1" dur="indefinite" restart="never" nodeType="tmRoot"/>
-      </p:par>
-    </p:tnLst>
-  </p:timing>
 </p:sld>
 </file>
 
@@ -10197,13 +10145,6 @@
   <p:transition>
     <p:fade/>
   </p:transition>
-  <p:timing>
-    <p:tnLst>
-      <p:par>
-        <p:cTn id="1" dur="indefinite" restart="never" nodeType="tmRoot"/>
-      </p:par>
-    </p:tnLst>
-  </p:timing>
 </p:sld>
 </file>
 
@@ -10779,13 +10720,6 @@
   <p:transition>
     <p:fade/>
   </p:transition>
-  <p:timing>
-    <p:tnLst>
-      <p:par>
-        <p:cTn id="1" dur="indefinite" restart="never" nodeType="tmRoot"/>
-      </p:par>
-    </p:tnLst>
-  </p:timing>
 </p:sld>
 </file>
 
@@ -10931,13 +10865,6 @@
   <p:transition>
     <p:fade/>
   </p:transition>
-  <p:timing>
-    <p:tnLst>
-      <p:par>
-        <p:cTn id="1" dur="indefinite" restart="never" nodeType="tmRoot"/>
-      </p:par>
-    </p:tnLst>
-  </p:timing>
 </p:sld>
 </file>
 
@@ -11158,13 +11085,6 @@
   <p:transition>
     <p:fade/>
   </p:transition>
-  <p:timing>
-    <p:tnLst>
-      <p:par>
-        <p:cTn id="1" dur="indefinite" restart="never" nodeType="tmRoot"/>
-      </p:par>
-    </p:tnLst>
-  </p:timing>
 </p:sld>
 </file>
 
@@ -22776,13 +22696,6 @@
   <p:transition>
     <p:fade/>
   </p:transition>
-  <p:timing>
-    <p:tnLst>
-      <p:par>
-        <p:cTn id="1" dur="indefinite" restart="never" nodeType="tmRoot"/>
-      </p:par>
-    </p:tnLst>
-  </p:timing>
 </p:sld>
 </file>
 
@@ -23005,6 +22918,40 @@
           </a:p>
         </p:txBody>
       </p:sp>
+      <p:sp>
+        <p:nvSpPr>
+          <p:cNvPr id="5" name="Rectangle 4"/>
+          <p:cNvSpPr/>
+          <p:nvPr/>
+        </p:nvSpPr>
+        <p:spPr>
+          <a:xfrm>
+            <a:off x="149410" y="5129506"/>
+            <a:ext cx="6096000" cy="523220"/>
+          </a:xfrm>
+          <a:prstGeom prst="rect">
+            <a:avLst/>
+          </a:prstGeom>
+        </p:spPr>
+        <p:txBody>
+          <a:bodyPr>
+            <a:spAutoFit/>
+          </a:bodyPr>
+          <a:lstStyle/>
+          <a:p>
+            <a:pPr marL="342900" fontAlgn="ctr"/>
+            <a:r>
+              <a:rPr lang="en-US" sz="2800" dirty="0">
+                <a:latin typeface="Calibri" panose="020F0502020204030204" pitchFamily="34" charset="0"/>
+              </a:rPr>
+              <a:t>OR… Visual Studio!</a:t>
+            </a:r>
+            <a:endParaRPr lang="en-US" sz="4000" dirty="0">
+              <a:latin typeface="Calibri" panose="020F0502020204030204" pitchFamily="34" charset="0"/>
+            </a:endParaRPr>
+          </a:p>
+        </p:txBody>
+      </p:sp>
     </p:spTree>
     <p:extLst>
       <p:ext uri="{BB962C8B-B14F-4D97-AF65-F5344CB8AC3E}">
@@ -23018,13 +22965,6 @@
   <p:transition>
     <p:fade/>
   </p:transition>
-  <p:timing>
-    <p:tnLst>
-      <p:par>
-        <p:cTn id="1" dur="indefinite" restart="never" nodeType="tmRoot"/>
-      </p:par>
-    </p:tnLst>
-  </p:timing>
 </p:sld>
 </file>
 
@@ -23131,13 +23071,6 @@
   <p:transition>
     <p:fade/>
   </p:transition>
-  <p:timing>
-    <p:tnLst>
-      <p:par>
-        <p:cTn id="1" dur="indefinite" restart="never" nodeType="tmRoot"/>
-      </p:par>
-    </p:tnLst>
-  </p:timing>
 </p:sld>
 </file>
 
@@ -23372,13 +23305,6 @@
   <p:clrMapOvr>
     <a:masterClrMapping/>
   </p:clrMapOvr>
-  <p:timing>
-    <p:tnLst>
-      <p:par>
-        <p:cTn id="1" dur="indefinite" restart="never" nodeType="tmRoot"/>
-      </p:par>
-    </p:tnLst>
-  </p:timing>
 </p:sld>
 </file>
 
@@ -25072,7 +24998,7 @@
           <a:p>
             <a:r>
               <a:rPr lang="en-US" sz="3600" dirty="0"/>
-              <a:t>- Monthly 1 Million executions + 400,000GB/sec FREE</a:t>
+              <a:t>- Monthly 1 Million executions + 400,000GB-sec FREE</a:t>
             </a:r>
           </a:p>
         </p:txBody>
@@ -25101,8 +25027,40 @@
           <a:p>
             <a:r>
               <a:rPr lang="en-US" sz="3600" dirty="0"/>
-              <a:t>- After that $0.000016 GB/sec &amp; $0.20 per Million Executions</a:t>
+              <a:t>- After that $0.000016 GB-sec &amp; $0.20 per Million Executions</a:t>
             </a:r>
+          </a:p>
+        </p:txBody>
+      </p:sp>
+      <p:sp>
+        <p:nvSpPr>
+          <p:cNvPr id="8" name="TextBox 7"/>
+          <p:cNvSpPr txBox="1"/>
+          <p:nvPr/>
+        </p:nvSpPr>
+        <p:spPr>
+          <a:xfrm>
+            <a:off x="262964" y="5114382"/>
+            <a:ext cx="11576424" cy="646331"/>
+          </a:xfrm>
+          <a:prstGeom prst="rect">
+            <a:avLst/>
+          </a:prstGeom>
+          <a:noFill/>
+        </p:spPr>
+        <p:txBody>
+          <a:bodyPr wrap="square" rtlCol="0">
+            <a:spAutoFit/>
+          </a:bodyPr>
+          <a:lstStyle/>
+          <a:p>
+            <a:r>
+              <a:rPr lang="en-US" sz="3600">
+                <a:hlinkClick r:id="rId2"/>
+              </a:rPr>
+              <a:t>https://azure.microsoft.com/en-us/pricing/details/functions/</a:t>
+            </a:r>
+            <a:endParaRPr lang="en-US" sz="3600" dirty="0"/>
           </a:p>
         </p:txBody>
       </p:sp>
@@ -25352,6 +25310,51 @@
                       </p:childTnLst>
                     </p:cTn>
                   </p:par>
+                  <p:par>
+                    <p:cTn id="23" fill="hold">
+                      <p:stCondLst>
+                        <p:cond delay="indefinite"/>
+                      </p:stCondLst>
+                      <p:childTnLst>
+                        <p:par>
+                          <p:cTn id="24" fill="hold">
+                            <p:stCondLst>
+                              <p:cond delay="0"/>
+                            </p:stCondLst>
+                            <p:childTnLst>
+                              <p:par>
+                                <p:cTn id="25" presetID="1" presetClass="entr" presetSubtype="0" fill="hold" grpId="0" nodeType="clickEffect">
+                                  <p:stCondLst>
+                                    <p:cond delay="0"/>
+                                  </p:stCondLst>
+                                  <p:childTnLst>
+                                    <p:set>
+                                      <p:cBhvr>
+                                        <p:cTn id="26" dur="1" fill="hold">
+                                          <p:stCondLst>
+                                            <p:cond delay="0"/>
+                                          </p:stCondLst>
+                                        </p:cTn>
+                                        <p:tgtEl>
+                                          <p:spTgt spid="8"/>
+                                        </p:tgtEl>
+                                        <p:attrNameLst>
+                                          <p:attrName>style.visibility</p:attrName>
+                                        </p:attrNameLst>
+                                      </p:cBhvr>
+                                      <p:to>
+                                        <p:strVal val="visible"/>
+                                      </p:to>
+                                    </p:set>
+                                  </p:childTnLst>
+                                </p:cTn>
+                              </p:par>
+                            </p:childTnLst>
+                          </p:cTn>
+                        </p:par>
+                      </p:childTnLst>
+                    </p:cTn>
+                  </p:par>
                 </p:childTnLst>
               </p:cTn>
               <p:prevCondLst>
@@ -25379,6 +25382,7 @@
       <p:bldP spid="13" grpId="0"/>
       <p:bldP spid="15" grpId="0"/>
       <p:bldP spid="20" grpId="0"/>
+      <p:bldP spid="8" grpId="0"/>
     </p:bldLst>
   </p:timing>
 </p:sld>
@@ -25476,24 +25480,6 @@
                 <a:cs typeface="Segoe UI" pitchFamily="34" charset="0"/>
               </a:rPr>
               <a:t>App Service Dynamic Runtime</a:t>
-            </a:r>
-            <a:r>
-              <a:rPr lang="en-US" sz="2400">
-                <a:gradFill>
-                  <a:gsLst>
-                    <a:gs pos="0">
-                      <a:srgbClr val="FFFFFF"/>
-                    </a:gs>
-                    <a:gs pos="100000">
-                      <a:srgbClr val="FFFFFF"/>
-                    </a:gs>
-                  </a:gsLst>
-                  <a:lin ang="5400000" scaled="0"/>
-                </a:gradFill>
-                <a:ea typeface="Segoe UI" pitchFamily="34" charset="0"/>
-                <a:cs typeface="Segoe UI" pitchFamily="34" charset="0"/>
-              </a:rPr>
-              <a:t/>
             </a:r>
             <a:br>
               <a:rPr lang="en-US" sz="2400">
@@ -27411,7 +27397,7 @@
           </a:lstStyle>
           <a:p>
             <a:r>
-              <a:rPr lang="en-CA" b="1" dirty="0" smtClean="0">
+              <a:rPr lang="en-CA" b="1" dirty="0">
                 <a:solidFill>
                   <a:schemeClr val="bg1"/>
                 </a:solidFill>
@@ -27419,7 +27405,7 @@
               <a:t>What Functions </a:t>
             </a:r>
             <a:r>
-              <a:rPr lang="en-CA" b="1" i="1" dirty="0" smtClean="0">
+              <a:rPr lang="en-CA" b="1" i="1" dirty="0">
                 <a:solidFill>
                   <a:schemeClr val="bg1"/>
                 </a:solidFill>
@@ -27427,18 +27413,13 @@
               <a:t>Should</a:t>
             </a:r>
             <a:r>
-              <a:rPr lang="en-CA" b="1" dirty="0" smtClean="0">
+              <a:rPr lang="en-CA" b="1" dirty="0">
                 <a:solidFill>
                   <a:schemeClr val="bg1"/>
                 </a:solidFill>
               </a:rPr>
               <a:t> Do</a:t>
             </a:r>
-            <a:endParaRPr lang="en-CA" b="1" dirty="0">
-              <a:solidFill>
-                <a:schemeClr val="bg1"/>
-              </a:solidFill>
-            </a:endParaRPr>
           </a:p>
         </p:txBody>
       </p:sp>
@@ -28123,8 +28104,8 @@
           </a:p>
         </p:txBody>
       </p:sp>
-      <mc:AlternateContent xmlns:mc="http://schemas.openxmlformats.org/markup-compatibility/2006">
-        <mc:Choice xmlns:we="http://schemas.microsoft.com/office/webextensions/webextension/2010/11" xmlns:pca="http://schemas.microsoft.com/office/powerpoint/2013/contentapp" Requires="we pca">
+      <mc:AlternateContent xmlns:mc="http://schemas.openxmlformats.org/markup-compatibility/2006" xmlns:we="http://schemas.microsoft.com/office/webextensions/webextension/2010/11" xmlns:pca="http://schemas.microsoft.com/office/powerpoint/2013/contentapp">
+        <mc:Choice Requires="we pca">
           <p:graphicFrame>
             <p:nvGraphicFramePr>
               <p:cNvPr id="2" name="Add-in 1" title="Code Presenter Pro"/>
@@ -28150,7 +28131,7 @@
             </a:graphic>
           </p:graphicFrame>
         </mc:Choice>
-        <mc:Fallback>
+        <mc:Fallback xmlns="">
           <p:pic>
             <p:nvPicPr>
               <p:cNvPr id="2" name="Add-in 1" title="Code Presenter Pro"/>
@@ -28177,8 +28158,8 @@
           </p:pic>
         </mc:Fallback>
       </mc:AlternateContent>
-      <mc:AlternateContent xmlns:mc="http://schemas.openxmlformats.org/markup-compatibility/2006">
-        <mc:Choice xmlns:we="http://schemas.microsoft.com/office/webextensions/webextension/2010/11" xmlns:pca="http://schemas.microsoft.com/office/powerpoint/2013/contentapp" Requires="we pca">
+      <mc:AlternateContent xmlns:mc="http://schemas.openxmlformats.org/markup-compatibility/2006" xmlns:we="http://schemas.microsoft.com/office/webextensions/webextension/2010/11" xmlns:pca="http://schemas.microsoft.com/office/powerpoint/2013/contentapp">
+        <mc:Choice Requires="we pca">
           <p:graphicFrame>
             <p:nvGraphicFramePr>
               <p:cNvPr id="7" name="Add-in 6" title="Code Presenter Pro"/>
@@ -28204,7 +28185,7 @@
             </a:graphic>
           </p:graphicFrame>
         </mc:Choice>
-        <mc:Fallback>
+        <mc:Fallback xmlns="">
           <p:pic>
             <p:nvPicPr>
               <p:cNvPr id="7" name="Add-in 6" title="Code Presenter Pro"/>
@@ -28244,13 +28225,6 @@
   <p:transition>
     <p:fade/>
   </p:transition>
-  <p:timing>
-    <p:tnLst>
-      <p:par>
-        <p:cTn id="1" dur="indefinite" restart="never" nodeType="tmRoot"/>
-      </p:par>
-    </p:tnLst>
-  </p:timing>
 </p:sld>
 </file>
 
@@ -28350,8 +28324,8 @@
           </a:p>
         </p:txBody>
       </p:sp>
-      <mc:AlternateContent xmlns:mc="http://schemas.openxmlformats.org/markup-compatibility/2006">
-        <mc:Choice xmlns:we="http://schemas.microsoft.com/office/webextensions/webextension/2010/11" xmlns:pca="http://schemas.microsoft.com/office/powerpoint/2013/contentapp" Requires="we pca">
+      <mc:AlternateContent xmlns:mc="http://schemas.openxmlformats.org/markup-compatibility/2006" xmlns:we="http://schemas.microsoft.com/office/webextensions/webextension/2010/11" xmlns:pca="http://schemas.microsoft.com/office/powerpoint/2013/contentapp">
+        <mc:Choice Requires="we pca">
           <p:graphicFrame>
             <p:nvGraphicFramePr>
               <p:cNvPr id="2" name="Add-in 1" title="Code Presenter Pro"/>
@@ -28377,7 +28351,7 @@
             </a:graphic>
           </p:graphicFrame>
         </mc:Choice>
-        <mc:Fallback>
+        <mc:Fallback xmlns="">
           <p:pic>
             <p:nvPicPr>
               <p:cNvPr id="2" name="Add-in 1" title="Code Presenter Pro"/>
@@ -28417,13 +28391,6 @@
   <p:transition>
     <p:fade/>
   </p:transition>
-  <p:timing>
-    <p:tnLst>
-      <p:par>
-        <p:cTn id="1" dur="indefinite" restart="never" nodeType="tmRoot"/>
-      </p:par>
-    </p:tnLst>
-  </p:timing>
 </p:sld>
 </file>
 

--- a/AzureFunctions.pptx
+++ b/AzureFunctions.pptx
@@ -5,27 +5,28 @@
     <p:sldMasterId id="2147483648" r:id="rId1"/>
   </p:sldMasterIdLst>
   <p:notesMasterIdLst>
-    <p:notesMasterId r:id="rId20"/>
+    <p:notesMasterId r:id="rId21"/>
   </p:notesMasterIdLst>
   <p:sldIdLst>
     <p:sldId id="257" r:id="rId2"/>
-    <p:sldId id="261" r:id="rId3"/>
-    <p:sldId id="262" r:id="rId4"/>
-    <p:sldId id="263" r:id="rId5"/>
-    <p:sldId id="260" r:id="rId6"/>
-    <p:sldId id="267" r:id="rId7"/>
-    <p:sldId id="266" r:id="rId8"/>
-    <p:sldId id="275" r:id="rId9"/>
-    <p:sldId id="276" r:id="rId10"/>
-    <p:sldId id="268" r:id="rId11"/>
-    <p:sldId id="264" r:id="rId12"/>
-    <p:sldId id="269" r:id="rId13"/>
-    <p:sldId id="270" r:id="rId14"/>
-    <p:sldId id="271" r:id="rId15"/>
-    <p:sldId id="272" r:id="rId16"/>
-    <p:sldId id="273" r:id="rId17"/>
-    <p:sldId id="274" r:id="rId18"/>
-    <p:sldId id="259" r:id="rId19"/>
+    <p:sldId id="277" r:id="rId3"/>
+    <p:sldId id="261" r:id="rId4"/>
+    <p:sldId id="262" r:id="rId5"/>
+    <p:sldId id="263" r:id="rId6"/>
+    <p:sldId id="260" r:id="rId7"/>
+    <p:sldId id="267" r:id="rId8"/>
+    <p:sldId id="266" r:id="rId9"/>
+    <p:sldId id="275" r:id="rId10"/>
+    <p:sldId id="276" r:id="rId11"/>
+    <p:sldId id="268" r:id="rId12"/>
+    <p:sldId id="264" r:id="rId13"/>
+    <p:sldId id="269" r:id="rId14"/>
+    <p:sldId id="270" r:id="rId15"/>
+    <p:sldId id="271" r:id="rId16"/>
+    <p:sldId id="272" r:id="rId17"/>
+    <p:sldId id="273" r:id="rId18"/>
+    <p:sldId id="274" r:id="rId19"/>
+    <p:sldId id="259" r:id="rId20"/>
   </p:sldIdLst>
   <p:sldSz cx="12192000" cy="6858000"/>
   <p:notesSz cx="6858000" cy="9144000"/>
@@ -1161,6 +1162,13 @@
         </dgm:presLayoutVars>
       </dgm:prSet>
       <dgm:spPr/>
+      <dgm:t>
+        <a:bodyPr/>
+        <a:lstStyle/>
+        <a:p>
+          <a:endParaRPr lang="en-US"/>
+        </a:p>
+      </dgm:t>
     </dgm:pt>
     <dgm:pt modelId="{F4E532E6-66D6-C542-B8C3-136424B07555}" type="pres">
       <dgm:prSet presAssocID="{18D025D8-F1B4-E340-8017-A3F96EB49642}" presName="node" presStyleLbl="node1" presStyleIdx="0" presStyleCnt="2">
@@ -1169,14 +1177,35 @@
         </dgm:presLayoutVars>
       </dgm:prSet>
       <dgm:spPr/>
+      <dgm:t>
+        <a:bodyPr/>
+        <a:lstStyle/>
+        <a:p>
+          <a:endParaRPr lang="en-US"/>
+        </a:p>
+      </dgm:t>
     </dgm:pt>
     <dgm:pt modelId="{4CCCA322-8FF1-034E-BCA3-496EEEFA1B28}" type="pres">
       <dgm:prSet presAssocID="{FD11F52C-A2D5-734C-8456-3C254DFAA87F}" presName="sibTrans" presStyleLbl="sibTrans2D1" presStyleIdx="0" presStyleCnt="2"/>
       <dgm:spPr/>
+      <dgm:t>
+        <a:bodyPr/>
+        <a:lstStyle/>
+        <a:p>
+          <a:endParaRPr lang="en-US"/>
+        </a:p>
+      </dgm:t>
     </dgm:pt>
     <dgm:pt modelId="{7CBDF54A-8860-7740-AB04-556D1D7774A6}" type="pres">
       <dgm:prSet presAssocID="{FD11F52C-A2D5-734C-8456-3C254DFAA87F}" presName="connectorText" presStyleLbl="sibTrans2D1" presStyleIdx="0" presStyleCnt="2"/>
       <dgm:spPr/>
+      <dgm:t>
+        <a:bodyPr/>
+        <a:lstStyle/>
+        <a:p>
+          <a:endParaRPr lang="en-US"/>
+        </a:p>
+      </dgm:t>
     </dgm:pt>
     <dgm:pt modelId="{3F34A553-5877-D14B-B6C4-8484F152709B}" type="pres">
       <dgm:prSet presAssocID="{AB23B465-8C21-E846-8FCC-5DFBD178334D}" presName="node" presStyleLbl="node1" presStyleIdx="1" presStyleCnt="2">
@@ -1185,14 +1214,35 @@
         </dgm:presLayoutVars>
       </dgm:prSet>
       <dgm:spPr/>
+      <dgm:t>
+        <a:bodyPr/>
+        <a:lstStyle/>
+        <a:p>
+          <a:endParaRPr lang="en-US"/>
+        </a:p>
+      </dgm:t>
     </dgm:pt>
     <dgm:pt modelId="{E747E740-F8F7-6B41-8142-09025A60FA83}" type="pres">
       <dgm:prSet presAssocID="{E44BEFA8-C88F-7544-AD6C-857B185E495A}" presName="sibTrans" presStyleLbl="sibTrans2D1" presStyleIdx="1" presStyleCnt="2"/>
       <dgm:spPr/>
+      <dgm:t>
+        <a:bodyPr/>
+        <a:lstStyle/>
+        <a:p>
+          <a:endParaRPr lang="en-US"/>
+        </a:p>
+      </dgm:t>
     </dgm:pt>
     <dgm:pt modelId="{242A9705-8B08-184E-AE75-417ABD03C1B0}" type="pres">
       <dgm:prSet presAssocID="{E44BEFA8-C88F-7544-AD6C-857B185E495A}" presName="connectorText" presStyleLbl="sibTrans2D1" presStyleIdx="1" presStyleCnt="2"/>
       <dgm:spPr/>
+      <dgm:t>
+        <a:bodyPr/>
+        <a:lstStyle/>
+        <a:p>
+          <a:endParaRPr lang="en-US"/>
+        </a:p>
+      </dgm:t>
     </dgm:pt>
   </dgm:ptLst>
   <dgm:cxnLst>
@@ -1271,7 +1321,7 @@
         </a:bodyPr>
         <a:lstStyle/>
         <a:p>
-          <a:pPr marL="0" lvl="0" indent="0" algn="ctr" defTabSz="1644650">
+          <a:pPr lvl="0" algn="ctr" defTabSz="1644650">
             <a:lnSpc>
               <a:spcPct val="90000"/>
             </a:lnSpc>
@@ -1281,7 +1331,6 @@
             <a:spcAft>
               <a:spcPct val="35000"/>
             </a:spcAft>
-            <a:buNone/>
           </a:pPr>
           <a:r>
             <a:rPr lang="en-US" sz="3700" kern="1200" dirty="0"/>
@@ -1338,7 +1387,7 @@
         </a:bodyPr>
         <a:lstStyle/>
         <a:p>
-          <a:pPr marL="0" lvl="0" indent="0" algn="ctr" defTabSz="533400">
+          <a:pPr lvl="0" algn="ctr" defTabSz="533400">
             <a:lnSpc>
               <a:spcPct val="90000"/>
             </a:lnSpc>
@@ -1348,7 +1397,6 @@
             <a:spcAft>
               <a:spcPct val="35000"/>
             </a:spcAft>
-            <a:buNone/>
           </a:pPr>
           <a:endParaRPr lang="en-US" sz="1200" kern="1200"/>
         </a:p>
@@ -1399,7 +1447,7 @@
         </a:bodyPr>
         <a:lstStyle/>
         <a:p>
-          <a:pPr marL="0" lvl="0" indent="0" algn="ctr" defTabSz="1644650">
+          <a:pPr lvl="0" algn="ctr" defTabSz="1644650">
             <a:lnSpc>
               <a:spcPct val="90000"/>
             </a:lnSpc>
@@ -1409,7 +1457,6 @@
             <a:spcAft>
               <a:spcPct val="35000"/>
             </a:spcAft>
-            <a:buNone/>
           </a:pPr>
           <a:r>
             <a:rPr lang="en-US" sz="3700" kern="1200" dirty="0"/>
@@ -1466,7 +1513,7 @@
         </a:bodyPr>
         <a:lstStyle/>
         <a:p>
-          <a:pPr marL="0" lvl="0" indent="0" algn="ctr" defTabSz="533400">
+          <a:pPr lvl="0" algn="ctr" defTabSz="533400">
             <a:lnSpc>
               <a:spcPct val="90000"/>
             </a:lnSpc>
@@ -1476,7 +1523,6 @@
             <a:spcAft>
               <a:spcPct val="35000"/>
             </a:spcAft>
-            <a:buNone/>
           </a:pPr>
           <a:endParaRPr lang="en-US" sz="1200" kern="1200"/>
         </a:p>
@@ -3207,7 +3253,7 @@
           <a:p>
             <a:fld id="{7D10C09F-FCA1-48C8-B40D-42E1045D109E}" type="datetime8">
               <a:rPr lang="en-US" smtClean="0"/>
-              <a:t>11/23/2016 11:53 AM</a:t>
+              <a:t>11/23/2016 2:56 PM</a:t>
             </a:fld>
             <a:endParaRPr lang="en-US" dirty="0"/>
           </a:p>
@@ -3351,7 +3397,7 @@
           <a:p>
             <a:fld id="{C7A977E6-84F1-4ABE-8B90-0EE8AE00C74E}" type="slidenum">
               <a:rPr lang="en-CA" smtClean="0"/>
-              <a:t>16</a:t>
+              <a:t>17</a:t>
             </a:fld>
             <a:endParaRPr lang="en-CA"/>
           </a:p>
@@ -3452,7 +3498,7 @@
           <a:p>
             <a:fld id="{C7A977E6-84F1-4ABE-8B90-0EE8AE00C74E}" type="slidenum">
               <a:rPr lang="en-CA" smtClean="0"/>
-              <a:t>17</a:t>
+              <a:t>18</a:t>
             </a:fld>
             <a:endParaRPr lang="en-CA"/>
           </a:p>
@@ -3536,7 +3582,7 @@
           <a:p>
             <a:fld id="{8FBC0A21-6C70-4DBD-9993-01A1989983DD}" type="slidenum">
               <a:rPr lang="en-CA" smtClean="0"/>
-              <a:t>18</a:t>
+              <a:t>19</a:t>
             </a:fld>
             <a:endParaRPr lang="en-CA"/>
           </a:p>
@@ -6741,6 +6787,172 @@
 </file>
 
 <file path=ppt/slides/slide10.xml><?xml version="1.0" encoding="utf-8"?>
+<p:sld xmlns:a="http://schemas.openxmlformats.org/drawingml/2006/main" xmlns:r="http://schemas.openxmlformats.org/officeDocument/2006/relationships" xmlns:p="http://schemas.openxmlformats.org/presentationml/2006/main">
+  <p:cSld>
+    <p:spTree>
+      <p:nvGrpSpPr>
+        <p:cNvPr id="1" name=""/>
+        <p:cNvGrpSpPr/>
+        <p:nvPr/>
+      </p:nvGrpSpPr>
+      <p:grpSpPr>
+        <a:xfrm>
+          <a:off x="0" y="0"/>
+          <a:ext cx="0" cy="0"/>
+          <a:chOff x="0" y="0"/>
+          <a:chExt cx="0" cy="0"/>
+        </a:xfrm>
+      </p:grpSpPr>
+      <p:sp>
+        <p:nvSpPr>
+          <p:cNvPr id="14" name="Title 1"/>
+          <p:cNvSpPr>
+            <a:spLocks noGrp="1"/>
+          </p:cNvSpPr>
+          <p:nvPr>
+            <p:ph type="title"/>
+          </p:nvPr>
+        </p:nvSpPr>
+        <p:spPr>
+          <a:xfrm>
+            <a:off x="0" y="0"/>
+            <a:ext cx="12192000" cy="1325563"/>
+          </a:xfrm>
+          <a:solidFill>
+            <a:srgbClr val="0070C0"/>
+          </a:solidFill>
+        </p:spPr>
+        <p:txBody>
+          <a:bodyPr/>
+          <a:lstStyle/>
+          <a:p>
+            <a:r>
+              <a:rPr lang="en-CA" b="1" dirty="0">
+                <a:solidFill>
+                  <a:schemeClr val="bg1"/>
+                </a:solidFill>
+              </a:rPr>
+              <a:t>Bindings - Imperative</a:t>
+            </a:r>
+          </a:p>
+        </p:txBody>
+      </p:sp>
+      <p:sp>
+        <p:nvSpPr>
+          <p:cNvPr id="3" name="TextBox 2"/>
+          <p:cNvSpPr txBox="1"/>
+          <p:nvPr/>
+        </p:nvSpPr>
+        <p:spPr>
+          <a:xfrm>
+            <a:off x="283882" y="1533977"/>
+            <a:ext cx="11624236" cy="646331"/>
+          </a:xfrm>
+          <a:prstGeom prst="rect">
+            <a:avLst/>
+          </a:prstGeom>
+          <a:noFill/>
+        </p:spPr>
+        <p:txBody>
+          <a:bodyPr wrap="square" rtlCol="0">
+            <a:spAutoFit/>
+          </a:bodyPr>
+          <a:lstStyle/>
+          <a:p>
+            <a:r>
+              <a:rPr lang="en-US" sz="3600" dirty="0"/>
+              <a:t>Using </a:t>
+            </a:r>
+            <a:r>
+              <a:rPr lang="en-US" sz="3600" i="1" dirty="0" err="1"/>
+              <a:t>IBinder</a:t>
+            </a:r>
+            <a:r>
+              <a:rPr lang="en-US" sz="3600" dirty="0"/>
+              <a:t> or </a:t>
+            </a:r>
+            <a:r>
+              <a:rPr lang="en-US" sz="3600" i="1" dirty="0"/>
+              <a:t>Binder</a:t>
+            </a:r>
+            <a:r>
+              <a:rPr lang="en-US" sz="3600" dirty="0"/>
+              <a:t> parameter</a:t>
+            </a:r>
+          </a:p>
+        </p:txBody>
+      </p:sp>
+      <mc:AlternateContent xmlns:mc="http://schemas.openxmlformats.org/markup-compatibility/2006" xmlns:we="http://schemas.microsoft.com/office/webextensions/webextension/2010/11" xmlns:pca="http://schemas.microsoft.com/office/powerpoint/2013/contentapp">
+        <mc:Choice Requires="we pca">
+          <p:graphicFrame>
+            <p:nvGraphicFramePr>
+              <p:cNvPr id="2" name="Add-in 1" title="Code Presenter Pro"/>
+              <p:cNvGraphicFramePr>
+                <a:graphicFrameLocks noGrp="1"/>
+              </p:cNvGraphicFramePr>
+              <p:nvPr>
+                <p:extLst>
+                  <p:ext uri="{D42A27DB-BD31-4B8C-83A1-F6EECF244321}">
+                    <p14:modId xmlns:p14="http://schemas.microsoft.com/office/powerpoint/2010/main" val="1827484610"/>
+                  </p:ext>
+                </p:extLst>
+              </p:nvPr>
+            </p:nvGraphicFramePr>
+            <p:xfrm>
+              <a:off x="283882" y="2180309"/>
+              <a:ext cx="11624236" cy="4528716"/>
+            </p:xfrm>
+            <a:graphic>
+              <a:graphicData uri="http://schemas.microsoft.com/office/webextensions/webextension/2010/11">
+                <we:webextensionref xmlns:we="http://schemas.microsoft.com/office/webextensions/webextension/2010/11" xmlns:r="http://schemas.openxmlformats.org/officeDocument/2006/relationships" r:id="rId2"/>
+              </a:graphicData>
+            </a:graphic>
+          </p:graphicFrame>
+        </mc:Choice>
+        <mc:Fallback xmlns="">
+          <p:pic>
+            <p:nvPicPr>
+              <p:cNvPr id="2" name="Add-in 1" title="Code Presenter Pro"/>
+              <p:cNvPicPr>
+                <a:picLocks noGrp="1" noRot="1" noChangeAspect="1" noMove="1" noResize="1" noEditPoints="1" noAdjustHandles="1" noChangeArrowheads="1" noChangeShapeType="1"/>
+              </p:cNvPicPr>
+              <p:nvPr/>
+            </p:nvPicPr>
+            <p:blipFill>
+              <a:blip r:embed="rId3"/>
+              <a:stretch>
+                <a:fillRect/>
+              </a:stretch>
+            </p:blipFill>
+            <p:spPr>
+              <a:xfrm>
+                <a:off x="283882" y="2180309"/>
+                <a:ext cx="11624236" cy="4528716"/>
+              </a:xfrm>
+              <a:prstGeom prst="rect">
+                <a:avLst/>
+              </a:prstGeom>
+            </p:spPr>
+          </p:pic>
+        </mc:Fallback>
+      </mc:AlternateContent>
+    </p:spTree>
+    <p:extLst>
+      <p:ext uri="{BB962C8B-B14F-4D97-AF65-F5344CB8AC3E}">
+        <p14:creationId xmlns:p14="http://schemas.microsoft.com/office/powerpoint/2010/main" val="517819327"/>
+      </p:ext>
+    </p:extLst>
+  </p:cSld>
+  <p:clrMapOvr>
+    <a:masterClrMapping/>
+  </p:clrMapOvr>
+  <p:transition>
+    <p:fade/>
+  </p:transition>
+</p:sld>
+</file>
+
+<file path=ppt/slides/slide11.xml><?xml version="1.0" encoding="utf-8"?>
 <p:sld xmlns:a="http://schemas.openxmlformats.org/drawingml/2006/main" xmlns:r="http://schemas.openxmlformats.org/officeDocument/2006/relationships" xmlns:p="http://schemas.openxmlformats.org/presentationml/2006/main">
   <p:cSld>
     <p:spTree>
@@ -10148,7 +10360,7 @@
 </p:sld>
 </file>
 
-<file path=ppt/slides/slide11.xml><?xml version="1.0" encoding="utf-8"?>
+<file path=ppt/slides/slide12.xml><?xml version="1.0" encoding="utf-8"?>
 <p:sld xmlns:a="http://schemas.openxmlformats.org/drawingml/2006/main" xmlns:r="http://schemas.openxmlformats.org/officeDocument/2006/relationships" xmlns:p="http://schemas.openxmlformats.org/presentationml/2006/main">
   <p:cSld>
     <p:spTree>
@@ -10585,7 +10797,7 @@
 </p:sld>
 </file>
 
-<file path=ppt/slides/slide12.xml><?xml version="1.0" encoding="utf-8"?>
+<file path=ppt/slides/slide13.xml><?xml version="1.0" encoding="utf-8"?>
 <p:sld xmlns:a="http://schemas.openxmlformats.org/drawingml/2006/main" xmlns:r="http://schemas.openxmlformats.org/officeDocument/2006/relationships" xmlns:p="http://schemas.openxmlformats.org/presentationml/2006/main">
   <p:cSld>
     <p:spTree>
@@ -10723,7 +10935,7 @@
 </p:sld>
 </file>
 
-<file path=ppt/slides/slide13.xml><?xml version="1.0" encoding="utf-8"?>
+<file path=ppt/slides/slide14.xml><?xml version="1.0" encoding="utf-8"?>
 <p:sld xmlns:a="http://schemas.openxmlformats.org/drawingml/2006/main" xmlns:r="http://schemas.openxmlformats.org/officeDocument/2006/relationships" xmlns:p="http://schemas.openxmlformats.org/presentationml/2006/main">
   <p:cSld>
     <p:spTree>
@@ -10868,7 +11080,7 @@
 </p:sld>
 </file>
 
-<file path=ppt/slides/slide14.xml><?xml version="1.0" encoding="utf-8"?>
+<file path=ppt/slides/slide15.xml><?xml version="1.0" encoding="utf-8"?>
 <p:sld xmlns:a="http://schemas.openxmlformats.org/drawingml/2006/main" xmlns:r="http://schemas.openxmlformats.org/officeDocument/2006/relationships" xmlns:p="http://schemas.openxmlformats.org/presentationml/2006/main">
   <p:cSld>
     <p:spTree>
@@ -11088,7 +11300,7 @@
 </p:sld>
 </file>
 
-<file path=ppt/slides/slide15.xml><?xml version="1.0" encoding="utf-8"?>
+<file path=ppt/slides/slide16.xml><?xml version="1.0" encoding="utf-8"?>
 <p:sld xmlns:a="http://schemas.openxmlformats.org/drawingml/2006/main" xmlns:r="http://schemas.openxmlformats.org/officeDocument/2006/relationships" xmlns:p="http://schemas.openxmlformats.org/presentationml/2006/main">
   <p:cSld>
     <p:spTree>
@@ -22699,7 +22911,7 @@
 </p:sld>
 </file>
 
-<file path=ppt/slides/slide16.xml><?xml version="1.0" encoding="utf-8"?>
+<file path=ppt/slides/slide17.xml><?xml version="1.0" encoding="utf-8"?>
 <p:sld xmlns:a="http://schemas.openxmlformats.org/drawingml/2006/main" xmlns:r="http://schemas.openxmlformats.org/officeDocument/2006/relationships" xmlns:p="http://schemas.openxmlformats.org/presentationml/2006/main">
   <p:cSld>
     <p:spTree>
@@ -22926,15 +23138,15 @@
         </p:nvSpPr>
         <p:spPr>
           <a:xfrm>
-            <a:off x="149410" y="5129506"/>
-            <a:ext cx="6096000" cy="523220"/>
+            <a:off x="149409" y="5129506"/>
+            <a:ext cx="10777415" cy="523220"/>
           </a:xfrm>
           <a:prstGeom prst="rect">
             <a:avLst/>
           </a:prstGeom>
         </p:spPr>
         <p:txBody>
-          <a:bodyPr>
+          <a:bodyPr wrap="square">
             <a:spAutoFit/>
           </a:bodyPr>
           <a:lstStyle/>
@@ -22944,7 +23156,31 @@
               <a:rPr lang="en-US" sz="2800" dirty="0">
                 <a:latin typeface="Calibri" panose="020F0502020204030204" pitchFamily="34" charset="0"/>
               </a:rPr>
-              <a:t>OR… Visual Studio!</a:t>
+              <a:t>OR</a:t>
+            </a:r>
+            <a:r>
+              <a:rPr lang="en-US" sz="2800" dirty="0" smtClean="0">
+                <a:latin typeface="Calibri" panose="020F0502020204030204" pitchFamily="34" charset="0"/>
+              </a:rPr>
+              <a:t>… Exclusive For Calgary .NET </a:t>
+            </a:r>
+            <a:r>
+              <a:rPr lang="en-US" sz="2800" dirty="0" err="1" smtClean="0">
+                <a:latin typeface="Calibri" panose="020F0502020204030204" pitchFamily="34" charset="0"/>
+              </a:rPr>
+              <a:t>usergroup</a:t>
+            </a:r>
+            <a:r>
+              <a:rPr lang="en-US" sz="2800" dirty="0" smtClean="0">
+                <a:latin typeface="Calibri" panose="020F0502020204030204" pitchFamily="34" charset="0"/>
+              </a:rPr>
+              <a:t> - Visual </a:t>
+            </a:r>
+            <a:r>
+              <a:rPr lang="en-US" sz="2800" dirty="0">
+                <a:latin typeface="Calibri" panose="020F0502020204030204" pitchFamily="34" charset="0"/>
+              </a:rPr>
+              <a:t>Studio!</a:t>
             </a:r>
             <a:endParaRPr lang="en-US" sz="4000" dirty="0">
               <a:latin typeface="Calibri" panose="020F0502020204030204" pitchFamily="34" charset="0"/>
@@ -22965,10 +23201,88 @@
   <p:transition>
     <p:fade/>
   </p:transition>
+  <p:timing>
+    <p:tnLst>
+      <p:par>
+        <p:cTn id="1" dur="indefinite" restart="never" nodeType="tmRoot">
+          <p:childTnLst>
+            <p:seq concurrent="1" nextAc="seek">
+              <p:cTn id="2" dur="indefinite" nodeType="mainSeq">
+                <p:childTnLst>
+                  <p:par>
+                    <p:cTn id="3" fill="hold">
+                      <p:stCondLst>
+                        <p:cond delay="indefinite"/>
+                      </p:stCondLst>
+                      <p:childTnLst>
+                        <p:par>
+                          <p:cTn id="4" fill="hold">
+                            <p:stCondLst>
+                              <p:cond delay="0"/>
+                            </p:stCondLst>
+                            <p:childTnLst>
+                              <p:par>
+                                <p:cTn id="5" presetID="1" presetClass="entr" presetSubtype="0" fill="hold" grpId="0" nodeType="clickEffect">
+                                  <p:stCondLst>
+                                    <p:cond delay="0"/>
+                                  </p:stCondLst>
+                                  <p:childTnLst>
+                                    <p:set>
+                                      <p:cBhvr>
+                                        <p:cTn id="6" dur="1" fill="hold">
+                                          <p:stCondLst>
+                                            <p:cond delay="0"/>
+                                          </p:stCondLst>
+                                        </p:cTn>
+                                        <p:tgtEl>
+                                          <p:spTgt spid="5"/>
+                                        </p:tgtEl>
+                                        <p:attrNameLst>
+                                          <p:attrName>style.visibility</p:attrName>
+                                        </p:attrNameLst>
+                                      </p:cBhvr>
+                                      <p:to>
+                                        <p:strVal val="visible"/>
+                                      </p:to>
+                                    </p:set>
+                                  </p:childTnLst>
+                                </p:cTn>
+                              </p:par>
+                            </p:childTnLst>
+                          </p:cTn>
+                        </p:par>
+                      </p:childTnLst>
+                    </p:cTn>
+                  </p:par>
+                </p:childTnLst>
+              </p:cTn>
+              <p:prevCondLst>
+                <p:cond evt="onPrev" delay="0">
+                  <p:tgtEl>
+                    <p:sldTgt/>
+                  </p:tgtEl>
+                </p:cond>
+              </p:prevCondLst>
+              <p:nextCondLst>
+                <p:cond evt="onNext" delay="0">
+                  <p:tgtEl>
+                    <p:sldTgt/>
+                  </p:tgtEl>
+                </p:cond>
+              </p:nextCondLst>
+            </p:seq>
+          </p:childTnLst>
+        </p:cTn>
+      </p:par>
+    </p:tnLst>
+    <p:bldLst>
+      <p:bldP spid="5" grpId="0"/>
+    </p:bldLst>
+  </p:timing>
 </p:sld>
 </file>
 
-<file path=ppt/slides/slide17.xml><?xml version="1.0" encoding="utf-8"?>
+<file path=ppt/slides/slide18.xml><?xml version="1.0" encoding="utf-8"?>
 <p:sld xmlns:a="http://schemas.openxmlformats.org/drawingml/2006/main" xmlns:r="http://schemas.openxmlformats.org/officeDocument/2006/relationships" xmlns:p="http://schemas.openxmlformats.org/presentationml/2006/main">
   <p:cSld>
     <p:spTree>
@@ -23074,7 +23388,7 @@
 </p:sld>
 </file>
 
-<file path=ppt/slides/slide18.xml><?xml version="1.0" encoding="utf-8"?>
+<file path=ppt/slides/slide19.xml><?xml version="1.0" encoding="utf-8"?>
 <p:sld xmlns:a="http://schemas.openxmlformats.org/drawingml/2006/main" xmlns:r="http://schemas.openxmlformats.org/officeDocument/2006/relationships" xmlns:p="http://schemas.openxmlformats.org/presentationml/2006/main">
   <p:cSld>
     <p:spTree>
@@ -23700,7 +24014,7 @@
     </p:spTree>
     <p:extLst>
       <p:ext uri="{BB962C8B-B14F-4D97-AF65-F5344CB8AC3E}">
-        <p14:creationId xmlns:p14="http://schemas.microsoft.com/office/powerpoint/2010/main" val="1489210522"/>
+        <p14:creationId xmlns:p14="http://schemas.microsoft.com/office/powerpoint/2010/main" val="358337746"/>
       </p:ext>
     </p:extLst>
   </p:cSld>
@@ -24040,6 +24354,217 @@
       </p:grpSpPr>
       <p:sp>
         <p:nvSpPr>
+          <p:cNvPr id="14" name="Title 1"/>
+          <p:cNvSpPr>
+            <a:spLocks noGrp="1"/>
+          </p:cNvSpPr>
+          <p:nvPr>
+            <p:ph type="title"/>
+          </p:nvPr>
+        </p:nvSpPr>
+        <p:spPr>
+          <a:xfrm>
+            <a:off x="0" y="0"/>
+            <a:ext cx="12192000" cy="1325563"/>
+          </a:xfrm>
+          <a:solidFill>
+            <a:srgbClr val="0070C0"/>
+          </a:solidFill>
+        </p:spPr>
+        <p:txBody>
+          <a:bodyPr/>
+          <a:lstStyle/>
+          <a:p>
+            <a:r>
+              <a:rPr lang="en-CA" b="1" dirty="0" smtClean="0">
+                <a:solidFill>
+                  <a:schemeClr val="bg1"/>
+                </a:solidFill>
+              </a:rPr>
+              <a:t>Why Functions?</a:t>
+            </a:r>
+            <a:endParaRPr lang="en-CA" b="1" dirty="0">
+              <a:solidFill>
+                <a:schemeClr val="bg1"/>
+              </a:solidFill>
+            </a:endParaRPr>
+          </a:p>
+        </p:txBody>
+      </p:sp>
+      <p:sp>
+        <p:nvSpPr>
+          <p:cNvPr id="2" name="Rectangle 1"/>
+          <p:cNvSpPr/>
+          <p:nvPr/>
+        </p:nvSpPr>
+        <p:spPr>
+          <a:xfrm>
+            <a:off x="1338396" y="2308988"/>
+            <a:ext cx="3121220" cy="3708684"/>
+          </a:xfrm>
+          <a:prstGeom prst="rect">
+            <a:avLst/>
+          </a:prstGeom>
+        </p:spPr>
+        <p:style>
+          <a:lnRef idx="2">
+            <a:schemeClr val="accent1">
+              <a:shade val="50000"/>
+            </a:schemeClr>
+          </a:lnRef>
+          <a:fillRef idx="1">
+            <a:schemeClr val="accent1"/>
+          </a:fillRef>
+          <a:effectRef idx="0">
+            <a:schemeClr val="accent1"/>
+          </a:effectRef>
+          <a:fontRef idx="minor">
+            <a:schemeClr val="lt1"/>
+          </a:fontRef>
+        </p:style>
+        <p:txBody>
+          <a:bodyPr rtlCol="0" anchor="ctr"/>
+          <a:lstStyle/>
+          <a:p>
+            <a:pPr algn="ctr"/>
+            <a:r>
+              <a:rPr lang="en-US" sz="3600" dirty="0" smtClean="0"/>
+              <a:t>Fast development</a:t>
+            </a:r>
+            <a:endParaRPr lang="en-CA" sz="3600" dirty="0"/>
+          </a:p>
+        </p:txBody>
+      </p:sp>
+      <p:sp>
+        <p:nvSpPr>
+          <p:cNvPr id="16" name="Rectangle 15"/>
+          <p:cNvSpPr/>
+          <p:nvPr/>
+        </p:nvSpPr>
+        <p:spPr>
+          <a:xfrm>
+            <a:off x="4572000" y="2308988"/>
+            <a:ext cx="3121220" cy="3708684"/>
+          </a:xfrm>
+          <a:prstGeom prst="rect">
+            <a:avLst/>
+          </a:prstGeom>
+        </p:spPr>
+        <p:style>
+          <a:lnRef idx="2">
+            <a:schemeClr val="accent1">
+              <a:shade val="50000"/>
+            </a:schemeClr>
+          </a:lnRef>
+          <a:fillRef idx="1">
+            <a:schemeClr val="accent1"/>
+          </a:fillRef>
+          <a:effectRef idx="0">
+            <a:schemeClr val="accent1"/>
+          </a:effectRef>
+          <a:fontRef idx="minor">
+            <a:schemeClr val="lt1"/>
+          </a:fontRef>
+        </p:style>
+        <p:txBody>
+          <a:bodyPr rtlCol="0" anchor="ctr"/>
+          <a:lstStyle/>
+          <a:p>
+            <a:pPr algn="ctr"/>
+            <a:r>
+              <a:rPr lang="en-US" sz="3600" dirty="0" smtClean="0"/>
+              <a:t>Server headaches delegated</a:t>
+            </a:r>
+            <a:endParaRPr lang="en-CA" sz="3600" dirty="0"/>
+          </a:p>
+        </p:txBody>
+      </p:sp>
+      <p:sp>
+        <p:nvSpPr>
+          <p:cNvPr id="17" name="Rectangle 16"/>
+          <p:cNvSpPr/>
+          <p:nvPr/>
+        </p:nvSpPr>
+        <p:spPr>
+          <a:xfrm>
+            <a:off x="7805604" y="2308988"/>
+            <a:ext cx="3121220" cy="3708684"/>
+          </a:xfrm>
+          <a:prstGeom prst="rect">
+            <a:avLst/>
+          </a:prstGeom>
+        </p:spPr>
+        <p:style>
+          <a:lnRef idx="2">
+            <a:schemeClr val="accent1">
+              <a:shade val="50000"/>
+            </a:schemeClr>
+          </a:lnRef>
+          <a:fillRef idx="1">
+            <a:schemeClr val="accent1"/>
+          </a:fillRef>
+          <a:effectRef idx="0">
+            <a:schemeClr val="accent1"/>
+          </a:effectRef>
+          <a:fontRef idx="minor">
+            <a:schemeClr val="lt1"/>
+          </a:fontRef>
+        </p:style>
+        <p:txBody>
+          <a:bodyPr rtlCol="0" anchor="ctr"/>
+          <a:lstStyle/>
+          <a:p>
+            <a:pPr algn="ctr"/>
+            <a:r>
+              <a:rPr lang="en-US" sz="3600" dirty="0" smtClean="0"/>
+              <a:t>Focus on logic</a:t>
+            </a:r>
+            <a:endParaRPr lang="en-CA" sz="3600" dirty="0"/>
+          </a:p>
+        </p:txBody>
+      </p:sp>
+    </p:spTree>
+    <p:extLst>
+      <p:ext uri="{BB962C8B-B14F-4D97-AF65-F5344CB8AC3E}">
+        <p14:creationId xmlns:p14="http://schemas.microsoft.com/office/powerpoint/2010/main" val="1489210522"/>
+      </p:ext>
+    </p:extLst>
+  </p:cSld>
+  <p:clrMapOvr>
+    <a:masterClrMapping/>
+  </p:clrMapOvr>
+  <p:transition>
+    <p:fade/>
+  </p:transition>
+  <p:timing>
+    <p:tnLst>
+      <p:par>
+        <p:cTn id="1" dur="indefinite" restart="never" nodeType="tmRoot"/>
+      </p:par>
+    </p:tnLst>
+  </p:timing>
+</p:sld>
+</file>
+
+<file path=ppt/slides/slide4.xml><?xml version="1.0" encoding="utf-8"?>
+<p:sld xmlns:a="http://schemas.openxmlformats.org/drawingml/2006/main" xmlns:r="http://schemas.openxmlformats.org/officeDocument/2006/relationships" xmlns:p="http://schemas.openxmlformats.org/presentationml/2006/main">
+  <p:cSld>
+    <p:spTree>
+      <p:nvGrpSpPr>
+        <p:cNvPr id="1" name=""/>
+        <p:cNvGrpSpPr/>
+        <p:nvPr/>
+      </p:nvGrpSpPr>
+      <p:grpSpPr>
+        <a:xfrm>
+          <a:off x="0" y="0"/>
+          <a:ext cx="0" cy="0"/>
+          <a:chOff x="0" y="0"/>
+          <a:chExt cx="0" cy="0"/>
+        </a:xfrm>
+      </p:grpSpPr>
+      <p:sp>
+        <p:nvSpPr>
           <p:cNvPr id="9" name="Rectangle 8"/>
           <p:cNvSpPr/>
           <p:nvPr/>
@@ -24317,8 +24842,8 @@
         </p:nvSpPr>
         <p:spPr>
           <a:xfrm>
-            <a:off x="8181788" y="2089807"/>
-            <a:ext cx="3855391" cy="520843"/>
+            <a:off x="7871579" y="2089807"/>
+            <a:ext cx="4250605" cy="523220"/>
           </a:xfrm>
           <a:prstGeom prst="rect">
             <a:avLst/>
@@ -24332,8 +24857,12 @@
           <a:lstStyle/>
           <a:p>
             <a:r>
+              <a:rPr lang="en-US" sz="2800" dirty="0" smtClean="0"/>
+              <a:t>Consumption Hosting </a:t>
+            </a:r>
+            <a:r>
               <a:rPr lang="en-US" sz="2800" dirty="0"/>
-              <a:t>Dynamic Hosting Plan</a:t>
+              <a:t>Plan</a:t>
             </a:r>
             <a:endParaRPr lang="en-CA" sz="2800" dirty="0"/>
           </a:p>
@@ -24433,6 +24962,36 @@
               <a:rPr lang="en-CA" dirty="0"/>
               <a:t> Platform responsible for scale</a:t>
             </a:r>
+          </a:p>
+        </p:txBody>
+      </p:sp>
+      <p:sp>
+        <p:nvSpPr>
+          <p:cNvPr id="5" name="TextBox 4"/>
+          <p:cNvSpPr txBox="1"/>
+          <p:nvPr/>
+        </p:nvSpPr>
+        <p:spPr>
+          <a:xfrm>
+            <a:off x="102168" y="6554051"/>
+            <a:ext cx="4909153" cy="369332"/>
+          </a:xfrm>
+          <a:prstGeom prst="rect">
+            <a:avLst/>
+          </a:prstGeom>
+          <a:noFill/>
+        </p:spPr>
+        <p:txBody>
+          <a:bodyPr wrap="square" rtlCol="0">
+            <a:spAutoFit/>
+          </a:bodyPr>
+          <a:lstStyle/>
+          <a:p>
+            <a:r>
+              <a:rPr lang="en-US" dirty="0" smtClean="0"/>
+              <a:t>*Consumption Plan used to be Dynamic Plan</a:t>
+            </a:r>
+            <a:endParaRPr lang="en-CA" dirty="0"/>
           </a:p>
         </p:txBody>
       </p:sp>
@@ -24835,7 +25394,7 @@
 </p:sld>
 </file>
 
-<file path=ppt/slides/slide4.xml><?xml version="1.0" encoding="utf-8"?>
+<file path=ppt/slides/slide5.xml><?xml version="1.0" encoding="utf-8"?>
 <p:sld xmlns:a="http://schemas.openxmlformats.org/drawingml/2006/main" xmlns:r="http://schemas.openxmlformats.org/officeDocument/2006/relationships" xmlns:p="http://schemas.openxmlformats.org/presentationml/2006/main">
   <p:cSld>
     <p:spTree>
@@ -24881,8 +25440,21 @@
                   <a:schemeClr val="bg1"/>
                 </a:solidFill>
               </a:rPr>
-              <a:t>Dynamic Tier Pricing</a:t>
+              <a:t>Dynamic Tier </a:t>
             </a:r>
+            <a:r>
+              <a:rPr lang="en-CA" b="1" dirty="0" smtClean="0">
+                <a:solidFill>
+                  <a:schemeClr val="bg1"/>
+                </a:solidFill>
+              </a:rPr>
+              <a:t>Pricing (Consumption Plan)</a:t>
+            </a:r>
+            <a:endParaRPr lang="en-CA" b="1" dirty="0">
+              <a:solidFill>
+                <a:schemeClr val="bg1"/>
+              </a:solidFill>
+            </a:endParaRPr>
           </a:p>
         </p:txBody>
       </p:sp>
@@ -25388,7 +25960,7 @@
 </p:sld>
 </file>
 
-<file path=ppt/slides/slide5.xml><?xml version="1.0" encoding="utf-8"?>
+<file path=ppt/slides/slide6.xml><?xml version="1.0" encoding="utf-8"?>
 <p:sld xmlns:a="http://schemas.openxmlformats.org/drawingml/2006/main" xmlns:r="http://schemas.openxmlformats.org/officeDocument/2006/relationships" xmlns:p="http://schemas.openxmlformats.org/presentationml/2006/main">
   <p:cSld>
     <p:spTree>
@@ -25480,6 +26052,24 @@
                 <a:cs typeface="Segoe UI" pitchFamily="34" charset="0"/>
               </a:rPr>
               <a:t>App Service Dynamic Runtime</a:t>
+            </a:r>
+            <a:r>
+              <a:rPr lang="en-US" sz="2400">
+                <a:gradFill>
+                  <a:gsLst>
+                    <a:gs pos="0">
+                      <a:srgbClr val="FFFFFF"/>
+                    </a:gs>
+                    <a:gs pos="100000">
+                      <a:srgbClr val="FFFFFF"/>
+                    </a:gs>
+                  </a:gsLst>
+                  <a:lin ang="5400000" scaled="0"/>
+                </a:gradFill>
+                <a:ea typeface="Segoe UI" pitchFamily="34" charset="0"/>
+                <a:cs typeface="Segoe UI" pitchFamily="34" charset="0"/>
+              </a:rPr>
+              <a:t/>
             </a:r>
             <a:br>
               <a:rPr lang="en-US" sz="2400">
@@ -26641,7 +27231,7 @@
 </p:sld>
 </file>
 
-<file path=ppt/slides/slide6.xml><?xml version="1.0" encoding="utf-8"?>
+<file path=ppt/slides/slide7.xml><?xml version="1.0" encoding="utf-8"?>
 <p:sld xmlns:a="http://schemas.openxmlformats.org/drawingml/2006/main" xmlns:r="http://schemas.openxmlformats.org/officeDocument/2006/relationships" xmlns:p="http://schemas.openxmlformats.org/presentationml/2006/main">
   <p:cSld>
     <p:spTree>
@@ -27697,7 +28287,7 @@
 </p:sld>
 </file>
 
-<file path=ppt/slides/slide7.xml><?xml version="1.0" encoding="utf-8"?>
+<file path=ppt/slides/slide8.xml><?xml version="1.0" encoding="utf-8"?>
 <p:sld xmlns:a="http://schemas.openxmlformats.org/drawingml/2006/main" xmlns:r="http://schemas.openxmlformats.org/officeDocument/2006/relationships" xmlns:p="http://schemas.openxmlformats.org/presentationml/2006/main">
   <p:cSld>
     <p:spTree>
@@ -28019,7 +28609,7 @@
 </p:sld>
 </file>
 
-<file path=ppt/slides/slide8.xml><?xml version="1.0" encoding="utf-8"?>
+<file path=ppt/slides/slide9.xml><?xml version="1.0" encoding="utf-8"?>
 <p:sld xmlns:a="http://schemas.openxmlformats.org/drawingml/2006/main" xmlns:r="http://schemas.openxmlformats.org/officeDocument/2006/relationships" xmlns:p="http://schemas.openxmlformats.org/presentationml/2006/main">
   <p:cSld>
     <p:spTree>
@@ -28216,172 +28806,6 @@
     <p:extLst>
       <p:ext uri="{BB962C8B-B14F-4D97-AF65-F5344CB8AC3E}">
         <p14:creationId xmlns:p14="http://schemas.microsoft.com/office/powerpoint/2010/main" val="2868234574"/>
-      </p:ext>
-    </p:extLst>
-  </p:cSld>
-  <p:clrMapOvr>
-    <a:masterClrMapping/>
-  </p:clrMapOvr>
-  <p:transition>
-    <p:fade/>
-  </p:transition>
-</p:sld>
-</file>
-
-<file path=ppt/slides/slide9.xml><?xml version="1.0" encoding="utf-8"?>
-<p:sld xmlns:a="http://schemas.openxmlformats.org/drawingml/2006/main" xmlns:r="http://schemas.openxmlformats.org/officeDocument/2006/relationships" xmlns:p="http://schemas.openxmlformats.org/presentationml/2006/main">
-  <p:cSld>
-    <p:spTree>
-      <p:nvGrpSpPr>
-        <p:cNvPr id="1" name=""/>
-        <p:cNvGrpSpPr/>
-        <p:nvPr/>
-      </p:nvGrpSpPr>
-      <p:grpSpPr>
-        <a:xfrm>
-          <a:off x="0" y="0"/>
-          <a:ext cx="0" cy="0"/>
-          <a:chOff x="0" y="0"/>
-          <a:chExt cx="0" cy="0"/>
-        </a:xfrm>
-      </p:grpSpPr>
-      <p:sp>
-        <p:nvSpPr>
-          <p:cNvPr id="14" name="Title 1"/>
-          <p:cNvSpPr>
-            <a:spLocks noGrp="1"/>
-          </p:cNvSpPr>
-          <p:nvPr>
-            <p:ph type="title"/>
-          </p:nvPr>
-        </p:nvSpPr>
-        <p:spPr>
-          <a:xfrm>
-            <a:off x="0" y="0"/>
-            <a:ext cx="12192000" cy="1325563"/>
-          </a:xfrm>
-          <a:solidFill>
-            <a:srgbClr val="0070C0"/>
-          </a:solidFill>
-        </p:spPr>
-        <p:txBody>
-          <a:bodyPr/>
-          <a:lstStyle/>
-          <a:p>
-            <a:r>
-              <a:rPr lang="en-CA" b="1" dirty="0">
-                <a:solidFill>
-                  <a:schemeClr val="bg1"/>
-                </a:solidFill>
-              </a:rPr>
-              <a:t>Bindings - Imperative</a:t>
-            </a:r>
-          </a:p>
-        </p:txBody>
-      </p:sp>
-      <p:sp>
-        <p:nvSpPr>
-          <p:cNvPr id="3" name="TextBox 2"/>
-          <p:cNvSpPr txBox="1"/>
-          <p:nvPr/>
-        </p:nvSpPr>
-        <p:spPr>
-          <a:xfrm>
-            <a:off x="283882" y="1533977"/>
-            <a:ext cx="11624236" cy="646331"/>
-          </a:xfrm>
-          <a:prstGeom prst="rect">
-            <a:avLst/>
-          </a:prstGeom>
-          <a:noFill/>
-        </p:spPr>
-        <p:txBody>
-          <a:bodyPr wrap="square" rtlCol="0">
-            <a:spAutoFit/>
-          </a:bodyPr>
-          <a:lstStyle/>
-          <a:p>
-            <a:r>
-              <a:rPr lang="en-US" sz="3600" dirty="0"/>
-              <a:t>Using </a:t>
-            </a:r>
-            <a:r>
-              <a:rPr lang="en-US" sz="3600" i="1" dirty="0" err="1"/>
-              <a:t>IBinder</a:t>
-            </a:r>
-            <a:r>
-              <a:rPr lang="en-US" sz="3600" dirty="0"/>
-              <a:t> or </a:t>
-            </a:r>
-            <a:r>
-              <a:rPr lang="en-US" sz="3600" i="1" dirty="0"/>
-              <a:t>Binder</a:t>
-            </a:r>
-            <a:r>
-              <a:rPr lang="en-US" sz="3600" dirty="0"/>
-              <a:t> parameter</a:t>
-            </a:r>
-          </a:p>
-        </p:txBody>
-      </p:sp>
-      <mc:AlternateContent xmlns:mc="http://schemas.openxmlformats.org/markup-compatibility/2006" xmlns:we="http://schemas.microsoft.com/office/webextensions/webextension/2010/11" xmlns:pca="http://schemas.microsoft.com/office/powerpoint/2013/contentapp">
-        <mc:Choice Requires="we pca">
-          <p:graphicFrame>
-            <p:nvGraphicFramePr>
-              <p:cNvPr id="2" name="Add-in 1" title="Code Presenter Pro"/>
-              <p:cNvGraphicFramePr>
-                <a:graphicFrameLocks noGrp="1"/>
-              </p:cNvGraphicFramePr>
-              <p:nvPr>
-                <p:extLst>
-                  <p:ext uri="{D42A27DB-BD31-4B8C-83A1-F6EECF244321}">
-                    <p14:modId xmlns:p14="http://schemas.microsoft.com/office/powerpoint/2010/main" val="1827484610"/>
-                  </p:ext>
-                </p:extLst>
-              </p:nvPr>
-            </p:nvGraphicFramePr>
-            <p:xfrm>
-              <a:off x="283882" y="2180309"/>
-              <a:ext cx="11624236" cy="4528716"/>
-            </p:xfrm>
-            <a:graphic>
-              <a:graphicData uri="http://schemas.microsoft.com/office/webextensions/webextension/2010/11">
-                <we:webextensionref xmlns:we="http://schemas.microsoft.com/office/webextensions/webextension/2010/11" xmlns:r="http://schemas.openxmlformats.org/officeDocument/2006/relationships" r:id="rId2"/>
-              </a:graphicData>
-            </a:graphic>
-          </p:graphicFrame>
-        </mc:Choice>
-        <mc:Fallback xmlns="">
-          <p:pic>
-            <p:nvPicPr>
-              <p:cNvPr id="2" name="Add-in 1" title="Code Presenter Pro"/>
-              <p:cNvPicPr>
-                <a:picLocks noGrp="1" noRot="1" noChangeAspect="1" noMove="1" noResize="1" noEditPoints="1" noAdjustHandles="1" noChangeArrowheads="1" noChangeShapeType="1"/>
-              </p:cNvPicPr>
-              <p:nvPr/>
-            </p:nvPicPr>
-            <p:blipFill>
-              <a:blip r:embed="rId3"/>
-              <a:stretch>
-                <a:fillRect/>
-              </a:stretch>
-            </p:blipFill>
-            <p:spPr>
-              <a:xfrm>
-                <a:off x="283882" y="2180309"/>
-                <a:ext cx="11624236" cy="4528716"/>
-              </a:xfrm>
-              <a:prstGeom prst="rect">
-                <a:avLst/>
-              </a:prstGeom>
-            </p:spPr>
-          </p:pic>
-        </mc:Fallback>
-      </mc:AlternateContent>
-    </p:spTree>
-    <p:extLst>
-      <p:ext uri="{BB962C8B-B14F-4D97-AF65-F5344CB8AC3E}">
-        <p14:creationId xmlns:p14="http://schemas.microsoft.com/office/powerpoint/2010/main" val="517819327"/>
       </p:ext>
     </p:extLst>
   </p:cSld>

--- a/AzureFunctions.pptx
+++ b/AzureFunctions.pptx
@@ -23952,13 +23952,18 @@
           <a:lstStyle/>
           <a:p>
             <a:r>
-              <a:rPr lang="en-CA" b="1" dirty="0">
+              <a:rPr lang="en-CA" b="1" dirty="0" smtClean="0">
                 <a:solidFill>
                   <a:schemeClr val="bg1"/>
                 </a:solidFill>
               </a:rPr>
-              <a:t>From IaaS to PaaS</a:t>
+              <a:t>Why Functions?</a:t>
             </a:r>
+            <a:endParaRPr lang="en-CA" b="1" dirty="0">
+              <a:solidFill>
+                <a:schemeClr val="bg1"/>
+              </a:solidFill>
+            </a:endParaRPr>
           </a:p>
         </p:txBody>
       </p:sp>
@@ -24381,7 +24386,7 @@
                   <a:schemeClr val="bg1"/>
                 </a:solidFill>
               </a:rPr>
-              <a:t>Why Functions?</a:t>
+              <a:t>What Functions Promise?</a:t>
             </a:r>
             <a:endParaRPr lang="en-CA" b="1" dirty="0">
               <a:solidFill>
@@ -24393,18 +24398,26 @@
       </p:sp>
       <p:sp>
         <p:nvSpPr>
-          <p:cNvPr id="2" name="Rectangle 1"/>
+          <p:cNvPr id="19" name="Rectangle 18"/>
           <p:cNvSpPr/>
           <p:nvPr/>
         </p:nvSpPr>
-        <p:spPr>
+        <p:spPr bwMode="auto">
           <a:xfrm>
-            <a:off x="1338396" y="2308988"/>
-            <a:ext cx="3121220" cy="3708684"/>
+            <a:off x="1200552" y="2724166"/>
+            <a:ext cx="2367083" cy="2241841"/>
           </a:xfrm>
           <a:prstGeom prst="rect">
             <a:avLst/>
           </a:prstGeom>
+          <a:solidFill>
+            <a:srgbClr val="00B0F0"/>
+          </a:solidFill>
+          <a:ln>
+            <a:noFill/>
+            <a:headEnd type="none" w="med" len="med"/>
+            <a:tailEnd type="none" w="med" len="med"/>
+          </a:ln>
         </p:spPr>
         <p:style>
           <a:lnRef idx="2">
@@ -24423,32 +24436,55 @@
           </a:fontRef>
         </p:style>
         <p:txBody>
-          <a:bodyPr rtlCol="0" anchor="ctr"/>
+          <a:bodyPr vert="horz" wrap="square" lIns="0" tIns="46630" rIns="0" bIns="46630" numCol="1" rtlCol="0" anchor="b" anchorCtr="0" compatLnSpc="1">
+            <a:prstTxWarp prst="textNoShape">
+              <a:avLst/>
+            </a:prstTxWarp>
+          </a:bodyPr>
           <a:lstStyle/>
           <a:p>
-            <a:pPr algn="ctr"/>
+            <a:pPr algn="ctr" defTabSz="932293" fontAlgn="base">
+              <a:spcBef>
+                <a:spcPct val="0"/>
+              </a:spcBef>
+              <a:spcAft>
+                <a:spcPct val="0"/>
+              </a:spcAft>
+            </a:pPr>
             <a:r>
-              <a:rPr lang="en-US" sz="3600" dirty="0" smtClean="0"/>
-              <a:t>Fast development</a:t>
+              <a:rPr lang="en-US" sz="2000" dirty="0"/>
+              <a:t>Fast </a:t>
             </a:r>
-            <a:endParaRPr lang="en-CA" sz="3600" dirty="0"/>
+            <a:r>
+              <a:rPr lang="en-US" sz="2000" dirty="0" smtClean="0"/>
+              <a:t>development</a:t>
+            </a:r>
+            <a:endParaRPr lang="en-CA" sz="2000" dirty="0"/>
           </a:p>
         </p:txBody>
       </p:sp>
       <p:sp>
         <p:nvSpPr>
-          <p:cNvPr id="16" name="Rectangle 15"/>
+          <p:cNvPr id="22" name="Rectangle 21"/>
           <p:cNvSpPr/>
           <p:nvPr/>
         </p:nvSpPr>
-        <p:spPr>
+        <p:spPr bwMode="auto">
           <a:xfrm>
-            <a:off x="4572000" y="2308988"/>
-            <a:ext cx="3121220" cy="3708684"/>
+            <a:off x="4831007" y="2724168"/>
+            <a:ext cx="2367083" cy="2241841"/>
           </a:xfrm>
           <a:prstGeom prst="rect">
             <a:avLst/>
           </a:prstGeom>
+          <a:solidFill>
+            <a:srgbClr val="00B0F0"/>
+          </a:solidFill>
+          <a:ln>
+            <a:noFill/>
+            <a:headEnd type="none" w="med" len="med"/>
+            <a:tailEnd type="none" w="med" len="med"/>
+          </a:ln>
         </p:spPr>
         <p:style>
           <a:lnRef idx="2">
@@ -24467,62 +24503,518 @@
           </a:fontRef>
         </p:style>
         <p:txBody>
-          <a:bodyPr rtlCol="0" anchor="ctr"/>
+          <a:bodyPr vert="horz" wrap="square" lIns="0" tIns="46630" rIns="0" bIns="46630" numCol="1" rtlCol="0" anchor="b" anchorCtr="0" compatLnSpc="1">
+            <a:prstTxWarp prst="textNoShape">
+              <a:avLst/>
+            </a:prstTxWarp>
+          </a:bodyPr>
           <a:lstStyle/>
           <a:p>
-            <a:pPr algn="ctr"/>
+            <a:pPr algn="ctr" defTabSz="932293" fontAlgn="base">
+              <a:spcBef>
+                <a:spcPct val="0"/>
+              </a:spcBef>
+              <a:spcAft>
+                <a:spcPct val="0"/>
+              </a:spcAft>
+            </a:pPr>
             <a:r>
-              <a:rPr lang="en-US" sz="3600" dirty="0" smtClean="0"/>
-              <a:t>Server headaches delegated</a:t>
+              <a:rPr lang="en-US" sz="2000" dirty="0" smtClean="0"/>
+              <a:t>Simper Ops</a:t>
             </a:r>
-            <a:endParaRPr lang="en-CA" sz="3600" dirty="0"/>
+            <a:endParaRPr lang="en-CA" sz="2000" dirty="0"/>
           </a:p>
         </p:txBody>
       </p:sp>
-      <p:sp>
-        <p:nvSpPr>
-          <p:cNvPr id="17" name="Rectangle 16"/>
-          <p:cNvSpPr/>
+      <p:grpSp>
+        <p:nvGrpSpPr>
+          <p:cNvPr id="49" name="Group 48"/>
+          <p:cNvGrpSpPr/>
           <p:nvPr/>
-        </p:nvSpPr>
-        <p:spPr>
+        </p:nvGrpSpPr>
+        <p:grpSpPr>
           <a:xfrm>
-            <a:off x="7805604" y="2308988"/>
-            <a:ext cx="3121220" cy="3708684"/>
+            <a:off x="1714375" y="2953155"/>
+            <a:ext cx="1492922" cy="1450983"/>
+            <a:chOff x="1714375" y="2953155"/>
+            <a:chExt cx="1492922" cy="1450983"/>
           </a:xfrm>
-          <a:prstGeom prst="rect">
-            <a:avLst/>
-          </a:prstGeom>
-        </p:spPr>
-        <p:style>
-          <a:lnRef idx="2">
-            <a:schemeClr val="accent1">
-              <a:shade val="50000"/>
-            </a:schemeClr>
-          </a:lnRef>
-          <a:fillRef idx="1">
-            <a:schemeClr val="accent1"/>
-          </a:fillRef>
-          <a:effectRef idx="0">
-            <a:schemeClr val="accent1"/>
-          </a:effectRef>
-          <a:fontRef idx="minor">
-            <a:schemeClr val="lt1"/>
-          </a:fontRef>
-        </p:style>
-        <p:txBody>
-          <a:bodyPr rtlCol="0" anchor="ctr"/>
-          <a:lstStyle/>
-          <a:p>
-            <a:pPr algn="ctr"/>
-            <a:r>
-              <a:rPr lang="en-US" sz="3600" dirty="0" smtClean="0"/>
-              <a:t>Focus on logic</a:t>
-            </a:r>
-            <a:endParaRPr lang="en-CA" sz="3600" dirty="0"/>
-          </a:p>
-        </p:txBody>
-      </p:sp>
+        </p:grpSpPr>
+        <p:sp>
+          <p:nvSpPr>
+            <p:cNvPr id="37" name="Oval 36"/>
+            <p:cNvSpPr/>
+            <p:nvPr/>
+          </p:nvSpPr>
+          <p:spPr bwMode="auto">
+            <a:xfrm>
+              <a:off x="1714375" y="2953155"/>
+              <a:ext cx="1492922" cy="1450983"/>
+            </a:xfrm>
+            <a:prstGeom prst="ellipse">
+              <a:avLst/>
+            </a:prstGeom>
+            <a:noFill/>
+            <a:ln w="76200">
+              <a:solidFill>
+                <a:schemeClr val="tx1"/>
+              </a:solidFill>
+              <a:headEnd type="none" w="med" len="med"/>
+              <a:tailEnd type="none" w="med" len="med"/>
+            </a:ln>
+          </p:spPr>
+          <p:style>
+            <a:lnRef idx="2">
+              <a:schemeClr val="accent1">
+                <a:shade val="50000"/>
+              </a:schemeClr>
+            </a:lnRef>
+            <a:fillRef idx="1">
+              <a:schemeClr val="accent1"/>
+            </a:fillRef>
+            <a:effectRef idx="0">
+              <a:schemeClr val="accent1"/>
+            </a:effectRef>
+            <a:fontRef idx="minor">
+              <a:schemeClr val="lt1"/>
+            </a:fontRef>
+          </p:style>
+          <p:txBody>
+            <a:bodyPr vert="horz" wrap="square" lIns="0" tIns="46630" rIns="0" bIns="46630" numCol="1" rtlCol="0" anchor="ctr" anchorCtr="0" compatLnSpc="1">
+              <a:prstTxWarp prst="textNoShape">
+                <a:avLst/>
+              </a:prstTxWarp>
+            </a:bodyPr>
+            <a:lstStyle/>
+            <a:p>
+              <a:pPr algn="ctr" defTabSz="932293" fontAlgn="base">
+                <a:spcBef>
+                  <a:spcPct val="0"/>
+                </a:spcBef>
+                <a:spcAft>
+                  <a:spcPct val="0"/>
+                </a:spcAft>
+              </a:pPr>
+              <a:endParaRPr lang="en-US" sz="2000" dirty="0">
+                <a:gradFill>
+                  <a:gsLst>
+                    <a:gs pos="5439">
+                      <a:srgbClr val="F8F8F8"/>
+                    </a:gs>
+                    <a:gs pos="10000">
+                      <a:srgbClr val="F8F8F8"/>
+                    </a:gs>
+                  </a:gsLst>
+                  <a:lin ang="5400000" scaled="0"/>
+                </a:gradFill>
+              </a:endParaRPr>
+            </a:p>
+          </p:txBody>
+        </p:sp>
+        <p:cxnSp>
+          <p:nvCxnSpPr>
+            <p:cNvPr id="39" name="Straight Arrow Connector 38"/>
+            <p:cNvCxnSpPr/>
+            <p:nvPr/>
+          </p:nvCxnSpPr>
+          <p:spPr>
+            <a:xfrm flipV="1">
+              <a:off x="2442887" y="3149561"/>
+              <a:ext cx="343780" cy="560324"/>
+            </a:xfrm>
+            <a:prstGeom prst="straightConnector1">
+              <a:avLst/>
+            </a:prstGeom>
+            <a:ln w="76200">
+              <a:solidFill>
+                <a:schemeClr val="tx1"/>
+              </a:solidFill>
+              <a:headEnd type="none"/>
+              <a:tailEnd type="triangle"/>
+            </a:ln>
+          </p:spPr>
+          <p:style>
+            <a:lnRef idx="1">
+              <a:schemeClr val="accent1"/>
+            </a:lnRef>
+            <a:fillRef idx="0">
+              <a:schemeClr val="accent1"/>
+            </a:fillRef>
+            <a:effectRef idx="0">
+              <a:schemeClr val="accent1"/>
+            </a:effectRef>
+            <a:fontRef idx="minor">
+              <a:schemeClr val="tx1"/>
+            </a:fontRef>
+          </p:style>
+        </p:cxnSp>
+        <p:cxnSp>
+          <p:nvCxnSpPr>
+            <p:cNvPr id="40" name="Straight Arrow Connector 39"/>
+            <p:cNvCxnSpPr/>
+            <p:nvPr/>
+          </p:nvCxnSpPr>
+          <p:spPr>
+            <a:xfrm flipV="1">
+              <a:off x="2442888" y="3680651"/>
+              <a:ext cx="457015" cy="29235"/>
+            </a:xfrm>
+            <a:prstGeom prst="straightConnector1">
+              <a:avLst/>
+            </a:prstGeom>
+            <a:ln w="76200">
+              <a:solidFill>
+                <a:schemeClr val="tx1"/>
+              </a:solidFill>
+              <a:headEnd type="none"/>
+              <a:tailEnd type="triangle"/>
+            </a:ln>
+          </p:spPr>
+          <p:style>
+            <a:lnRef idx="1">
+              <a:schemeClr val="accent1"/>
+            </a:lnRef>
+            <a:fillRef idx="0">
+              <a:schemeClr val="accent1"/>
+            </a:fillRef>
+            <a:effectRef idx="0">
+              <a:schemeClr val="accent1"/>
+            </a:effectRef>
+            <a:fontRef idx="minor">
+              <a:schemeClr val="tx1"/>
+            </a:fontRef>
+          </p:style>
+        </p:cxnSp>
+        <p:sp>
+          <p:nvSpPr>
+            <p:cNvPr id="41" name="Oval 40"/>
+            <p:cNvSpPr/>
+            <p:nvPr/>
+          </p:nvSpPr>
+          <p:spPr bwMode="auto">
+            <a:xfrm>
+              <a:off x="2339041" y="3565856"/>
+              <a:ext cx="206129" cy="229590"/>
+            </a:xfrm>
+            <a:prstGeom prst="ellipse">
+              <a:avLst/>
+            </a:prstGeom>
+            <a:solidFill>
+              <a:schemeClr val="tx1"/>
+            </a:solidFill>
+            <a:ln>
+              <a:solidFill>
+                <a:schemeClr val="tx1"/>
+              </a:solidFill>
+              <a:headEnd type="none" w="med" len="med"/>
+              <a:tailEnd type="none" w="med" len="med"/>
+            </a:ln>
+          </p:spPr>
+          <p:style>
+            <a:lnRef idx="2">
+              <a:schemeClr val="accent1">
+                <a:shade val="50000"/>
+              </a:schemeClr>
+            </a:lnRef>
+            <a:fillRef idx="1">
+              <a:schemeClr val="accent1"/>
+            </a:fillRef>
+            <a:effectRef idx="0">
+              <a:schemeClr val="accent1"/>
+            </a:effectRef>
+            <a:fontRef idx="minor">
+              <a:schemeClr val="lt1"/>
+            </a:fontRef>
+          </p:style>
+          <p:txBody>
+            <a:bodyPr vert="horz" wrap="square" lIns="0" tIns="46630" rIns="0" bIns="46630" numCol="1" rtlCol="0" anchor="ctr" anchorCtr="0" compatLnSpc="1">
+              <a:prstTxWarp prst="textNoShape">
+                <a:avLst/>
+              </a:prstTxWarp>
+            </a:bodyPr>
+            <a:lstStyle/>
+            <a:p>
+              <a:pPr algn="ctr" defTabSz="932293" fontAlgn="base">
+                <a:spcBef>
+                  <a:spcPct val="0"/>
+                </a:spcBef>
+                <a:spcAft>
+                  <a:spcPct val="0"/>
+                </a:spcAft>
+              </a:pPr>
+              <a:endParaRPr lang="en-US" sz="2000" dirty="0">
+                <a:gradFill>
+                  <a:gsLst>
+                    <a:gs pos="5439">
+                      <a:srgbClr val="F8F8F8"/>
+                    </a:gs>
+                    <a:gs pos="10000">
+                      <a:srgbClr val="F8F8F8"/>
+                    </a:gs>
+                  </a:gsLst>
+                  <a:lin ang="5400000" scaled="0"/>
+                </a:gradFill>
+              </a:endParaRPr>
+            </a:p>
+          </p:txBody>
+        </p:sp>
+      </p:grpSp>
+      <p:grpSp>
+        <p:nvGrpSpPr>
+          <p:cNvPr id="47" name="Group 46"/>
+          <p:cNvGrpSpPr/>
+          <p:nvPr/>
+        </p:nvGrpSpPr>
+        <p:grpSpPr>
+          <a:xfrm>
+            <a:off x="8461461" y="2724167"/>
+            <a:ext cx="2367083" cy="2241841"/>
+            <a:chOff x="8461461" y="2724167"/>
+            <a:chExt cx="2367083" cy="2241841"/>
+          </a:xfrm>
+        </p:grpSpPr>
+        <p:sp>
+          <p:nvSpPr>
+            <p:cNvPr id="23" name="Rectangle 22"/>
+            <p:cNvSpPr/>
+            <p:nvPr/>
+          </p:nvSpPr>
+          <p:spPr bwMode="auto">
+            <a:xfrm>
+              <a:off x="8461461" y="2724167"/>
+              <a:ext cx="2367083" cy="2241841"/>
+            </a:xfrm>
+            <a:prstGeom prst="rect">
+              <a:avLst/>
+            </a:prstGeom>
+            <a:solidFill>
+              <a:srgbClr val="00B0F0"/>
+            </a:solidFill>
+            <a:ln>
+              <a:noFill/>
+              <a:headEnd type="none" w="med" len="med"/>
+              <a:tailEnd type="none" w="med" len="med"/>
+            </a:ln>
+          </p:spPr>
+          <p:style>
+            <a:lnRef idx="2">
+              <a:schemeClr val="accent1">
+                <a:shade val="50000"/>
+              </a:schemeClr>
+            </a:lnRef>
+            <a:fillRef idx="1">
+              <a:schemeClr val="accent1"/>
+            </a:fillRef>
+            <a:effectRef idx="0">
+              <a:schemeClr val="accent1"/>
+            </a:effectRef>
+            <a:fontRef idx="minor">
+              <a:schemeClr val="lt1"/>
+            </a:fontRef>
+          </p:style>
+          <p:txBody>
+            <a:bodyPr vert="horz" wrap="square" lIns="0" tIns="46630" rIns="0" bIns="46630" numCol="1" rtlCol="0" anchor="b" anchorCtr="0" compatLnSpc="1">
+              <a:prstTxWarp prst="textNoShape">
+                <a:avLst/>
+              </a:prstTxWarp>
+            </a:bodyPr>
+            <a:lstStyle/>
+            <a:p>
+              <a:pPr algn="ctr"/>
+              <a:r>
+                <a:rPr lang="en-US" sz="2000" dirty="0"/>
+                <a:t>Focus on logic</a:t>
+              </a:r>
+              <a:endParaRPr lang="en-CA" sz="2000" dirty="0"/>
+            </a:p>
+          </p:txBody>
+        </p:sp>
+        <p:pic>
+          <p:nvPicPr>
+            <p:cNvPr id="8" name="Picture 7"/>
+            <p:cNvPicPr>
+              <a:picLocks noChangeAspect="1"/>
+            </p:cNvPicPr>
+            <p:nvPr/>
+          </p:nvPicPr>
+          <p:blipFill>
+            <a:blip r:embed="rId2">
+              <a:biLevel thresh="75000"/>
+            </a:blip>
+            <a:stretch>
+              <a:fillRect/>
+            </a:stretch>
+          </p:blipFill>
+          <p:spPr>
+            <a:xfrm>
+              <a:off x="9109826" y="3109256"/>
+              <a:ext cx="1260185" cy="1591723"/>
+            </a:xfrm>
+            <a:prstGeom prst="rect">
+              <a:avLst/>
+            </a:prstGeom>
+          </p:spPr>
+        </p:pic>
+        <p:sp>
+          <p:nvSpPr>
+            <p:cNvPr id="45" name="Rectangle 44"/>
+            <p:cNvSpPr/>
+            <p:nvPr/>
+          </p:nvSpPr>
+          <p:spPr bwMode="auto">
+            <a:xfrm>
+              <a:off x="8634911" y="4414439"/>
+              <a:ext cx="2020182" cy="245676"/>
+            </a:xfrm>
+            <a:prstGeom prst="rect">
+              <a:avLst/>
+            </a:prstGeom>
+            <a:solidFill>
+              <a:srgbClr val="00B0F0"/>
+            </a:solidFill>
+            <a:ln>
+              <a:noFill/>
+              <a:headEnd type="none" w="med" len="med"/>
+              <a:tailEnd type="none" w="med" len="med"/>
+            </a:ln>
+          </p:spPr>
+          <p:style>
+            <a:lnRef idx="2">
+              <a:schemeClr val="accent1">
+                <a:shade val="50000"/>
+              </a:schemeClr>
+            </a:lnRef>
+            <a:fillRef idx="1">
+              <a:schemeClr val="accent1"/>
+            </a:fillRef>
+            <a:effectRef idx="0">
+              <a:schemeClr val="accent1"/>
+            </a:effectRef>
+            <a:fontRef idx="minor">
+              <a:schemeClr val="lt1"/>
+            </a:fontRef>
+          </p:style>
+          <p:txBody>
+            <a:bodyPr vert="horz" wrap="square" lIns="0" tIns="46630" rIns="0" bIns="46630" numCol="1" rtlCol="0" anchor="b" anchorCtr="0" compatLnSpc="1">
+              <a:prstTxWarp prst="textNoShape">
+                <a:avLst/>
+              </a:prstTxWarp>
+            </a:bodyPr>
+            <a:lstStyle/>
+            <a:p>
+              <a:pPr algn="ctr" defTabSz="932293" fontAlgn="base">
+                <a:spcBef>
+                  <a:spcPct val="0"/>
+                </a:spcBef>
+                <a:spcAft>
+                  <a:spcPct val="0"/>
+                </a:spcAft>
+              </a:pPr>
+              <a:endParaRPr lang="en-CA" sz="2000" dirty="0"/>
+            </a:p>
+          </p:txBody>
+        </p:sp>
+      </p:grpSp>
+      <p:grpSp>
+        <p:nvGrpSpPr>
+          <p:cNvPr id="48" name="Group 47"/>
+          <p:cNvGrpSpPr/>
+          <p:nvPr/>
+        </p:nvGrpSpPr>
+        <p:grpSpPr>
+          <a:xfrm>
+            <a:off x="5107006" y="3109257"/>
+            <a:ext cx="2020182" cy="1489562"/>
+            <a:chOff x="5107006" y="3109257"/>
+            <a:chExt cx="2020182" cy="1489562"/>
+          </a:xfrm>
+        </p:grpSpPr>
+        <p:pic>
+          <p:nvPicPr>
+            <p:cNvPr id="6" name="Picture 5"/>
+            <p:cNvPicPr>
+              <a:picLocks noChangeAspect="1"/>
+            </p:cNvPicPr>
+            <p:nvPr/>
+          </p:nvPicPr>
+          <p:blipFill>
+            <a:blip r:embed="rId3">
+              <a:biLevel thresh="25000"/>
+            </a:blip>
+            <a:stretch>
+              <a:fillRect/>
+            </a:stretch>
+          </p:blipFill>
+          <p:spPr>
+            <a:xfrm>
+              <a:off x="5514011" y="3109257"/>
+              <a:ext cx="983850" cy="1425288"/>
+            </a:xfrm>
+            <a:prstGeom prst="rect">
+              <a:avLst/>
+            </a:prstGeom>
+          </p:spPr>
+        </p:pic>
+        <p:sp>
+          <p:nvSpPr>
+            <p:cNvPr id="46" name="Rectangle 45"/>
+            <p:cNvSpPr/>
+            <p:nvPr/>
+          </p:nvSpPr>
+          <p:spPr bwMode="auto">
+            <a:xfrm>
+              <a:off x="5107006" y="4353143"/>
+              <a:ext cx="2020182" cy="245676"/>
+            </a:xfrm>
+            <a:prstGeom prst="rect">
+              <a:avLst/>
+            </a:prstGeom>
+            <a:solidFill>
+              <a:srgbClr val="00B0F0"/>
+            </a:solidFill>
+            <a:ln>
+              <a:noFill/>
+              <a:headEnd type="none" w="med" len="med"/>
+              <a:tailEnd type="none" w="med" len="med"/>
+            </a:ln>
+          </p:spPr>
+          <p:style>
+            <a:lnRef idx="2">
+              <a:schemeClr val="accent1">
+                <a:shade val="50000"/>
+              </a:schemeClr>
+            </a:lnRef>
+            <a:fillRef idx="1">
+              <a:schemeClr val="accent1"/>
+            </a:fillRef>
+            <a:effectRef idx="0">
+              <a:schemeClr val="accent1"/>
+            </a:effectRef>
+            <a:fontRef idx="minor">
+              <a:schemeClr val="lt1"/>
+            </a:fontRef>
+          </p:style>
+          <p:txBody>
+            <a:bodyPr vert="horz" wrap="square" lIns="0" tIns="46630" rIns="0" bIns="46630" numCol="1" rtlCol="0" anchor="b" anchorCtr="0" compatLnSpc="1">
+              <a:prstTxWarp prst="textNoShape">
+                <a:avLst/>
+              </a:prstTxWarp>
+            </a:bodyPr>
+            <a:lstStyle/>
+            <a:p>
+              <a:pPr algn="ctr" defTabSz="932293" fontAlgn="base">
+                <a:spcBef>
+                  <a:spcPct val="0"/>
+                </a:spcBef>
+                <a:spcAft>
+                  <a:spcPct val="0"/>
+                </a:spcAft>
+              </a:pPr>
+              <a:endParaRPr lang="en-CA" sz="2000" dirty="0"/>
+            </a:p>
+          </p:txBody>
+        </p:sp>
+      </p:grpSp>
     </p:spTree>
     <p:extLst>
       <p:ext uri="{BB962C8B-B14F-4D97-AF65-F5344CB8AC3E}">
@@ -24675,13 +25167,18 @@
           <a:lstStyle/>
           <a:p>
             <a:r>
-              <a:rPr lang="en-CA" b="1" dirty="0">
+              <a:rPr lang="en-CA" b="1" dirty="0" smtClean="0">
                 <a:solidFill>
                   <a:schemeClr val="bg1"/>
                 </a:solidFill>
               </a:rPr>
-              <a:t>App Service Plan</a:t>
+              <a:t>Where Functions Live?</a:t>
             </a:r>
+            <a:endParaRPr lang="en-CA" b="1" dirty="0">
+              <a:solidFill>
+                <a:schemeClr val="bg1"/>
+              </a:solidFill>
+            </a:endParaRPr>
           </a:p>
         </p:txBody>
       </p:sp>

--- a/AzureFunctions.pptx
+++ b/AzureFunctions.pptx
@@ -21,8 +21,8 @@
     <p:sldId id="268" r:id="rId12"/>
     <p:sldId id="264" r:id="rId13"/>
     <p:sldId id="269" r:id="rId14"/>
-    <p:sldId id="270" r:id="rId15"/>
-    <p:sldId id="271" r:id="rId16"/>
+    <p:sldId id="271" r:id="rId15"/>
+    <p:sldId id="270" r:id="rId16"/>
     <p:sldId id="272" r:id="rId17"/>
     <p:sldId id="273" r:id="rId18"/>
     <p:sldId id="274" r:id="rId19"/>
@@ -6783,6 +6783,13 @@
   <p:transition>
     <p:fade/>
   </p:transition>
+  <p:timing>
+    <p:tnLst>
+      <p:par>
+        <p:cTn id="1" dur="indefinite" restart="never" nodeType="tmRoot"/>
+      </p:par>
+    </p:tnLst>
+  </p:timing>
 </p:sld>
 </file>
 
@@ -6882,8 +6889,8 @@
           </a:p>
         </p:txBody>
       </p:sp>
-      <mc:AlternateContent xmlns:mc="http://schemas.openxmlformats.org/markup-compatibility/2006" xmlns:we="http://schemas.microsoft.com/office/webextensions/webextension/2010/11" xmlns:pca="http://schemas.microsoft.com/office/powerpoint/2013/contentapp">
-        <mc:Choice Requires="we pca">
+      <mc:AlternateContent xmlns:mc="http://schemas.openxmlformats.org/markup-compatibility/2006">
+        <mc:Choice xmlns:we="http://schemas.microsoft.com/office/webextensions/webextension/2010/11" xmlns:pca="http://schemas.microsoft.com/office/powerpoint/2013/contentapp" Requires="we pca">
           <p:graphicFrame>
             <p:nvGraphicFramePr>
               <p:cNvPr id="2" name="Add-in 1" title="Code Presenter Pro"/>
@@ -6909,7 +6916,7 @@
             </a:graphic>
           </p:graphicFrame>
         </mc:Choice>
-        <mc:Fallback xmlns="">
+        <mc:Fallback>
           <p:pic>
             <p:nvPicPr>
               <p:cNvPr id="2" name="Add-in 1" title="Code Presenter Pro"/>
@@ -6949,6 +6956,13 @@
   <p:transition>
     <p:fade/>
   </p:transition>
+  <p:timing>
+    <p:tnLst>
+      <p:par>
+        <p:cTn id="1" dur="indefinite" restart="never" nodeType="tmRoot"/>
+      </p:par>
+    </p:tnLst>
+  </p:timing>
 </p:sld>
 </file>
 
@@ -10357,6 +10371,13 @@
   <p:transition>
     <p:fade/>
   </p:transition>
+  <p:timing>
+    <p:tnLst>
+      <p:par>
+        <p:cTn id="1" dur="indefinite" restart="never" nodeType="tmRoot"/>
+      </p:par>
+    </p:tnLst>
+  </p:timing>
 </p:sld>
 </file>
 
@@ -10932,155 +10953,17 @@
   <p:transition>
     <p:fade/>
   </p:transition>
+  <p:timing>
+    <p:tnLst>
+      <p:par>
+        <p:cTn id="1" dur="indefinite" restart="never" nodeType="tmRoot"/>
+      </p:par>
+    </p:tnLst>
+  </p:timing>
 </p:sld>
 </file>
 
 <file path=ppt/slides/slide14.xml><?xml version="1.0" encoding="utf-8"?>
-<p:sld xmlns:a="http://schemas.openxmlformats.org/drawingml/2006/main" xmlns:r="http://schemas.openxmlformats.org/officeDocument/2006/relationships" xmlns:p="http://schemas.openxmlformats.org/presentationml/2006/main">
-  <p:cSld>
-    <p:spTree>
-      <p:nvGrpSpPr>
-        <p:cNvPr id="1" name=""/>
-        <p:cNvGrpSpPr/>
-        <p:nvPr/>
-      </p:nvGrpSpPr>
-      <p:grpSpPr>
-        <a:xfrm>
-          <a:off x="0" y="0"/>
-          <a:ext cx="0" cy="0"/>
-          <a:chOff x="0" y="0"/>
-          <a:chExt cx="0" cy="0"/>
-        </a:xfrm>
-      </p:grpSpPr>
-      <p:sp>
-        <p:nvSpPr>
-          <p:cNvPr id="14" name="Title 1"/>
-          <p:cNvSpPr>
-            <a:spLocks noGrp="1"/>
-          </p:cNvSpPr>
-          <p:nvPr>
-            <p:ph type="title"/>
-          </p:nvPr>
-        </p:nvSpPr>
-        <p:spPr>
-          <a:xfrm>
-            <a:off x="0" y="0"/>
-            <a:ext cx="12192000" cy="1325563"/>
-          </a:xfrm>
-          <a:solidFill>
-            <a:srgbClr val="0070C0"/>
-          </a:solidFill>
-        </p:spPr>
-        <p:txBody>
-          <a:bodyPr/>
-          <a:lstStyle/>
-          <a:p>
-            <a:r>
-              <a:rPr lang="en-US" b="1" dirty="0">
-                <a:solidFill>
-                  <a:schemeClr val="bg1"/>
-                </a:solidFill>
-              </a:rPr>
-              <a:t>Use case: Message Deduplication</a:t>
-            </a:r>
-            <a:endParaRPr lang="en-CA" b="1" dirty="0">
-              <a:solidFill>
-                <a:schemeClr val="bg1"/>
-              </a:solidFill>
-            </a:endParaRPr>
-          </a:p>
-        </p:txBody>
-      </p:sp>
-      <p:pic>
-        <p:nvPicPr>
-          <p:cNvPr id="1026" name="Picture 2" descr="http://microsoftintegration.guru/wp-content/uploads/2016/09/092016_1317_Deduplicati2.png"/>
-          <p:cNvPicPr>
-            <a:picLocks noChangeAspect="1" noChangeArrowheads="1"/>
-          </p:cNvPicPr>
-          <p:nvPr/>
-        </p:nvPicPr>
-        <p:blipFill>
-          <a:blip r:embed="rId2">
-            <a:extLst>
-              <a:ext uri="{28A0092B-C50C-407E-A947-70E740481C1C}">
-                <a14:useLocalDpi xmlns:a14="http://schemas.microsoft.com/office/drawing/2010/main" val="0"/>
-              </a:ext>
-            </a:extLst>
-          </a:blip>
-          <a:srcRect/>
-          <a:stretch>
-            <a:fillRect/>
-          </a:stretch>
-        </p:blipFill>
-        <p:spPr bwMode="auto">
-          <a:xfrm>
-            <a:off x="2415867" y="1401108"/>
-            <a:ext cx="7360267" cy="5456891"/>
-          </a:xfrm>
-          <a:prstGeom prst="rect">
-            <a:avLst/>
-          </a:prstGeom>
-          <a:noFill/>
-          <a:extLst>
-            <a:ext uri="{909E8E84-426E-40DD-AFC4-6F175D3DCCD1}">
-              <a14:hiddenFill xmlns:a14="http://schemas.microsoft.com/office/drawing/2010/main">
-                <a:solidFill>
-                  <a:srgbClr val="FFFFFF"/>
-                </a:solidFill>
-              </a14:hiddenFill>
-            </a:ext>
-          </a:extLst>
-        </p:spPr>
-      </p:pic>
-      <p:sp>
-        <p:nvSpPr>
-          <p:cNvPr id="2" name="TextBox 1"/>
-          <p:cNvSpPr txBox="1"/>
-          <p:nvPr/>
-        </p:nvSpPr>
-        <p:spPr>
-          <a:xfrm>
-            <a:off x="143435" y="6400800"/>
-            <a:ext cx="11893177" cy="369332"/>
-          </a:xfrm>
-          <a:prstGeom prst="rect">
-            <a:avLst/>
-          </a:prstGeom>
-          <a:noFill/>
-        </p:spPr>
-        <p:txBody>
-          <a:bodyPr wrap="square" rtlCol="0">
-            <a:spAutoFit/>
-          </a:bodyPr>
-          <a:lstStyle/>
-          <a:p>
-            <a:r>
-              <a:rPr lang="en-CA" dirty="0">
-                <a:hlinkClick r:id="rId3"/>
-              </a:rPr>
-              <a:t>http://microsoftintegration.guru/2016/09/20/use-azure-function-to-deduplicate-messages-on-azure-service-bus/</a:t>
-            </a:r>
-            <a:endParaRPr lang="en-CA" dirty="0"/>
-          </a:p>
-        </p:txBody>
-      </p:sp>
-    </p:spTree>
-    <p:extLst>
-      <p:ext uri="{BB962C8B-B14F-4D97-AF65-F5344CB8AC3E}">
-        <p14:creationId xmlns:p14="http://schemas.microsoft.com/office/powerpoint/2010/main" val="1672112130"/>
-      </p:ext>
-    </p:extLst>
-  </p:cSld>
-  <p:clrMapOvr>
-    <a:masterClrMapping/>
-  </p:clrMapOvr>
-  <p:transition>
-    <p:fade/>
-  </p:transition>
-</p:sld>
-</file>
-
-<file path=ppt/slides/slide15.xml><?xml version="1.0" encoding="utf-8"?>
 <p:sld xmlns:a="http://schemas.openxmlformats.org/drawingml/2006/main" xmlns:r="http://schemas.openxmlformats.org/officeDocument/2006/relationships" xmlns:p="http://schemas.openxmlformats.org/presentationml/2006/main">
   <p:cSld>
     <p:spTree>
@@ -11297,6 +11180,165 @@
   <p:transition>
     <p:fade/>
   </p:transition>
+  <p:timing>
+    <p:tnLst>
+      <p:par>
+        <p:cTn id="1" dur="indefinite" restart="never" nodeType="tmRoot"/>
+      </p:par>
+    </p:tnLst>
+  </p:timing>
+</p:sld>
+</file>
+
+<file path=ppt/slides/slide15.xml><?xml version="1.0" encoding="utf-8"?>
+<p:sld xmlns:a="http://schemas.openxmlformats.org/drawingml/2006/main" xmlns:r="http://schemas.openxmlformats.org/officeDocument/2006/relationships" xmlns:p="http://schemas.openxmlformats.org/presentationml/2006/main">
+  <p:cSld>
+    <p:spTree>
+      <p:nvGrpSpPr>
+        <p:cNvPr id="1" name=""/>
+        <p:cNvGrpSpPr/>
+        <p:nvPr/>
+      </p:nvGrpSpPr>
+      <p:grpSpPr>
+        <a:xfrm>
+          <a:off x="0" y="0"/>
+          <a:ext cx="0" cy="0"/>
+          <a:chOff x="0" y="0"/>
+          <a:chExt cx="0" cy="0"/>
+        </a:xfrm>
+      </p:grpSpPr>
+      <p:sp>
+        <p:nvSpPr>
+          <p:cNvPr id="14" name="Title 1"/>
+          <p:cNvSpPr>
+            <a:spLocks noGrp="1"/>
+          </p:cNvSpPr>
+          <p:nvPr>
+            <p:ph type="title"/>
+          </p:nvPr>
+        </p:nvSpPr>
+        <p:spPr>
+          <a:xfrm>
+            <a:off x="0" y="0"/>
+            <a:ext cx="12192000" cy="1325563"/>
+          </a:xfrm>
+          <a:solidFill>
+            <a:srgbClr val="0070C0"/>
+          </a:solidFill>
+        </p:spPr>
+        <p:txBody>
+          <a:bodyPr/>
+          <a:lstStyle/>
+          <a:p>
+            <a:r>
+              <a:rPr lang="en-US" b="1" dirty="0">
+                <a:solidFill>
+                  <a:schemeClr val="bg1"/>
+                </a:solidFill>
+              </a:rPr>
+              <a:t>Use case: Message Deduplication</a:t>
+            </a:r>
+            <a:endParaRPr lang="en-CA" b="1" dirty="0">
+              <a:solidFill>
+                <a:schemeClr val="bg1"/>
+              </a:solidFill>
+            </a:endParaRPr>
+          </a:p>
+        </p:txBody>
+      </p:sp>
+      <p:pic>
+        <p:nvPicPr>
+          <p:cNvPr id="1026" name="Picture 2" descr="http://microsoftintegration.guru/wp-content/uploads/2016/09/092016_1317_Deduplicati2.png"/>
+          <p:cNvPicPr>
+            <a:picLocks noChangeAspect="1" noChangeArrowheads="1"/>
+          </p:cNvPicPr>
+          <p:nvPr/>
+        </p:nvPicPr>
+        <p:blipFill>
+          <a:blip r:embed="rId2">
+            <a:extLst>
+              <a:ext uri="{28A0092B-C50C-407E-A947-70E740481C1C}">
+                <a14:useLocalDpi xmlns:a14="http://schemas.microsoft.com/office/drawing/2010/main" val="0"/>
+              </a:ext>
+            </a:extLst>
+          </a:blip>
+          <a:srcRect/>
+          <a:stretch>
+            <a:fillRect/>
+          </a:stretch>
+        </p:blipFill>
+        <p:spPr bwMode="auto">
+          <a:xfrm>
+            <a:off x="2415867" y="1401108"/>
+            <a:ext cx="7360267" cy="5456891"/>
+          </a:xfrm>
+          <a:prstGeom prst="rect">
+            <a:avLst/>
+          </a:prstGeom>
+          <a:noFill/>
+          <a:extLst>
+            <a:ext uri="{909E8E84-426E-40DD-AFC4-6F175D3DCCD1}">
+              <a14:hiddenFill xmlns:a14="http://schemas.microsoft.com/office/drawing/2010/main">
+                <a:solidFill>
+                  <a:srgbClr val="FFFFFF"/>
+                </a:solidFill>
+              </a14:hiddenFill>
+            </a:ext>
+          </a:extLst>
+        </p:spPr>
+      </p:pic>
+      <p:sp>
+        <p:nvSpPr>
+          <p:cNvPr id="2" name="TextBox 1"/>
+          <p:cNvSpPr txBox="1"/>
+          <p:nvPr/>
+        </p:nvSpPr>
+        <p:spPr>
+          <a:xfrm>
+            <a:off x="143435" y="6400800"/>
+            <a:ext cx="11893177" cy="369332"/>
+          </a:xfrm>
+          <a:prstGeom prst="rect">
+            <a:avLst/>
+          </a:prstGeom>
+          <a:noFill/>
+        </p:spPr>
+        <p:txBody>
+          <a:bodyPr wrap="square" rtlCol="0">
+            <a:spAutoFit/>
+          </a:bodyPr>
+          <a:lstStyle/>
+          <a:p>
+            <a:r>
+              <a:rPr lang="en-CA" dirty="0">
+                <a:hlinkClick r:id="rId3"/>
+              </a:rPr>
+              <a:t>http://microsoftintegration.guru/2016/09/20/use-azure-function-to-deduplicate-messages-on-azure-service-bus/</a:t>
+            </a:r>
+            <a:endParaRPr lang="en-CA" dirty="0"/>
+          </a:p>
+        </p:txBody>
+      </p:sp>
+    </p:spTree>
+    <p:extLst>
+      <p:ext uri="{BB962C8B-B14F-4D97-AF65-F5344CB8AC3E}">
+        <p14:creationId xmlns:p14="http://schemas.microsoft.com/office/powerpoint/2010/main" val="1672112130"/>
+      </p:ext>
+    </p:extLst>
+  </p:cSld>
+  <p:clrMapOvr>
+    <a:masterClrMapping/>
+  </p:clrMapOvr>
+  <p:transition>
+    <p:fade/>
+  </p:transition>
+  <p:timing>
+    <p:tnLst>
+      <p:par>
+        <p:cTn id="1" dur="indefinite" restart="never" nodeType="tmRoot"/>
+      </p:par>
+    </p:tnLst>
+  </p:timing>
 </p:sld>
 </file>
 
@@ -11361,38 +11403,6 @@
                 <a:schemeClr val="bg1"/>
               </a:solidFill>
             </a:endParaRPr>
-          </a:p>
-        </p:txBody>
-      </p:sp>
-      <p:sp>
-        <p:nvSpPr>
-          <p:cNvPr id="2" name="TextBox 1"/>
-          <p:cNvSpPr txBox="1"/>
-          <p:nvPr/>
-        </p:nvSpPr>
-        <p:spPr>
-          <a:xfrm>
-            <a:off x="149411" y="6198336"/>
-            <a:ext cx="11893177" cy="646331"/>
-          </a:xfrm>
-          <a:prstGeom prst="rect">
-            <a:avLst/>
-          </a:prstGeom>
-          <a:noFill/>
-        </p:spPr>
-        <p:txBody>
-          <a:bodyPr wrap="square" rtlCol="0">
-            <a:spAutoFit/>
-          </a:bodyPr>
-          <a:lstStyle/>
-          <a:p>
-            <a:r>
-              <a:rPr lang="en-CA" dirty="0">
-                <a:hlinkClick r:id="rId2"/>
-              </a:rPr>
-              <a:t>https://portal.azure.com/#blade/WebsitesExtension/FunctionsIFrameBlade/id/%2Fsubscriptions%2F97d311d3-b788-4002-87c0-cd8688165f76%2FresourceGroups%2FAzureFunctions-WestUS%2Fproviders%2FMicrosoft.Web%2Fsites%2Fxkcd</a:t>
-            </a:r>
-            <a:endParaRPr lang="en-CA" dirty="0"/>
           </a:p>
         </p:txBody>
       </p:sp>
@@ -22867,12 +22877,12 @@
           <p:nvPr/>
         </p:nvPicPr>
         <p:blipFill>
-          <a:blip r:embed="rId3">
+          <a:blip r:embed="rId2">
             <a:grayscl/>
             <a:extLst>
               <a:ext uri="{BEBA8EAE-BF5A-486C-A8C5-ECC9F3942E4B}">
                 <a14:imgProps xmlns:a14="http://schemas.microsoft.com/office/drawing/2010/main">
-                  <a14:imgLayer r:embed="rId4">
+                  <a14:imgLayer r:embed="rId3">
                     <a14:imgEffect>
                       <a14:backgroundRemoval t="10000" b="90000" l="10000" r="90000"/>
                     </a14:imgEffect>
@@ -22908,6 +22918,13 @@
   <p:transition>
     <p:fade/>
   </p:transition>
+  <p:timing>
+    <p:tnLst>
+      <p:par>
+        <p:cTn id="1" dur="indefinite" restart="never" nodeType="tmRoot"/>
+      </p:par>
+    </p:tnLst>
+  </p:timing>
 </p:sld>
 </file>
 
@@ -23346,15 +23363,15 @@
         </p:nvSpPr>
         <p:spPr>
           <a:xfrm>
-            <a:off x="149411" y="1673263"/>
-            <a:ext cx="6096000" cy="523220"/>
+            <a:off x="149410" y="1673263"/>
+            <a:ext cx="11012399" cy="1815882"/>
           </a:xfrm>
           <a:prstGeom prst="rect">
             <a:avLst/>
           </a:prstGeom>
         </p:spPr>
         <p:txBody>
-          <a:bodyPr>
+          <a:bodyPr wrap="square">
             <a:spAutoFit/>
           </a:bodyPr>
           <a:lstStyle/>
@@ -23364,7 +23381,44 @@
               <a:rPr lang="en-US" sz="2800" dirty="0">
                 <a:latin typeface="Calibri" panose="020F0502020204030204" pitchFamily="34" charset="0"/>
               </a:rPr>
-              <a:t>Ask away!</a:t>
+              <a:t>Ask away</a:t>
+            </a:r>
+            <a:r>
+              <a:rPr lang="en-US" sz="2800" dirty="0" smtClean="0">
+                <a:latin typeface="Calibri" panose="020F0502020204030204" pitchFamily="34" charset="0"/>
+              </a:rPr>
+              <a:t>!</a:t>
+            </a:r>
+          </a:p>
+          <a:p>
+            <a:pPr marL="342900" fontAlgn="ctr"/>
+            <a:endParaRPr lang="en-US" sz="2800" dirty="0">
+              <a:latin typeface="Calibri" panose="020F0502020204030204" pitchFamily="34" charset="0"/>
+            </a:endParaRPr>
+          </a:p>
+          <a:p>
+            <a:pPr marL="342900" fontAlgn="ctr"/>
+            <a:r>
+              <a:rPr lang="en-US" sz="2800" dirty="0" smtClean="0">
+                <a:latin typeface="Calibri" panose="020F0502020204030204" pitchFamily="34" charset="0"/>
+              </a:rPr>
+              <a:t>Q: Where can I find Azure materials?</a:t>
+            </a:r>
+          </a:p>
+          <a:p>
+            <a:pPr marL="342900" fontAlgn="ctr"/>
+            <a:r>
+              <a:rPr lang="en-US" sz="2800" dirty="0">
+                <a:latin typeface="Calibri" panose="020F0502020204030204" pitchFamily="34" charset="0"/>
+              </a:rPr>
+              <a:t>A: </a:t>
+            </a:r>
+            <a:r>
+              <a:rPr lang="en-US" sz="2800" dirty="0">
+                <a:latin typeface="Calibri" panose="020F0502020204030204" pitchFamily="34" charset="0"/>
+                <a:hlinkClick r:id="rId3"/>
+              </a:rPr>
+              <a:t>https://github.com/Azure/Azure-Functions/</a:t>
             </a:r>
             <a:endParaRPr lang="en-US" sz="4000" dirty="0">
               <a:latin typeface="Calibri" panose="020F0502020204030204" pitchFamily="34" charset="0"/>
@@ -23385,6 +23439,13 @@
   <p:transition>
     <p:fade/>
   </p:transition>
+  <p:timing>
+    <p:tnLst>
+      <p:par>
+        <p:cTn id="1" dur="indefinite" restart="never" nodeType="tmRoot"/>
+      </p:par>
+    </p:tnLst>
+  </p:timing>
 </p:sld>
 </file>
 
@@ -23448,7 +23509,7 @@
         <p:spPr>
           <a:xfrm>
             <a:off x="256449" y="1708347"/>
-            <a:ext cx="11276293" cy="3416320"/>
+            <a:ext cx="11276293" cy="3046988"/>
           </a:xfrm>
           <a:prstGeom prst="rect">
             <a:avLst/>
@@ -23471,20 +23532,17 @@
               <a:t>@</a:t>
             </a:r>
             <a:r>
-              <a:rPr lang="en-CA" sz="2400" b="1" dirty="0" err="1">
+              <a:rPr lang="en-CA" sz="2400" b="1" dirty="0" err="1" smtClean="0">
                 <a:hlinkClick r:id="rId3" action="ppaction://hlinkfile"/>
               </a:rPr>
               <a:t>sfeldman</a:t>
             </a:r>
-            <a:endParaRPr lang="en-CA" sz="2400" b="1" dirty="0"/>
-          </a:p>
-          <a:p>
             <a:r>
-              <a:rPr lang="en-CA" sz="2400" b="1" dirty="0"/>
-              <a:t>Send your feedback to </a:t>
+              <a:rPr lang="en-CA" sz="2400" b="1" dirty="0" smtClean="0"/>
+              <a:t> / </a:t>
             </a:r>
             <a:r>
-              <a:rPr lang="en-CA" sz="2400" b="1" dirty="0">
+              <a:rPr lang="en-CA" sz="2400" b="1" dirty="0" smtClean="0">
                 <a:hlinkClick r:id="rId4"/>
               </a:rPr>
               <a:t>feldman.sean@gmail.com</a:t>
@@ -23493,8 +23551,8 @@
           </a:p>
           <a:p>
             <a:r>
-              <a:rPr lang="en-CA" sz="2400" b="1" dirty="0"/>
-              <a:t>Feel up your RSS feed with </a:t>
+              <a:rPr lang="en-CA" sz="2400" b="1" dirty="0" smtClean="0"/>
+              <a:t>Blog </a:t>
             </a:r>
             <a:r>
               <a:rPr lang="en-CA" sz="2400" b="1" dirty="0">
@@ -23536,8 +23594,13 @@
             </a:pPr>
             <a:r>
               <a:rPr lang="en-CA" sz="2400" b="1" dirty="0"/>
-              <a:t>Azure Portal (Ibiza)</a:t>
+              <a:t>Azure </a:t>
             </a:r>
+            <a:r>
+              <a:rPr lang="en-CA" sz="2400" b="1" dirty="0" smtClean="0"/>
+              <a:t>Portal</a:t>
+            </a:r>
+            <a:endParaRPr lang="en-CA" sz="2400" b="1" dirty="0"/>
           </a:p>
           <a:p>
             <a:pPr marL="342900" indent="-342900">
@@ -23619,6 +23682,13 @@
   <p:clrMapOvr>
     <a:masterClrMapping/>
   </p:clrMapOvr>
+  <p:timing>
+    <p:tnLst>
+      <p:par>
+        <p:cTn id="1" dur="indefinite" restart="never" nodeType="tmRoot"/>
+      </p:par>
+    </p:tnLst>
+  </p:timing>
 </p:sld>
 </file>
 
@@ -25470,8 +25540,8 @@
         </p:nvSpPr>
         <p:spPr>
           <a:xfrm>
-            <a:off x="102168" y="6554051"/>
-            <a:ext cx="4909153" cy="369332"/>
+            <a:off x="102168" y="6502969"/>
+            <a:ext cx="5440424" cy="369332"/>
           </a:xfrm>
           <a:prstGeom prst="rect">
             <a:avLst/>
@@ -25486,7 +25556,7 @@
           <a:p>
             <a:r>
               <a:rPr lang="en-US" dirty="0" smtClean="0"/>
-              <a:t>*Consumption Plan used to be Dynamic Plan</a:t>
+              <a:t>*Consumption Plan used to be called “Dynamic Tier”</a:t>
             </a:r>
             <a:endParaRPr lang="en-CA" dirty="0"/>
           </a:p>
@@ -25855,6 +25925,51 @@
                       </p:childTnLst>
                     </p:cTn>
                   </p:par>
+                  <p:par>
+                    <p:cTn id="32" fill="hold">
+                      <p:stCondLst>
+                        <p:cond delay="indefinite"/>
+                      </p:stCondLst>
+                      <p:childTnLst>
+                        <p:par>
+                          <p:cTn id="33" fill="hold">
+                            <p:stCondLst>
+                              <p:cond delay="0"/>
+                            </p:stCondLst>
+                            <p:childTnLst>
+                              <p:par>
+                                <p:cTn id="34" presetID="1" presetClass="entr" presetSubtype="0" fill="hold" grpId="0" nodeType="clickEffect">
+                                  <p:stCondLst>
+                                    <p:cond delay="0"/>
+                                  </p:stCondLst>
+                                  <p:childTnLst>
+                                    <p:set>
+                                      <p:cBhvr>
+                                        <p:cTn id="35" dur="1" fill="hold">
+                                          <p:stCondLst>
+                                            <p:cond delay="0"/>
+                                          </p:stCondLst>
+                                        </p:cTn>
+                                        <p:tgtEl>
+                                          <p:spTgt spid="5"/>
+                                        </p:tgtEl>
+                                        <p:attrNameLst>
+                                          <p:attrName>style.visibility</p:attrName>
+                                        </p:attrNameLst>
+                                      </p:cBhvr>
+                                      <p:to>
+                                        <p:strVal val="visible"/>
+                                      </p:to>
+                                    </p:set>
+                                  </p:childTnLst>
+                                </p:cTn>
+                              </p:par>
+                            </p:childTnLst>
+                          </p:cTn>
+                        </p:par>
+                      </p:childTnLst>
+                    </p:cTn>
+                  </p:par>
                 </p:childTnLst>
               </p:cTn>
               <p:prevCondLst>
@@ -25886,6 +26001,7 @@
       <p:bldP spid="18" grpId="0"/>
       <p:bldP spid="4" grpId="0"/>
       <p:bldP spid="19" grpId="0"/>
+      <p:bldP spid="5" grpId="0"/>
     </p:bldLst>
   </p:timing>
 </p:sld>
@@ -27376,15 +27492,15 @@
                   <a:schemeClr val="bg1"/>
                 </a:solidFill>
               </a:rPr>
-              <a:t>Azure </a:t>
+              <a:t>Azure Functions </a:t>
             </a:r>
             <a:r>
-              <a:rPr lang="en-CA" b="1">
+              <a:rPr lang="en-CA" b="1" dirty="0" smtClean="0">
                 <a:solidFill>
                   <a:schemeClr val="bg1"/>
                 </a:solidFill>
               </a:rPr>
-              <a:t>Functions architecture</a:t>
+              <a:t>Architecture</a:t>
             </a:r>
             <a:endParaRPr lang="en-CA" b="1" dirty="0">
               <a:solidFill>
@@ -28889,30 +29005,60 @@
           </a:p>
         </p:txBody>
       </p:sp>
-      <p:pic>
-        <p:nvPicPr>
-          <p:cNvPr id="4" name="Picture 3"/>
-          <p:cNvPicPr>
-            <a:picLocks noChangeAspect="1"/>
-          </p:cNvPicPr>
-          <p:nvPr/>
-        </p:nvPicPr>
-        <p:blipFill>
-          <a:blip r:embed="rId2"/>
-          <a:stretch>
-            <a:fillRect/>
-          </a:stretch>
-        </p:blipFill>
-        <p:spPr>
-          <a:xfrm>
-            <a:off x="2140209" y="3724250"/>
-            <a:ext cx="7911583" cy="2439484"/>
-          </a:xfrm>
-          <a:prstGeom prst="rect">
-            <a:avLst/>
-          </a:prstGeom>
-        </p:spPr>
-      </p:pic>
+      <mc:AlternateContent xmlns:mc="http://schemas.openxmlformats.org/markup-compatibility/2006">
+        <mc:Choice xmlns:we="http://schemas.microsoft.com/office/webextensions/webextension/2010/11" xmlns:pca="http://schemas.microsoft.com/office/powerpoint/2013/contentapp" Requires="we pca">
+          <p:graphicFrame>
+            <p:nvGraphicFramePr>
+              <p:cNvPr id="2" name="Add-in 1" title="Code Presenter Pro"/>
+              <p:cNvGraphicFramePr>
+                <a:graphicFrameLocks noGrp="1"/>
+              </p:cNvGraphicFramePr>
+              <p:nvPr>
+                <p:extLst>
+                  <p:ext uri="{D42A27DB-BD31-4B8C-83A1-F6EECF244321}">
+                    <p14:modId xmlns:p14="http://schemas.microsoft.com/office/powerpoint/2010/main" val="718219015"/>
+                  </p:ext>
+                </p:extLst>
+              </p:nvPr>
+            </p:nvGraphicFramePr>
+            <p:xfrm>
+              <a:off x="592572" y="3540106"/>
+              <a:ext cx="11315546" cy="3167196"/>
+            </p:xfrm>
+            <a:graphic>
+              <a:graphicData uri="http://schemas.microsoft.com/office/webextensions/webextension/2010/11">
+                <we:webextensionref xmlns:we="http://schemas.microsoft.com/office/webextensions/webextension/2010/11" xmlns:r="http://schemas.openxmlformats.org/officeDocument/2006/relationships" r:id="rId2"/>
+              </a:graphicData>
+            </a:graphic>
+          </p:graphicFrame>
+        </mc:Choice>
+        <mc:Fallback>
+          <p:pic>
+            <p:nvPicPr>
+              <p:cNvPr id="2" name="Add-in 1" title="Code Presenter Pro"/>
+              <p:cNvPicPr>
+                <a:picLocks noGrp="1" noRot="1" noChangeAspect="1" noMove="1" noResize="1" noEditPoints="1" noAdjustHandles="1" noChangeArrowheads="1" noChangeShapeType="1"/>
+              </p:cNvPicPr>
+              <p:nvPr/>
+            </p:nvPicPr>
+            <p:blipFill>
+              <a:blip r:embed="rId3"/>
+              <a:stretch>
+                <a:fillRect/>
+              </a:stretch>
+            </p:blipFill>
+            <p:spPr>
+              <a:xfrm>
+                <a:off x="592572" y="3540106"/>
+                <a:ext cx="11315546" cy="3167196"/>
+              </a:xfrm>
+              <a:prstGeom prst="rect">
+                <a:avLst/>
+              </a:prstGeom>
+            </p:spPr>
+          </p:pic>
+        </mc:Fallback>
+      </mc:AlternateContent>
     </p:spTree>
     <p:extLst>
       <p:ext uri="{BB962C8B-B14F-4D97-AF65-F5344CB8AC3E}">
@@ -28929,177 +29075,7 @@
   <p:timing>
     <p:tnLst>
       <p:par>
-        <p:cTn id="1" dur="indefinite" restart="never" nodeType="tmRoot">
-          <p:childTnLst>
-            <p:seq concurrent="1" nextAc="seek">
-              <p:cTn id="2" dur="indefinite" nodeType="mainSeq">
-                <p:childTnLst>
-                  <p:par>
-                    <p:cTn id="3" fill="hold">
-                      <p:stCondLst>
-                        <p:cond delay="indefinite"/>
-                      </p:stCondLst>
-                      <p:childTnLst>
-                        <p:par>
-                          <p:cTn id="4" fill="hold">
-                            <p:stCondLst>
-                              <p:cond delay="0"/>
-                            </p:stCondLst>
-                            <p:childTnLst>
-                              <p:par>
-                                <p:cTn id="5" presetID="1" presetClass="entr" presetSubtype="0" fill="hold" nodeType="clickEffect">
-                                  <p:stCondLst>
-                                    <p:cond delay="0"/>
-                                  </p:stCondLst>
-                                  <p:childTnLst>
-                                    <p:set>
-                                      <p:cBhvr>
-                                        <p:cTn id="6" dur="1" fill="hold">
-                                          <p:stCondLst>
-                                            <p:cond delay="0"/>
-                                          </p:stCondLst>
-                                        </p:cTn>
-                                        <p:tgtEl>
-                                          <p:spTgt spid="3">
-                                            <p:txEl>
-                                              <p:pRg st="0" end="0"/>
-                                            </p:txEl>
-                                          </p:spTgt>
-                                        </p:tgtEl>
-                                        <p:attrNameLst>
-                                          <p:attrName>style.visibility</p:attrName>
-                                        </p:attrNameLst>
-                                      </p:cBhvr>
-                                      <p:to>
-                                        <p:strVal val="visible"/>
-                                      </p:to>
-                                    </p:set>
-                                  </p:childTnLst>
-                                </p:cTn>
-                              </p:par>
-                            </p:childTnLst>
-                          </p:cTn>
-                        </p:par>
-                      </p:childTnLst>
-                    </p:cTn>
-                  </p:par>
-                  <p:par>
-                    <p:cTn id="7" fill="hold">
-                      <p:stCondLst>
-                        <p:cond delay="indefinite"/>
-                      </p:stCondLst>
-                      <p:childTnLst>
-                        <p:par>
-                          <p:cTn id="8" fill="hold">
-                            <p:stCondLst>
-                              <p:cond delay="0"/>
-                            </p:stCondLst>
-                            <p:childTnLst>
-                              <p:par>
-                                <p:cTn id="9" presetID="1" presetClass="entr" presetSubtype="0" fill="hold" nodeType="clickEffect">
-                                  <p:stCondLst>
-                                    <p:cond delay="0"/>
-                                  </p:stCondLst>
-                                  <p:childTnLst>
-                                    <p:set>
-                                      <p:cBhvr>
-                                        <p:cTn id="10" dur="1" fill="hold">
-                                          <p:stCondLst>
-                                            <p:cond delay="0"/>
-                                          </p:stCondLst>
-                                        </p:cTn>
-                                        <p:tgtEl>
-                                          <p:spTgt spid="3">
-                                            <p:txEl>
-                                              <p:pRg st="1" end="1"/>
-                                            </p:txEl>
-                                          </p:spTgt>
-                                        </p:tgtEl>
-                                        <p:attrNameLst>
-                                          <p:attrName>style.visibility</p:attrName>
-                                        </p:attrNameLst>
-                                      </p:cBhvr>
-                                      <p:to>
-                                        <p:strVal val="visible"/>
-                                      </p:to>
-                                    </p:set>
-                                  </p:childTnLst>
-                                </p:cTn>
-                              </p:par>
-                            </p:childTnLst>
-                          </p:cTn>
-                        </p:par>
-                      </p:childTnLst>
-                    </p:cTn>
-                  </p:par>
-                  <p:par>
-                    <p:cTn id="11" fill="hold">
-                      <p:stCondLst>
-                        <p:cond delay="indefinite"/>
-                      </p:stCondLst>
-                      <p:childTnLst>
-                        <p:par>
-                          <p:cTn id="12" fill="hold">
-                            <p:stCondLst>
-                              <p:cond delay="0"/>
-                            </p:stCondLst>
-                            <p:childTnLst>
-                              <p:par>
-                                <p:cTn id="13" presetID="1" presetClass="entr" presetSubtype="0" fill="hold" nodeType="clickEffect">
-                                  <p:stCondLst>
-                                    <p:cond delay="0"/>
-                                  </p:stCondLst>
-                                  <p:childTnLst>
-                                    <p:set>
-                                      <p:cBhvr>
-                                        <p:cTn id="14" dur="1" fill="hold">
-                                          <p:stCondLst>
-                                            <p:cond delay="0"/>
-                                          </p:stCondLst>
-                                        </p:cTn>
-                                        <p:tgtEl>
-                                          <p:spTgt spid="3">
-                                            <p:txEl>
-                                              <p:pRg st="2" end="2"/>
-                                            </p:txEl>
-                                          </p:spTgt>
-                                        </p:tgtEl>
-                                        <p:attrNameLst>
-                                          <p:attrName>style.visibility</p:attrName>
-                                        </p:attrNameLst>
-                                      </p:cBhvr>
-                                      <p:to>
-                                        <p:strVal val="visible"/>
-                                      </p:to>
-                                    </p:set>
-                                  </p:childTnLst>
-                                </p:cTn>
-                              </p:par>
-                            </p:childTnLst>
-                          </p:cTn>
-                        </p:par>
-                      </p:childTnLst>
-                    </p:cTn>
-                  </p:par>
-                </p:childTnLst>
-              </p:cTn>
-              <p:prevCondLst>
-                <p:cond evt="onPrev" delay="0">
-                  <p:tgtEl>
-                    <p:sldTgt/>
-                  </p:tgtEl>
-                </p:cond>
-              </p:prevCondLst>
-              <p:nextCondLst>
-                <p:cond evt="onNext" delay="0">
-                  <p:tgtEl>
-                    <p:sldTgt/>
-                  </p:tgtEl>
-                </p:cond>
-              </p:nextCondLst>
-            </p:seq>
-          </p:childTnLst>
-        </p:cTn>
+        <p:cTn id="1" dur="indefinite" restart="never" nodeType="tmRoot"/>
       </p:par>
     </p:tnLst>
   </p:timing>
@@ -29191,8 +29167,8 @@
           </a:p>
         </p:txBody>
       </p:sp>
-      <mc:AlternateContent xmlns:mc="http://schemas.openxmlformats.org/markup-compatibility/2006" xmlns:we="http://schemas.microsoft.com/office/webextensions/webextension/2010/11" xmlns:pca="http://schemas.microsoft.com/office/powerpoint/2013/contentapp">
-        <mc:Choice Requires="we pca">
+      <mc:AlternateContent xmlns:mc="http://schemas.openxmlformats.org/markup-compatibility/2006">
+        <mc:Choice xmlns:we="http://schemas.microsoft.com/office/webextensions/webextension/2010/11" xmlns:pca="http://schemas.microsoft.com/office/powerpoint/2013/contentapp" Requires="we pca">
           <p:graphicFrame>
             <p:nvGraphicFramePr>
               <p:cNvPr id="2" name="Add-in 1" title="Code Presenter Pro"/>
@@ -29218,7 +29194,7 @@
             </a:graphic>
           </p:graphicFrame>
         </mc:Choice>
-        <mc:Fallback xmlns="">
+        <mc:Fallback>
           <p:pic>
             <p:nvPicPr>
               <p:cNvPr id="2" name="Add-in 1" title="Code Presenter Pro"/>
@@ -29245,8 +29221,8 @@
           </p:pic>
         </mc:Fallback>
       </mc:AlternateContent>
-      <mc:AlternateContent xmlns:mc="http://schemas.openxmlformats.org/markup-compatibility/2006" xmlns:we="http://schemas.microsoft.com/office/webextensions/webextension/2010/11" xmlns:pca="http://schemas.microsoft.com/office/powerpoint/2013/contentapp">
-        <mc:Choice Requires="we pca">
+      <mc:AlternateContent xmlns:mc="http://schemas.openxmlformats.org/markup-compatibility/2006">
+        <mc:Choice xmlns:we="http://schemas.microsoft.com/office/webextensions/webextension/2010/11" xmlns:pca="http://schemas.microsoft.com/office/powerpoint/2013/contentapp" Requires="we pca">
           <p:graphicFrame>
             <p:nvGraphicFramePr>
               <p:cNvPr id="7" name="Add-in 6" title="Code Presenter Pro"/>
@@ -29272,7 +29248,7 @@
             </a:graphic>
           </p:graphicFrame>
         </mc:Choice>
-        <mc:Fallback xmlns="">
+        <mc:Fallback>
           <p:pic>
             <p:nvPicPr>
               <p:cNvPr id="7" name="Add-in 6" title="Code Presenter Pro"/>
@@ -29312,6 +29288,13 @@
   <p:transition>
     <p:fade/>
   </p:transition>
+  <p:timing>
+    <p:tnLst>
+      <p:par>
+        <p:cTn id="1" dur="indefinite" restart="never" nodeType="tmRoot"/>
+      </p:par>
+    </p:tnLst>
+  </p:timing>
 </p:sld>
 </file>
 
@@ -29906,6 +29889,20 @@
 </file>
 
 <file path=ppt/webextensions/webextension1.xml><?xml version="1.0" encoding="utf-8"?>
+<we:webextension xmlns:we="http://schemas.microsoft.com/office/webextensions/webextension/2010/11" id="{54FB4948-F243-4018-9AED-2768274E0B8A}">
+  <we:reference id="wa104379263" version="1.0.0.1" store="en-US" storeType="OMEX"/>
+  <we:alternateReferences>
+    <we:reference id="wa104379263" version="1.0.0.1" store="wa104379263" storeType="OMEX"/>
+  </we:alternateReferences>
+  <we:properties>
+    <we:property name="config" value="{&quot;display_lang&quot;:&quot;en&quot;,&quot;display_font&quot;:&quot;Consolas&quot;,&quot;syntax_color&quot;:{&quot;Reserved words&quot;:&quot;#0000ff&quot;,&quot;Compiler directives&quot;:&quot;#FF0000&quot;,&quot;Namespaces&quot;:&quot;#008080&quot;,&quot;Classes&quot;:&quot;#808000&quot;,&quot;Line comment&quot;:&quot;#008000&quot;,&quot;Block comment&quot;:&quot;#008000&quot;,&quot;Quotation&quot;:&quot;#FF00FF&quot;,&quot;Quatation 2&quot;:&quot;#FF00FF&quot;,&quot;Number&quot;:&quot;#800080&quot;},&quot;old_syntax_color&quot;:{&quot;Reserved words&quot;:&quot;#0000FF&quot;,&quot;Compiler directives&quot;:&quot;#FF0000&quot;,&quot;Namespaces&quot;:&quot;#008080&quot;,&quot;Classes&quot;:&quot;#808000&quot;,&quot;Line comment&quot;:&quot;#008000&quot;,&quot;Block comment&quot;:&quot;#008000&quot;,&quot;Quotation&quot;:&quot;#FF00FF&quot;,&quot;Quatation 2&quot;:&quot;#FF00FF&quot;,&quot;Number&quot;:&quot;#800080&quot;},&quot;show_line_number&quot;:true,&quot;code_lang&quot;:&quot;cs&quot;,&quot;code&quot;:&quot;public static void Run(string myQueueItem, out string myQueue, TraceWriter log)\n{\n    myQueue = myQueueItem + \&quot;(next step)\&quot;;\n}\n\npublic static void Run(string myQueueItem, ICollector&lt;string&gt; myQueue, TraceWriter log)\n{\n    myQueue.Add(myQueueItem + \&quot;(step 1)\&quot;);\n    myQueue.Add(myQueueItem + \&quot;(step 2)\&quot;);\n}\n\npublic static async Task&lt;HttpResponseMessage&gt; Run(HttpRequestMessage req, TraceWriter log)\n{\n    return req.CreateResponse(HttpStatusCode.BadRequest, \&quot;No one's home. Go away!\&quot;);\n}&quot;,&quot;ctags&quot;:{&quot;Run&quot;:[{&quot;linenum&quot;:&quot;12&quot;,&quot;signature&quot;:&quot;Run(HttpRequestMessage req, TraceWriter log)&quot;},{&quot;linenum&quot;:&quot;1&quot;,&quot;signature&quot;:&quot;Run(string myQueueItem, out string myQueue, TraceWriter log)&quot;},{&quot;linenum&quot;:&quot;6&quot;,&quot;signature&quot;:&quot;Run(string myQueueItem, ICollector&lt;string&gt; myQueue, TraceWriter log)&quot;}]}}"/>
+  </we:properties>
+  <we:bindings/>
+  <we:snapshot xmlns:r="http://schemas.openxmlformats.org/officeDocument/2006/relationships" r:embed="rId1"/>
+</we:webextension>
+</file>
+
+<file path=ppt/webextensions/webextension2.xml><?xml version="1.0" encoding="utf-8"?>
 <we:webextension xmlns:we="http://schemas.microsoft.com/office/webextensions/webextension/2010/11" id="{E3768801-2D51-4CFF-9F9F-B5BB97A492F1}">
   <we:reference id="wa104379263" version="1.0.0.1" store="en-US" storeType="OMEX"/>
   <we:alternateReferences>
@@ -29919,7 +29916,7 @@
 </we:webextension>
 </file>
 
-<file path=ppt/webextensions/webextension2.xml><?xml version="1.0" encoding="utf-8"?>
+<file path=ppt/webextensions/webextension3.xml><?xml version="1.0" encoding="utf-8"?>
 <we:webextension xmlns:we="http://schemas.microsoft.com/office/webextensions/webextension/2010/11" id="{244726CC-33F0-44EC-B1E0-EF7A11DC71FE}">
   <we:reference id="wa104379263" version="1.0.0.1" store="en-US" storeType="OMEX"/>
   <we:alternateReferences>
@@ -29933,7 +29930,7 @@
 </we:webextension>
 </file>
 
-<file path=ppt/webextensions/webextension3.xml><?xml version="1.0" encoding="utf-8"?>
+<file path=ppt/webextensions/webextension4.xml><?xml version="1.0" encoding="utf-8"?>
 <we:webextension xmlns:we="http://schemas.microsoft.com/office/webextensions/webextension/2010/11" id="{E3768801-2D51-4CFF-9F9F-B5BB97A492F1}">
   <we:reference id="wa104379263" version="1.0.0.1" store="en-US" storeType="OMEX"/>
   <we:alternateReferences>
